--- a/jvm/jvm内存管理-谭维明.pptx
+++ b/jvm/jvm内存管理-谭维明.pptx
@@ -5,25 +5,32 @@
     <p:sldMasterId id="2147483648" r:id="rId1"/>
   </p:sldMasterIdLst>
   <p:notesMasterIdLst>
-    <p:notesMasterId r:id="rId18"/>
+    <p:notesMasterId r:id="rId25"/>
   </p:notesMasterIdLst>
   <p:sldIdLst>
     <p:sldId id="256" r:id="rId2"/>
     <p:sldId id="275" r:id="rId3"/>
     <p:sldId id="278" r:id="rId4"/>
-    <p:sldId id="290" r:id="rId5"/>
-    <p:sldId id="279" r:id="rId6"/>
-    <p:sldId id="284" r:id="rId7"/>
-    <p:sldId id="287" r:id="rId8"/>
-    <p:sldId id="291" r:id="rId9"/>
-    <p:sldId id="292" r:id="rId10"/>
-    <p:sldId id="293" r:id="rId11"/>
-    <p:sldId id="294" r:id="rId12"/>
-    <p:sldId id="296" r:id="rId13"/>
-    <p:sldId id="297" r:id="rId14"/>
-    <p:sldId id="298" r:id="rId15"/>
-    <p:sldId id="299" r:id="rId16"/>
-    <p:sldId id="267" r:id="rId17"/>
+    <p:sldId id="300" r:id="rId5"/>
+    <p:sldId id="301" r:id="rId6"/>
+    <p:sldId id="302" r:id="rId7"/>
+    <p:sldId id="303" r:id="rId8"/>
+    <p:sldId id="279" r:id="rId9"/>
+    <p:sldId id="290" r:id="rId10"/>
+    <p:sldId id="284" r:id="rId11"/>
+    <p:sldId id="287" r:id="rId12"/>
+    <p:sldId id="291" r:id="rId13"/>
+    <p:sldId id="306" r:id="rId14"/>
+    <p:sldId id="292" r:id="rId15"/>
+    <p:sldId id="293" r:id="rId16"/>
+    <p:sldId id="294" r:id="rId17"/>
+    <p:sldId id="305" r:id="rId18"/>
+    <p:sldId id="304" r:id="rId19"/>
+    <p:sldId id="296" r:id="rId20"/>
+    <p:sldId id="297" r:id="rId21"/>
+    <p:sldId id="298" r:id="rId22"/>
+    <p:sldId id="299" r:id="rId23"/>
+    <p:sldId id="267" r:id="rId24"/>
   </p:sldIdLst>
   <p:sldSz cx="12192000" cy="6858000"/>
   <p:notesSz cx="6858000" cy="9144000"/>
@@ -645,7 +652,7 @@
     </p:spTree>
     <p:extLst>
       <p:ext uri="{BB962C8B-B14F-4D97-AF65-F5344CB8AC3E}">
-        <p14:creationId xmlns:p14="http://schemas.microsoft.com/office/powerpoint/2010/main" val="2031496634"/>
+        <p14:creationId xmlns:p14="http://schemas.microsoft.com/office/powerpoint/2010/main" val="336996199"/>
       </p:ext>
     </p:extLst>
   </p:cSld>
@@ -728,7 +735,7 @@
     </p:spTree>
     <p:extLst>
       <p:ext uri="{BB962C8B-B14F-4D97-AF65-F5344CB8AC3E}">
-        <p14:creationId xmlns:p14="http://schemas.microsoft.com/office/powerpoint/2010/main" val="1452704836"/>
+        <p14:creationId xmlns:p14="http://schemas.microsoft.com/office/powerpoint/2010/main" val="174869956"/>
       </p:ext>
     </p:extLst>
   </p:cSld>
@@ -811,7 +818,7 @@
     </p:spTree>
     <p:extLst>
       <p:ext uri="{BB962C8B-B14F-4D97-AF65-F5344CB8AC3E}">
-        <p14:creationId xmlns:p14="http://schemas.microsoft.com/office/powerpoint/2010/main" val="3694549197"/>
+        <p14:creationId xmlns:p14="http://schemas.microsoft.com/office/powerpoint/2010/main" val="3141295051"/>
       </p:ext>
     </p:extLst>
   </p:cSld>
@@ -894,7 +901,7 @@
     </p:spTree>
     <p:extLst>
       <p:ext uri="{BB962C8B-B14F-4D97-AF65-F5344CB8AC3E}">
-        <p14:creationId xmlns:p14="http://schemas.microsoft.com/office/powerpoint/2010/main" val="564768556"/>
+        <p14:creationId xmlns:p14="http://schemas.microsoft.com/office/powerpoint/2010/main" val="1795578289"/>
       </p:ext>
     </p:extLst>
   </p:cSld>
@@ -977,7 +984,7 @@
     </p:spTree>
     <p:extLst>
       <p:ext uri="{BB962C8B-B14F-4D97-AF65-F5344CB8AC3E}">
-        <p14:creationId xmlns:p14="http://schemas.microsoft.com/office/powerpoint/2010/main" val="3617237077"/>
+        <p14:creationId xmlns:p14="http://schemas.microsoft.com/office/powerpoint/2010/main" val="4096065800"/>
       </p:ext>
     </p:extLst>
   </p:cSld>
@@ -1006,7 +1013,7 @@
       </p:grpSpPr>
       <p:sp>
         <p:nvSpPr>
-          <p:cNvPr id="2" name="幻灯片图像占位符 1"/>
+          <p:cNvPr id="139" name="Shape 139"/>
           <p:cNvSpPr>
             <a:spLocks noGrp="1" noRot="1" noChangeAspect="1"/>
           </p:cNvSpPr>
@@ -1019,31 +1026,380 @@
             <a:off x="381000" y="685800"/>
             <a:ext cx="6096000" cy="3429000"/>
           </a:xfrm>
-        </p:spPr>
-      </p:sp>
-      <p:sp>
-        <p:nvSpPr>
-          <p:cNvPr id="3" name="备注占位符 2"/>
+          <a:prstGeom prst="rect">
+            <a:avLst/>
+          </a:prstGeom>
+        </p:spPr>
+        <p:txBody>
+          <a:bodyPr/>
+          <a:lstStyle/>
+          <a:p>
+            <a:endParaRPr/>
+          </a:p>
+        </p:txBody>
+      </p:sp>
+      <p:sp>
+        <p:nvSpPr>
+          <p:cNvPr id="140" name="Shape 140"/>
           <p:cNvSpPr>
             <a:spLocks noGrp="1"/>
           </p:cNvSpPr>
           <p:nvPr>
-            <p:ph type="body" idx="1"/>
+            <p:ph type="body" sz="quarter" idx="1"/>
           </p:nvPr>
         </p:nvSpPr>
-        <p:spPr/>
+        <p:spPr>
+          <a:prstGeom prst="rect">
+            <a:avLst/>
+          </a:prstGeom>
+        </p:spPr>
         <p:txBody>
           <a:bodyPr/>
           <a:lstStyle/>
           <a:p>
-            <a:endParaRPr kumimoji="1" lang="zh-CN" altLang="en-US" dirty="0"/>
+            <a:pPr>
+              <a:defRPr b="1"/>
+            </a:pPr>
+            <a:endParaRPr dirty="0"/>
           </a:p>
         </p:txBody>
       </p:sp>
     </p:spTree>
     <p:extLst>
       <p:ext uri="{BB962C8B-B14F-4D97-AF65-F5344CB8AC3E}">
-        <p14:creationId xmlns:p14="http://schemas.microsoft.com/office/powerpoint/2010/main" val="71176959"/>
+        <p14:creationId xmlns:p14="http://schemas.microsoft.com/office/powerpoint/2010/main" val="2031496634"/>
+      </p:ext>
+    </p:extLst>
+  </p:cSld>
+  <p:clrMapOvr>
+    <a:masterClrMapping/>
+  </p:clrMapOvr>
+</p:notes>
+</file>
+
+<file path=ppt/notesSlides/notesSlide16.xml><?xml version="1.0" encoding="utf-8"?>
+<p:notes xmlns:a="http://schemas.openxmlformats.org/drawingml/2006/main" xmlns:r="http://schemas.openxmlformats.org/officeDocument/2006/relationships" xmlns:p="http://schemas.openxmlformats.org/presentationml/2006/main">
+  <p:cSld>
+    <p:spTree>
+      <p:nvGrpSpPr>
+        <p:cNvPr id="1" name=""/>
+        <p:cNvGrpSpPr/>
+        <p:nvPr/>
+      </p:nvGrpSpPr>
+      <p:grpSpPr>
+        <a:xfrm>
+          <a:off x="0" y="0"/>
+          <a:ext cx="0" cy="0"/>
+          <a:chOff x="0" y="0"/>
+          <a:chExt cx="0" cy="0"/>
+        </a:xfrm>
+      </p:grpSpPr>
+      <p:sp>
+        <p:nvSpPr>
+          <p:cNvPr id="139" name="Shape 139"/>
+          <p:cNvSpPr>
+            <a:spLocks noGrp="1" noRot="1" noChangeAspect="1"/>
+          </p:cNvSpPr>
+          <p:nvPr>
+            <p:ph type="sldImg"/>
+          </p:nvPr>
+        </p:nvSpPr>
+        <p:spPr>
+          <a:xfrm>
+            <a:off x="381000" y="685800"/>
+            <a:ext cx="6096000" cy="3429000"/>
+          </a:xfrm>
+          <a:prstGeom prst="rect">
+            <a:avLst/>
+          </a:prstGeom>
+        </p:spPr>
+        <p:txBody>
+          <a:bodyPr/>
+          <a:lstStyle/>
+          <a:p>
+            <a:endParaRPr/>
+          </a:p>
+        </p:txBody>
+      </p:sp>
+      <p:sp>
+        <p:nvSpPr>
+          <p:cNvPr id="140" name="Shape 140"/>
+          <p:cNvSpPr>
+            <a:spLocks noGrp="1"/>
+          </p:cNvSpPr>
+          <p:nvPr>
+            <p:ph type="body" sz="quarter" idx="1"/>
+          </p:nvPr>
+        </p:nvSpPr>
+        <p:spPr>
+          <a:prstGeom prst="rect">
+            <a:avLst/>
+          </a:prstGeom>
+        </p:spPr>
+        <p:txBody>
+          <a:bodyPr/>
+          <a:lstStyle/>
+          <a:p>
+            <a:pPr>
+              <a:defRPr b="1"/>
+            </a:pPr>
+            <a:endParaRPr dirty="0"/>
+          </a:p>
+        </p:txBody>
+      </p:sp>
+    </p:spTree>
+    <p:extLst>
+      <p:ext uri="{BB962C8B-B14F-4D97-AF65-F5344CB8AC3E}">
+        <p14:creationId xmlns:p14="http://schemas.microsoft.com/office/powerpoint/2010/main" val="3160624510"/>
+      </p:ext>
+    </p:extLst>
+  </p:cSld>
+  <p:clrMapOvr>
+    <a:masterClrMapping/>
+  </p:clrMapOvr>
+</p:notes>
+</file>
+
+<file path=ppt/notesSlides/notesSlide17.xml><?xml version="1.0" encoding="utf-8"?>
+<p:notes xmlns:a="http://schemas.openxmlformats.org/drawingml/2006/main" xmlns:r="http://schemas.openxmlformats.org/officeDocument/2006/relationships" xmlns:p="http://schemas.openxmlformats.org/presentationml/2006/main">
+  <p:cSld>
+    <p:spTree>
+      <p:nvGrpSpPr>
+        <p:cNvPr id="1" name=""/>
+        <p:cNvGrpSpPr/>
+        <p:nvPr/>
+      </p:nvGrpSpPr>
+      <p:grpSpPr>
+        <a:xfrm>
+          <a:off x="0" y="0"/>
+          <a:ext cx="0" cy="0"/>
+          <a:chOff x="0" y="0"/>
+          <a:chExt cx="0" cy="0"/>
+        </a:xfrm>
+      </p:grpSpPr>
+      <p:sp>
+        <p:nvSpPr>
+          <p:cNvPr id="139" name="Shape 139"/>
+          <p:cNvSpPr>
+            <a:spLocks noGrp="1" noRot="1" noChangeAspect="1"/>
+          </p:cNvSpPr>
+          <p:nvPr>
+            <p:ph type="sldImg"/>
+          </p:nvPr>
+        </p:nvSpPr>
+        <p:spPr>
+          <a:xfrm>
+            <a:off x="381000" y="685800"/>
+            <a:ext cx="6096000" cy="3429000"/>
+          </a:xfrm>
+          <a:prstGeom prst="rect">
+            <a:avLst/>
+          </a:prstGeom>
+        </p:spPr>
+        <p:txBody>
+          <a:bodyPr/>
+          <a:lstStyle/>
+          <a:p>
+            <a:endParaRPr/>
+          </a:p>
+        </p:txBody>
+      </p:sp>
+      <p:sp>
+        <p:nvSpPr>
+          <p:cNvPr id="140" name="Shape 140"/>
+          <p:cNvSpPr>
+            <a:spLocks noGrp="1"/>
+          </p:cNvSpPr>
+          <p:nvPr>
+            <p:ph type="body" sz="quarter" idx="1"/>
+          </p:nvPr>
+        </p:nvSpPr>
+        <p:spPr>
+          <a:prstGeom prst="rect">
+            <a:avLst/>
+          </a:prstGeom>
+        </p:spPr>
+        <p:txBody>
+          <a:bodyPr/>
+          <a:lstStyle/>
+          <a:p>
+            <a:pPr>
+              <a:defRPr b="1"/>
+            </a:pPr>
+            <a:endParaRPr dirty="0"/>
+          </a:p>
+        </p:txBody>
+      </p:sp>
+    </p:spTree>
+    <p:extLst>
+      <p:ext uri="{BB962C8B-B14F-4D97-AF65-F5344CB8AC3E}">
+        <p14:creationId xmlns:p14="http://schemas.microsoft.com/office/powerpoint/2010/main" val="1352054967"/>
+      </p:ext>
+    </p:extLst>
+  </p:cSld>
+  <p:clrMapOvr>
+    <a:masterClrMapping/>
+  </p:clrMapOvr>
+</p:notes>
+</file>
+
+<file path=ppt/notesSlides/notesSlide18.xml><?xml version="1.0" encoding="utf-8"?>
+<p:notes xmlns:a="http://schemas.openxmlformats.org/drawingml/2006/main" xmlns:r="http://schemas.openxmlformats.org/officeDocument/2006/relationships" xmlns:p="http://schemas.openxmlformats.org/presentationml/2006/main">
+  <p:cSld>
+    <p:spTree>
+      <p:nvGrpSpPr>
+        <p:cNvPr id="1" name=""/>
+        <p:cNvGrpSpPr/>
+        <p:nvPr/>
+      </p:nvGrpSpPr>
+      <p:grpSpPr>
+        <a:xfrm>
+          <a:off x="0" y="0"/>
+          <a:ext cx="0" cy="0"/>
+          <a:chOff x="0" y="0"/>
+          <a:chExt cx="0" cy="0"/>
+        </a:xfrm>
+      </p:grpSpPr>
+      <p:sp>
+        <p:nvSpPr>
+          <p:cNvPr id="139" name="Shape 139"/>
+          <p:cNvSpPr>
+            <a:spLocks noGrp="1" noRot="1" noChangeAspect="1"/>
+          </p:cNvSpPr>
+          <p:nvPr>
+            <p:ph type="sldImg"/>
+          </p:nvPr>
+        </p:nvSpPr>
+        <p:spPr>
+          <a:xfrm>
+            <a:off x="381000" y="685800"/>
+            <a:ext cx="6096000" cy="3429000"/>
+          </a:xfrm>
+          <a:prstGeom prst="rect">
+            <a:avLst/>
+          </a:prstGeom>
+        </p:spPr>
+        <p:txBody>
+          <a:bodyPr/>
+          <a:lstStyle/>
+          <a:p>
+            <a:endParaRPr/>
+          </a:p>
+        </p:txBody>
+      </p:sp>
+      <p:sp>
+        <p:nvSpPr>
+          <p:cNvPr id="140" name="Shape 140"/>
+          <p:cNvSpPr>
+            <a:spLocks noGrp="1"/>
+          </p:cNvSpPr>
+          <p:nvPr>
+            <p:ph type="body" sz="quarter" idx="1"/>
+          </p:nvPr>
+        </p:nvSpPr>
+        <p:spPr>
+          <a:prstGeom prst="rect">
+            <a:avLst/>
+          </a:prstGeom>
+        </p:spPr>
+        <p:txBody>
+          <a:bodyPr/>
+          <a:lstStyle/>
+          <a:p>
+            <a:pPr>
+              <a:defRPr b="1"/>
+            </a:pPr>
+            <a:endParaRPr dirty="0"/>
+          </a:p>
+        </p:txBody>
+      </p:sp>
+    </p:spTree>
+    <p:extLst>
+      <p:ext uri="{BB962C8B-B14F-4D97-AF65-F5344CB8AC3E}">
+        <p14:creationId xmlns:p14="http://schemas.microsoft.com/office/powerpoint/2010/main" val="1452704836"/>
+      </p:ext>
+    </p:extLst>
+  </p:cSld>
+  <p:clrMapOvr>
+    <a:masterClrMapping/>
+  </p:clrMapOvr>
+</p:notes>
+</file>
+
+<file path=ppt/notesSlides/notesSlide19.xml><?xml version="1.0" encoding="utf-8"?>
+<p:notes xmlns:a="http://schemas.openxmlformats.org/drawingml/2006/main" xmlns:r="http://schemas.openxmlformats.org/officeDocument/2006/relationships" xmlns:p="http://schemas.openxmlformats.org/presentationml/2006/main">
+  <p:cSld>
+    <p:spTree>
+      <p:nvGrpSpPr>
+        <p:cNvPr id="1" name=""/>
+        <p:cNvGrpSpPr/>
+        <p:nvPr/>
+      </p:nvGrpSpPr>
+      <p:grpSpPr>
+        <a:xfrm>
+          <a:off x="0" y="0"/>
+          <a:ext cx="0" cy="0"/>
+          <a:chOff x="0" y="0"/>
+          <a:chExt cx="0" cy="0"/>
+        </a:xfrm>
+      </p:grpSpPr>
+      <p:sp>
+        <p:nvSpPr>
+          <p:cNvPr id="139" name="Shape 139"/>
+          <p:cNvSpPr>
+            <a:spLocks noGrp="1" noRot="1" noChangeAspect="1"/>
+          </p:cNvSpPr>
+          <p:nvPr>
+            <p:ph type="sldImg"/>
+          </p:nvPr>
+        </p:nvSpPr>
+        <p:spPr>
+          <a:xfrm>
+            <a:off x="381000" y="685800"/>
+            <a:ext cx="6096000" cy="3429000"/>
+          </a:xfrm>
+          <a:prstGeom prst="rect">
+            <a:avLst/>
+          </a:prstGeom>
+        </p:spPr>
+        <p:txBody>
+          <a:bodyPr/>
+          <a:lstStyle/>
+          <a:p>
+            <a:endParaRPr/>
+          </a:p>
+        </p:txBody>
+      </p:sp>
+      <p:sp>
+        <p:nvSpPr>
+          <p:cNvPr id="140" name="Shape 140"/>
+          <p:cNvSpPr>
+            <a:spLocks noGrp="1"/>
+          </p:cNvSpPr>
+          <p:nvPr>
+            <p:ph type="body" sz="quarter" idx="1"/>
+          </p:nvPr>
+        </p:nvSpPr>
+        <p:spPr>
+          <a:prstGeom prst="rect">
+            <a:avLst/>
+          </a:prstGeom>
+        </p:spPr>
+        <p:txBody>
+          <a:bodyPr/>
+          <a:lstStyle/>
+          <a:p>
+            <a:pPr>
+              <a:defRPr b="1"/>
+            </a:pPr>
+            <a:endParaRPr dirty="0"/>
+          </a:p>
+        </p:txBody>
+      </p:sp>
+    </p:spTree>
+    <p:extLst>
+      <p:ext uri="{BB962C8B-B14F-4D97-AF65-F5344CB8AC3E}">
+        <p14:creationId xmlns:p14="http://schemas.microsoft.com/office/powerpoint/2010/main" val="3694549197"/>
       </p:ext>
     </p:extLst>
   </p:cSld>
@@ -1136,6 +1492,238 @@
 </p:notes>
 </file>
 
+<file path=ppt/notesSlides/notesSlide20.xml><?xml version="1.0" encoding="utf-8"?>
+<p:notes xmlns:a="http://schemas.openxmlformats.org/drawingml/2006/main" xmlns:r="http://schemas.openxmlformats.org/officeDocument/2006/relationships" xmlns:p="http://schemas.openxmlformats.org/presentationml/2006/main">
+  <p:cSld>
+    <p:spTree>
+      <p:nvGrpSpPr>
+        <p:cNvPr id="1" name=""/>
+        <p:cNvGrpSpPr/>
+        <p:nvPr/>
+      </p:nvGrpSpPr>
+      <p:grpSpPr>
+        <a:xfrm>
+          <a:off x="0" y="0"/>
+          <a:ext cx="0" cy="0"/>
+          <a:chOff x="0" y="0"/>
+          <a:chExt cx="0" cy="0"/>
+        </a:xfrm>
+      </p:grpSpPr>
+      <p:sp>
+        <p:nvSpPr>
+          <p:cNvPr id="139" name="Shape 139"/>
+          <p:cNvSpPr>
+            <a:spLocks noGrp="1" noRot="1" noChangeAspect="1"/>
+          </p:cNvSpPr>
+          <p:nvPr>
+            <p:ph type="sldImg"/>
+          </p:nvPr>
+        </p:nvSpPr>
+        <p:spPr>
+          <a:xfrm>
+            <a:off x="381000" y="685800"/>
+            <a:ext cx="6096000" cy="3429000"/>
+          </a:xfrm>
+          <a:prstGeom prst="rect">
+            <a:avLst/>
+          </a:prstGeom>
+        </p:spPr>
+        <p:txBody>
+          <a:bodyPr/>
+          <a:lstStyle/>
+          <a:p>
+            <a:endParaRPr/>
+          </a:p>
+        </p:txBody>
+      </p:sp>
+      <p:sp>
+        <p:nvSpPr>
+          <p:cNvPr id="140" name="Shape 140"/>
+          <p:cNvSpPr>
+            <a:spLocks noGrp="1"/>
+          </p:cNvSpPr>
+          <p:nvPr>
+            <p:ph type="body" sz="quarter" idx="1"/>
+          </p:nvPr>
+        </p:nvSpPr>
+        <p:spPr>
+          <a:prstGeom prst="rect">
+            <a:avLst/>
+          </a:prstGeom>
+        </p:spPr>
+        <p:txBody>
+          <a:bodyPr/>
+          <a:lstStyle/>
+          <a:p>
+            <a:pPr>
+              <a:defRPr b="1"/>
+            </a:pPr>
+            <a:endParaRPr dirty="0"/>
+          </a:p>
+        </p:txBody>
+      </p:sp>
+    </p:spTree>
+    <p:extLst>
+      <p:ext uri="{BB962C8B-B14F-4D97-AF65-F5344CB8AC3E}">
+        <p14:creationId xmlns:p14="http://schemas.microsoft.com/office/powerpoint/2010/main" val="564768556"/>
+      </p:ext>
+    </p:extLst>
+  </p:cSld>
+  <p:clrMapOvr>
+    <a:masterClrMapping/>
+  </p:clrMapOvr>
+</p:notes>
+</file>
+
+<file path=ppt/notesSlides/notesSlide21.xml><?xml version="1.0" encoding="utf-8"?>
+<p:notes xmlns:a="http://schemas.openxmlformats.org/drawingml/2006/main" xmlns:r="http://schemas.openxmlformats.org/officeDocument/2006/relationships" xmlns:p="http://schemas.openxmlformats.org/presentationml/2006/main">
+  <p:cSld>
+    <p:spTree>
+      <p:nvGrpSpPr>
+        <p:cNvPr id="1" name=""/>
+        <p:cNvGrpSpPr/>
+        <p:nvPr/>
+      </p:nvGrpSpPr>
+      <p:grpSpPr>
+        <a:xfrm>
+          <a:off x="0" y="0"/>
+          <a:ext cx="0" cy="0"/>
+          <a:chOff x="0" y="0"/>
+          <a:chExt cx="0" cy="0"/>
+        </a:xfrm>
+      </p:grpSpPr>
+      <p:sp>
+        <p:nvSpPr>
+          <p:cNvPr id="139" name="Shape 139"/>
+          <p:cNvSpPr>
+            <a:spLocks noGrp="1" noRot="1" noChangeAspect="1"/>
+          </p:cNvSpPr>
+          <p:nvPr>
+            <p:ph type="sldImg"/>
+          </p:nvPr>
+        </p:nvSpPr>
+        <p:spPr>
+          <a:xfrm>
+            <a:off x="381000" y="685800"/>
+            <a:ext cx="6096000" cy="3429000"/>
+          </a:xfrm>
+          <a:prstGeom prst="rect">
+            <a:avLst/>
+          </a:prstGeom>
+        </p:spPr>
+        <p:txBody>
+          <a:bodyPr/>
+          <a:lstStyle/>
+          <a:p>
+            <a:endParaRPr/>
+          </a:p>
+        </p:txBody>
+      </p:sp>
+      <p:sp>
+        <p:nvSpPr>
+          <p:cNvPr id="140" name="Shape 140"/>
+          <p:cNvSpPr>
+            <a:spLocks noGrp="1"/>
+          </p:cNvSpPr>
+          <p:nvPr>
+            <p:ph type="body" sz="quarter" idx="1"/>
+          </p:nvPr>
+        </p:nvSpPr>
+        <p:spPr>
+          <a:prstGeom prst="rect">
+            <a:avLst/>
+          </a:prstGeom>
+        </p:spPr>
+        <p:txBody>
+          <a:bodyPr/>
+          <a:lstStyle/>
+          <a:p>
+            <a:pPr>
+              <a:defRPr b="1"/>
+            </a:pPr>
+            <a:endParaRPr dirty="0"/>
+          </a:p>
+        </p:txBody>
+      </p:sp>
+    </p:spTree>
+    <p:extLst>
+      <p:ext uri="{BB962C8B-B14F-4D97-AF65-F5344CB8AC3E}">
+        <p14:creationId xmlns:p14="http://schemas.microsoft.com/office/powerpoint/2010/main" val="3617237077"/>
+      </p:ext>
+    </p:extLst>
+  </p:cSld>
+  <p:clrMapOvr>
+    <a:masterClrMapping/>
+  </p:clrMapOvr>
+</p:notes>
+</file>
+
+<file path=ppt/notesSlides/notesSlide22.xml><?xml version="1.0" encoding="utf-8"?>
+<p:notes xmlns:a="http://schemas.openxmlformats.org/drawingml/2006/main" xmlns:r="http://schemas.openxmlformats.org/officeDocument/2006/relationships" xmlns:p="http://schemas.openxmlformats.org/presentationml/2006/main">
+  <p:cSld>
+    <p:spTree>
+      <p:nvGrpSpPr>
+        <p:cNvPr id="1" name=""/>
+        <p:cNvGrpSpPr/>
+        <p:nvPr/>
+      </p:nvGrpSpPr>
+      <p:grpSpPr>
+        <a:xfrm>
+          <a:off x="0" y="0"/>
+          <a:ext cx="0" cy="0"/>
+          <a:chOff x="0" y="0"/>
+          <a:chExt cx="0" cy="0"/>
+        </a:xfrm>
+      </p:grpSpPr>
+      <p:sp>
+        <p:nvSpPr>
+          <p:cNvPr id="2" name="幻灯片图像占位符 1"/>
+          <p:cNvSpPr>
+            <a:spLocks noGrp="1" noRot="1" noChangeAspect="1"/>
+          </p:cNvSpPr>
+          <p:nvPr>
+            <p:ph type="sldImg"/>
+          </p:nvPr>
+        </p:nvSpPr>
+        <p:spPr>
+          <a:xfrm>
+            <a:off x="381000" y="685800"/>
+            <a:ext cx="6096000" cy="3429000"/>
+          </a:xfrm>
+        </p:spPr>
+      </p:sp>
+      <p:sp>
+        <p:nvSpPr>
+          <p:cNvPr id="3" name="备注占位符 2"/>
+          <p:cNvSpPr>
+            <a:spLocks noGrp="1"/>
+          </p:cNvSpPr>
+          <p:nvPr>
+            <p:ph type="body" idx="1"/>
+          </p:nvPr>
+        </p:nvSpPr>
+        <p:spPr/>
+        <p:txBody>
+          <a:bodyPr/>
+          <a:lstStyle/>
+          <a:p>
+            <a:endParaRPr kumimoji="1" lang="zh-CN" altLang="en-US" dirty="0"/>
+          </a:p>
+        </p:txBody>
+      </p:sp>
+    </p:spTree>
+    <p:extLst>
+      <p:ext uri="{BB962C8B-B14F-4D97-AF65-F5344CB8AC3E}">
+        <p14:creationId xmlns:p14="http://schemas.microsoft.com/office/powerpoint/2010/main" val="71176959"/>
+      </p:ext>
+    </p:extLst>
+  </p:cSld>
+  <p:clrMapOvr>
+    <a:masterClrMapping/>
+  </p:clrMapOvr>
+</p:notes>
+</file>
+
 <file path=ppt/notesSlides/notesSlide3.xml><?xml version="1.0" encoding="utf-8"?>
 <p:notes xmlns:a="http://schemas.openxmlformats.org/drawingml/2006/main" xmlns:r="http://schemas.openxmlformats.org/officeDocument/2006/relationships" xmlns:p="http://schemas.openxmlformats.org/presentationml/2006/main">
   <p:cSld>
@@ -1209,7 +1797,7 @@
     </p:spTree>
     <p:extLst>
       <p:ext uri="{BB962C8B-B14F-4D97-AF65-F5344CB8AC3E}">
-        <p14:creationId xmlns:p14="http://schemas.microsoft.com/office/powerpoint/2010/main" val="3200362724"/>
+        <p14:creationId xmlns:p14="http://schemas.microsoft.com/office/powerpoint/2010/main" val="2214086532"/>
       </p:ext>
     </p:extLst>
   </p:cSld>
@@ -1292,7 +1880,7 @@
     </p:spTree>
     <p:extLst>
       <p:ext uri="{BB962C8B-B14F-4D97-AF65-F5344CB8AC3E}">
-        <p14:creationId xmlns:p14="http://schemas.microsoft.com/office/powerpoint/2010/main" val="1444108274"/>
+        <p14:creationId xmlns:p14="http://schemas.microsoft.com/office/powerpoint/2010/main" val="1374295744"/>
       </p:ext>
     </p:extLst>
   </p:cSld>
@@ -1375,7 +1963,7 @@
     </p:spTree>
     <p:extLst>
       <p:ext uri="{BB962C8B-B14F-4D97-AF65-F5344CB8AC3E}">
-        <p14:creationId xmlns:p14="http://schemas.microsoft.com/office/powerpoint/2010/main" val="309433835"/>
+        <p14:creationId xmlns:p14="http://schemas.microsoft.com/office/powerpoint/2010/main" val="657863456"/>
       </p:ext>
     </p:extLst>
   </p:cSld>
@@ -1458,7 +2046,7 @@
     </p:spTree>
     <p:extLst>
       <p:ext uri="{BB962C8B-B14F-4D97-AF65-F5344CB8AC3E}">
-        <p14:creationId xmlns:p14="http://schemas.microsoft.com/office/powerpoint/2010/main" val="336996199"/>
+        <p14:creationId xmlns:p14="http://schemas.microsoft.com/office/powerpoint/2010/main" val="919719764"/>
       </p:ext>
     </p:extLst>
   </p:cSld>
@@ -1541,7 +2129,7 @@
     </p:spTree>
     <p:extLst>
       <p:ext uri="{BB962C8B-B14F-4D97-AF65-F5344CB8AC3E}">
-        <p14:creationId xmlns:p14="http://schemas.microsoft.com/office/powerpoint/2010/main" val="174869956"/>
+        <p14:creationId xmlns:p14="http://schemas.microsoft.com/office/powerpoint/2010/main" val="1444108274"/>
       </p:ext>
     </p:extLst>
   </p:cSld>
@@ -1624,7 +2212,7 @@
     </p:spTree>
     <p:extLst>
       <p:ext uri="{BB962C8B-B14F-4D97-AF65-F5344CB8AC3E}">
-        <p14:creationId xmlns:p14="http://schemas.microsoft.com/office/powerpoint/2010/main" val="1795578289"/>
+        <p14:creationId xmlns:p14="http://schemas.microsoft.com/office/powerpoint/2010/main" val="3200362724"/>
       </p:ext>
     </p:extLst>
   </p:cSld>
@@ -1707,7 +2295,7 @@
     </p:spTree>
     <p:extLst>
       <p:ext uri="{BB962C8B-B14F-4D97-AF65-F5344CB8AC3E}">
-        <p14:creationId xmlns:p14="http://schemas.microsoft.com/office/powerpoint/2010/main" val="4096065800"/>
+        <p14:creationId xmlns:p14="http://schemas.microsoft.com/office/powerpoint/2010/main" val="309433835"/>
       </p:ext>
     </p:extLst>
   </p:cSld>
@@ -3351,7 +3939,7 @@
           </a:ln>
           <a:extLst>
             <a:ext uri="{C572A759-6A51-4108-AA02-DFA0A04FC94B}">
-              <ma14:wrappingTextBoxFlag xmlns:ma14="http://schemas.microsoft.com/office/mac/drawingml/2011/main" xmlns="" val="1"/>
+              <ma14:wrappingTextBoxFlag xmlns="" xmlns:ma14="http://schemas.microsoft.com/office/mac/drawingml/2011/main" val="1"/>
             </a:ext>
           </a:extLst>
         </p:spPr>
@@ -3390,7 +3978,7 @@
           </a:ln>
           <a:extLst>
             <a:ext uri="{C572A759-6A51-4108-AA02-DFA0A04FC94B}">
-              <ma14:wrappingTextBoxFlag xmlns:ma14="http://schemas.microsoft.com/office/mac/drawingml/2011/main" xmlns="" val="1"/>
+              <ma14:wrappingTextBoxFlag xmlns="" xmlns:ma14="http://schemas.microsoft.com/office/mac/drawingml/2011/main" val="1"/>
             </a:ext>
           </a:extLst>
         </p:spPr>
@@ -4375,7 +4963,7 @@
           </a:ln>
           <a:extLst>
             <a:ext uri="{C572A759-6A51-4108-AA02-DFA0A04FC94B}">
-              <ma14:wrappingTextBoxFlag xmlns:ma14="http://schemas.microsoft.com/office/mac/drawingml/2011/main" xmlns="" val="1"/>
+              <ma14:wrappingTextBoxFlag xmlns="" xmlns:ma14="http://schemas.microsoft.com/office/mac/drawingml/2011/main" val="1"/>
             </a:ext>
           </a:extLst>
         </p:spPr>
@@ -4437,7 +5025,7 @@
           </a:ln>
           <a:extLst>
             <a:ext uri="{C572A759-6A51-4108-AA02-DFA0A04FC94B}">
-              <ma14:wrappingTextBoxFlag xmlns:ma14="http://schemas.microsoft.com/office/mac/drawingml/2011/main" xmlns="" val="1"/>
+              <ma14:wrappingTextBoxFlag xmlns="" xmlns:ma14="http://schemas.microsoft.com/office/mac/drawingml/2011/main" val="1"/>
             </a:ext>
           </a:extLst>
         </p:spPr>
@@ -4605,7 +5193,7 @@
         <p:spPr>
           <a:xfrm>
             <a:off x="398353" y="134694"/>
-            <a:ext cx="2754919" cy="861774"/>
+            <a:ext cx="2487217" cy="477054"/>
           </a:xfrm>
           <a:prstGeom prst="rect">
             <a:avLst/>
@@ -4615,7 +5203,7 @@
           </a:ln>
           <a:extLst>
             <a:ext uri="{C572A759-6A51-4108-AA02-DFA0A04FC94B}">
-              <ma14:wrappingTextBoxFlag xmlns:ma14="http://schemas.microsoft.com/office/mac/drawingml/2011/main" xmlns="" val="1"/>
+              <ma14:wrappingTextBoxFlag xmlns="" xmlns:ma14="http://schemas.microsoft.com/office/mac/drawingml/2011/main" val="1"/>
             </a:ext>
           </a:extLst>
         </p:spPr>
@@ -4635,19 +5223,16 @@
           <a:p>
             <a:r>
               <a:rPr lang="zh-CN" altLang="en-US" dirty="0"/>
-              <a:t>对象探秘</a:t>
+              <a:t>内存布局</a:t>
             </a:r>
             <a:r>
               <a:rPr lang="en-US" altLang="zh-CN" dirty="0"/>
-              <a:t>-</a:t>
+              <a:t>-GC</a:t>
             </a:r>
             <a:r>
               <a:rPr lang="zh-CN" altLang="en-US" dirty="0"/>
-              <a:t>访问定位</a:t>
-            </a:r>
-            <a:endParaRPr lang="zh-CN" altLang="zh-CN" dirty="0"/>
-          </a:p>
-          <a:p>
+              <a:t>流程</a:t>
+            </a:r>
             <a:endParaRPr dirty="0"/>
           </a:p>
         </p:txBody>
@@ -4732,13 +5317,7 @@
       </p:sp>
       <p:pic>
         <p:nvPicPr>
-          <p:cNvPr id="7" name="图片 6">
-            <a:extLst>
-              <a:ext uri="{FF2B5EF4-FFF2-40B4-BE49-F238E27FC236}">
-                <a16:creationId xmlns:a16="http://schemas.microsoft.com/office/drawing/2014/main" id="{DEE5A8B3-333D-413E-93B8-99882BA08EF0}"/>
-              </a:ext>
-            </a:extLst>
-          </p:cNvPr>
+          <p:cNvPr id="7" name="图片 6"/>
           <p:cNvPicPr>
             <a:picLocks noChangeAspect="1"/>
           </p:cNvPicPr>
@@ -4752,8 +5331,8 @@
         </p:blipFill>
         <p:spPr>
           <a:xfrm>
-            <a:off x="2928937" y="1314450"/>
-            <a:ext cx="6334125" cy="4229100"/>
+            <a:off x="457200" y="952034"/>
+            <a:ext cx="6950808" cy="5717458"/>
           </a:xfrm>
           <a:prstGeom prst="rect">
             <a:avLst/>
@@ -4763,7 +5342,7 @@
     </p:spTree>
     <p:extLst>
       <p:ext uri="{BB962C8B-B14F-4D97-AF65-F5344CB8AC3E}">
-        <p14:creationId xmlns:p14="http://schemas.microsoft.com/office/powerpoint/2010/main" val="2963578136"/>
+        <p14:creationId xmlns:p14="http://schemas.microsoft.com/office/powerpoint/2010/main" val="1222168770"/>
       </p:ext>
     </p:extLst>
   </p:cSld>
@@ -4855,7 +5434,7 @@
         <p:spPr>
           <a:xfrm>
             <a:off x="398353" y="134694"/>
-            <a:ext cx="2754919" cy="861774"/>
+            <a:ext cx="3144449" cy="477054"/>
           </a:xfrm>
           <a:prstGeom prst="rect">
             <a:avLst/>
@@ -4865,7 +5444,7 @@
           </a:ln>
           <a:extLst>
             <a:ext uri="{C572A759-6A51-4108-AA02-DFA0A04FC94B}">
-              <ma14:wrappingTextBoxFlag xmlns:ma14="http://schemas.microsoft.com/office/mac/drawingml/2011/main" xmlns="" val="1"/>
+              <ma14:wrappingTextBoxFlag xmlns="" xmlns:ma14="http://schemas.microsoft.com/office/mac/drawingml/2011/main" val="1"/>
             </a:ext>
           </a:extLst>
         </p:spPr>
@@ -4885,7 +5464,7 @@
           <a:p>
             <a:r>
               <a:rPr lang="zh-CN" altLang="en-US" dirty="0"/>
-              <a:t>对象探秘</a:t>
+              <a:t>垃圾回收</a:t>
             </a:r>
             <a:r>
               <a:rPr lang="en-US" altLang="zh-CN" dirty="0"/>
@@ -4893,11 +5472,8 @@
             </a:r>
             <a:r>
               <a:rPr lang="zh-CN" altLang="en-US" dirty="0"/>
-              <a:t>访问定位</a:t>
-            </a:r>
-            <a:endParaRPr lang="zh-CN" altLang="zh-CN" dirty="0"/>
-          </a:p>
-          <a:p>
+              <a:t>可达性分析</a:t>
+            </a:r>
             <a:endParaRPr dirty="0"/>
           </a:p>
         </p:txBody>
@@ -4982,13 +5558,7 @@
       </p:sp>
       <p:pic>
         <p:nvPicPr>
-          <p:cNvPr id="4" name="图片 3">
-            <a:extLst>
-              <a:ext uri="{FF2B5EF4-FFF2-40B4-BE49-F238E27FC236}">
-                <a16:creationId xmlns:a16="http://schemas.microsoft.com/office/drawing/2014/main" id="{A4E2BD3C-E6BB-4744-9BA1-96357F926A78}"/>
-              </a:ext>
-            </a:extLst>
-          </p:cNvPr>
+          <p:cNvPr id="4" name="图片 3"/>
           <p:cNvPicPr>
             <a:picLocks noChangeAspect="1"/>
           </p:cNvPicPr>
@@ -5002,18 +5572,238 @@
         </p:blipFill>
         <p:spPr>
           <a:xfrm>
-            <a:off x="2943225" y="1552575"/>
-            <a:ext cx="6305550" cy="3752850"/>
+            <a:off x="304800" y="1555667"/>
+            <a:ext cx="7324339" cy="4045033"/>
           </a:xfrm>
           <a:prstGeom prst="rect">
             <a:avLst/>
           </a:prstGeom>
         </p:spPr>
       </p:pic>
+      <p:sp>
+        <p:nvSpPr>
+          <p:cNvPr id="6" name="文本框 5"/>
+          <p:cNvSpPr txBox="1"/>
+          <p:nvPr/>
+        </p:nvSpPr>
+        <p:spPr>
+          <a:xfrm>
+            <a:off x="8121445" y="2566219"/>
+            <a:ext cx="3549445" cy="1754324"/>
+          </a:xfrm>
+          <a:prstGeom prst="rect">
+            <a:avLst/>
+          </a:prstGeom>
+          <a:noFill/>
+          <a:ln w="12700" cap="flat">
+            <a:noFill/>
+            <a:miter lim="400000"/>
+          </a:ln>
+          <a:effectLst/>
+          <a:sp3d/>
+        </p:spPr>
+        <p:style>
+          <a:lnRef idx="0">
+            <a:scrgbClr r="0" g="0" b="0"/>
+          </a:lnRef>
+          <a:fillRef idx="0">
+            <a:scrgbClr r="0" g="0" b="0"/>
+          </a:fillRef>
+          <a:effectRef idx="0">
+            <a:scrgbClr r="0" g="0" b="0"/>
+          </a:effectRef>
+          <a:fontRef idx="none"/>
+        </p:style>
+        <p:txBody>
+          <a:bodyPr rot="0" spcFirstLastPara="1" vertOverflow="overflow" horzOverflow="overflow" vert="horz" wrap="square" lIns="45719" tIns="45719" rIns="45719" bIns="45719" numCol="1" spcCol="38100" rtlCol="0" anchor="t">
+            <a:spAutoFit/>
+          </a:bodyPr>
+          <a:lstStyle/>
+          <a:p>
+            <a:pPr marR="0" algn="l" defTabSz="914400" rtl="0" fontAlgn="auto" latinLnBrk="0" hangingPunct="0">
+              <a:lnSpc>
+                <a:spcPct val="100000"/>
+              </a:lnSpc>
+              <a:spcBef>
+                <a:spcPts val="0"/>
+              </a:spcBef>
+              <a:spcAft>
+                <a:spcPts val="0"/>
+              </a:spcAft>
+              <a:buClrTx/>
+              <a:buSzTx/>
+              <a:tabLst/>
+            </a:pPr>
+            <a:r>
+              <a:rPr kumimoji="0" lang="en-US" altLang="zh-CN" sz="1800" b="0" i="0" u="none" strike="noStrike" cap="none" spc="0" normalizeH="0" baseline="0" dirty="0" err="1">
+                <a:ln>
+                  <a:noFill/>
+                </a:ln>
+                <a:solidFill>
+                  <a:srgbClr val="000000"/>
+                </a:solidFill>
+                <a:effectLst/>
+                <a:uFillTx/>
+                <a:latin typeface="+mj-lt"/>
+                <a:ea typeface="+mj-ea"/>
+                <a:cs typeface="+mj-cs"/>
+                <a:sym typeface="Calibri"/>
+              </a:rPr>
+              <a:t>GCRoot</a:t>
+            </a:r>
+            <a:r>
+              <a:rPr kumimoji="0" lang="zh-CN" altLang="en-US" sz="1800" b="0" i="0" u="none" strike="noStrike" cap="none" spc="0" normalizeH="0" baseline="0" dirty="0">
+                <a:ln>
+                  <a:noFill/>
+                </a:ln>
+                <a:solidFill>
+                  <a:srgbClr val="000000"/>
+                </a:solidFill>
+                <a:effectLst/>
+                <a:uFillTx/>
+                <a:latin typeface="+mj-lt"/>
+                <a:ea typeface="+mj-ea"/>
+                <a:cs typeface="+mj-cs"/>
+                <a:sym typeface="Calibri"/>
+              </a:rPr>
+              <a:t>对象：</a:t>
+            </a:r>
+            <a:endParaRPr kumimoji="0" lang="en-US" altLang="zh-CN" sz="1800" b="0" i="0" u="none" strike="noStrike" cap="none" spc="0" normalizeH="0" baseline="0" dirty="0">
+              <a:ln>
+                <a:noFill/>
+              </a:ln>
+              <a:solidFill>
+                <a:srgbClr val="000000"/>
+              </a:solidFill>
+              <a:effectLst/>
+              <a:uFillTx/>
+              <a:latin typeface="+mj-lt"/>
+              <a:ea typeface="+mj-ea"/>
+              <a:cs typeface="+mj-cs"/>
+              <a:sym typeface="Calibri"/>
+            </a:endParaRPr>
+          </a:p>
+          <a:p>
+            <a:pPr marL="285750" marR="0" indent="-285750" algn="l" defTabSz="914400" rtl="0" fontAlgn="auto" latinLnBrk="0" hangingPunct="0">
+              <a:lnSpc>
+                <a:spcPct val="100000"/>
+              </a:lnSpc>
+              <a:spcBef>
+                <a:spcPts val="0"/>
+              </a:spcBef>
+              <a:spcAft>
+                <a:spcPts val="0"/>
+              </a:spcAft>
+              <a:buClrTx/>
+              <a:buSzTx/>
+              <a:buFont typeface="Wingdings" charset="2"/>
+              <a:buChar char="n"/>
+              <a:tabLst/>
+            </a:pPr>
+            <a:r>
+              <a:rPr kumimoji="0" lang="zh-CN" altLang="en-US" sz="1800" b="0" i="0" u="none" strike="noStrike" cap="none" spc="0" normalizeH="0" baseline="0" dirty="0">
+                <a:ln>
+                  <a:noFill/>
+                </a:ln>
+                <a:solidFill>
+                  <a:srgbClr val="000000"/>
+                </a:solidFill>
+                <a:effectLst/>
+                <a:uFillTx/>
+                <a:latin typeface="+mj-lt"/>
+                <a:ea typeface="+mj-ea"/>
+                <a:cs typeface="+mj-cs"/>
+                <a:sym typeface="Calibri"/>
+              </a:rPr>
+              <a:t>虚拟机栈栈帧的局部变量表引用的对象</a:t>
+            </a:r>
+            <a:endParaRPr kumimoji="0" lang="en-US" altLang="zh-CN" sz="1800" b="0" i="0" u="none" strike="noStrike" cap="none" spc="0" normalizeH="0" baseline="0" dirty="0">
+              <a:ln>
+                <a:noFill/>
+              </a:ln>
+              <a:solidFill>
+                <a:srgbClr val="000000"/>
+              </a:solidFill>
+              <a:effectLst/>
+              <a:uFillTx/>
+              <a:latin typeface="+mj-lt"/>
+              <a:ea typeface="+mj-ea"/>
+              <a:cs typeface="+mj-cs"/>
+              <a:sym typeface="Calibri"/>
+            </a:endParaRPr>
+          </a:p>
+          <a:p>
+            <a:pPr marL="285750" marR="0" indent="-285750" algn="l" defTabSz="914400" rtl="0" fontAlgn="auto" latinLnBrk="0" hangingPunct="0">
+              <a:lnSpc>
+                <a:spcPct val="100000"/>
+              </a:lnSpc>
+              <a:spcBef>
+                <a:spcPts val="0"/>
+              </a:spcBef>
+              <a:spcAft>
+                <a:spcPts val="0"/>
+              </a:spcAft>
+              <a:buClrTx/>
+              <a:buSzTx/>
+              <a:buFont typeface="Wingdings" charset="2"/>
+              <a:buChar char="n"/>
+              <a:tabLst/>
+            </a:pPr>
+            <a:r>
+              <a:rPr lang="zh-CN" altLang="en-US" dirty="0"/>
+              <a:t>本地方法栈</a:t>
+            </a:r>
+            <a:r>
+              <a:rPr lang="en-US" altLang="zh-CN" dirty="0"/>
+              <a:t>JNI</a:t>
+            </a:r>
+            <a:r>
+              <a:rPr lang="zh-CN" altLang="en-US" dirty="0"/>
+              <a:t>所引用的对象</a:t>
+            </a:r>
+            <a:endParaRPr lang="en-US" altLang="zh-CN" dirty="0"/>
+          </a:p>
+          <a:p>
+            <a:pPr marL="285750" marR="0" indent="-285750" algn="l" defTabSz="914400" rtl="0" fontAlgn="auto" latinLnBrk="0" hangingPunct="0">
+              <a:lnSpc>
+                <a:spcPct val="100000"/>
+              </a:lnSpc>
+              <a:spcBef>
+                <a:spcPts val="0"/>
+              </a:spcBef>
+              <a:spcAft>
+                <a:spcPts val="0"/>
+              </a:spcAft>
+              <a:buClrTx/>
+              <a:buSzTx/>
+              <a:buFont typeface="Wingdings" charset="2"/>
+              <a:buChar char="n"/>
+              <a:tabLst/>
+            </a:pPr>
+            <a:r>
+              <a:rPr kumimoji="0" lang="zh-CN" altLang="en-US" sz="1800" b="0" i="0" u="none" strike="noStrike" cap="none" spc="0" normalizeH="0" baseline="0" dirty="0">
+                <a:ln>
+                  <a:noFill/>
+                </a:ln>
+                <a:solidFill>
+                  <a:srgbClr val="000000"/>
+                </a:solidFill>
+                <a:effectLst/>
+                <a:uFillTx/>
+                <a:latin typeface="+mj-lt"/>
+                <a:ea typeface="+mj-ea"/>
+                <a:cs typeface="+mj-cs"/>
+                <a:sym typeface="Calibri"/>
+              </a:rPr>
+              <a:t>方法区的静态变量和常量所引用的变量</a:t>
+            </a:r>
+          </a:p>
+        </p:txBody>
+      </p:sp>
     </p:spTree>
     <p:extLst>
       <p:ext uri="{BB962C8B-B14F-4D97-AF65-F5344CB8AC3E}">
-        <p14:creationId xmlns:p14="http://schemas.microsoft.com/office/powerpoint/2010/main" val="3580881187"/>
+        <p14:creationId xmlns:p14="http://schemas.microsoft.com/office/powerpoint/2010/main" val="65184367"/>
       </p:ext>
     </p:extLst>
   </p:cSld>
@@ -5105,7 +5895,7 @@
         <p:spPr>
           <a:xfrm>
             <a:off x="398353" y="134694"/>
-            <a:ext cx="4271360" cy="477054"/>
+            <a:ext cx="2754919" cy="477054"/>
           </a:xfrm>
           <a:prstGeom prst="rect">
             <a:avLst/>
@@ -5115,7 +5905,7 @@
           </a:ln>
           <a:extLst>
             <a:ext uri="{C572A759-6A51-4108-AA02-DFA0A04FC94B}">
-              <ma14:wrappingTextBoxFlag xmlns:ma14="http://schemas.microsoft.com/office/mac/drawingml/2011/main" xmlns="" val="1"/>
+              <ma14:wrappingTextBoxFlag xmlns="" xmlns:ma14="http://schemas.microsoft.com/office/mac/drawingml/2011/main" val="1"/>
             </a:ext>
           </a:extLst>
         </p:spPr>
@@ -5135,15 +5925,15 @@
           <a:p>
             <a:r>
               <a:rPr lang="zh-CN" altLang="en-US" dirty="0"/>
-              <a:t>实战：</a:t>
-            </a:r>
-            <a:r>
-              <a:rPr lang="en-US" altLang="zh-CN" dirty="0" err="1"/>
-              <a:t>OutOfMemoryError</a:t>
+              <a:t>内存布局</a:t>
+            </a:r>
+            <a:r>
+              <a:rPr lang="en-US" altLang="zh-CN" dirty="0"/>
+              <a:t>-</a:t>
             </a:r>
             <a:r>
               <a:rPr lang="zh-CN" altLang="en-US" dirty="0"/>
-              <a:t>异常</a:t>
+              <a:t>内存模型</a:t>
             </a:r>
             <a:endParaRPr dirty="0"/>
           </a:p>
@@ -5227,50 +6017,12 @@
           </a:p>
         </p:txBody>
       </p:sp>
-      <p:sp>
-        <p:nvSpPr>
-          <p:cNvPr id="6" name="矩形 5">
+      <p:pic>
+        <p:nvPicPr>
+          <p:cNvPr id="4" name="图片 3">
             <a:extLst>
               <a:ext uri="{FF2B5EF4-FFF2-40B4-BE49-F238E27FC236}">
-                <a16:creationId xmlns:a16="http://schemas.microsoft.com/office/drawing/2014/main" id="{BFB9E29A-E5FF-4231-A078-982037DE751B}"/>
-              </a:ext>
-            </a:extLst>
-          </p:cNvPr>
-          <p:cNvSpPr/>
-          <p:nvPr/>
-        </p:nvSpPr>
-        <p:spPr>
-          <a:xfrm>
-            <a:off x="738349" y="1223622"/>
-            <a:ext cx="1276311" cy="369332"/>
-          </a:xfrm>
-          <a:prstGeom prst="rect">
-            <a:avLst/>
-          </a:prstGeom>
-        </p:spPr>
-        <p:txBody>
-          <a:bodyPr wrap="none">
-            <a:spAutoFit/>
-          </a:bodyPr>
-          <a:lstStyle/>
-          <a:p>
-            <a:r>
-              <a:rPr lang="en-US" altLang="zh-CN" dirty="0"/>
-              <a:t>Java</a:t>
-            </a:r>
-            <a:r>
-              <a:rPr lang="zh-CN" altLang="en-US" dirty="0"/>
-              <a:t>堆溢出</a:t>
-            </a:r>
-          </a:p>
-        </p:txBody>
-      </p:sp>
-      <p:pic>
-        <p:nvPicPr>
-          <p:cNvPr id="7" name="图片 6">
-            <a:extLst>
-              <a:ext uri="{FF2B5EF4-FFF2-40B4-BE49-F238E27FC236}">
-                <a16:creationId xmlns:a16="http://schemas.microsoft.com/office/drawing/2014/main" id="{C6D0DB4E-3D97-4CB4-A47C-418FB5907B53}"/>
+                <a16:creationId xmlns:a16="http://schemas.microsoft.com/office/drawing/2014/main" id="{49288E37-A968-4B68-9CDB-81E9B2E8919F}"/>
               </a:ext>
             </a:extLst>
           </p:cNvPr>
@@ -5287,182 +6039,18 @@
         </p:blipFill>
         <p:spPr>
           <a:xfrm>
-            <a:off x="956733" y="1871662"/>
-            <a:ext cx="4724400" cy="3114675"/>
+            <a:off x="2419350" y="1795462"/>
+            <a:ext cx="7353300" cy="3267075"/>
           </a:xfrm>
           <a:prstGeom prst="rect">
             <a:avLst/>
           </a:prstGeom>
         </p:spPr>
       </p:pic>
-      <p:pic>
-        <p:nvPicPr>
-          <p:cNvPr id="8" name="图片 7">
-            <a:extLst>
-              <a:ext uri="{FF2B5EF4-FFF2-40B4-BE49-F238E27FC236}">
-                <a16:creationId xmlns:a16="http://schemas.microsoft.com/office/drawing/2014/main" id="{A624B9D6-03CF-4F80-AEA8-0A96A55B9D52}"/>
-              </a:ext>
-            </a:extLst>
-          </p:cNvPr>
-          <p:cNvPicPr>
-            <a:picLocks noChangeAspect="1"/>
-          </p:cNvPicPr>
-          <p:nvPr/>
-        </p:nvPicPr>
-        <p:blipFill>
-          <a:blip r:embed="rId6"/>
-          <a:stretch>
-            <a:fillRect/>
-          </a:stretch>
-        </p:blipFill>
-        <p:spPr>
-          <a:xfrm>
-            <a:off x="956733" y="5924249"/>
-            <a:ext cx="5524500" cy="723900"/>
-          </a:xfrm>
-          <a:prstGeom prst="rect">
-            <a:avLst/>
-          </a:prstGeom>
-        </p:spPr>
-      </p:pic>
-      <p:sp>
-        <p:nvSpPr>
-          <p:cNvPr id="4" name="文本框 3">
-            <a:extLst>
-              <a:ext uri="{FF2B5EF4-FFF2-40B4-BE49-F238E27FC236}">
-                <a16:creationId xmlns:a16="http://schemas.microsoft.com/office/drawing/2014/main" id="{5D26303E-0B2A-446F-A122-23631B369090}"/>
-              </a:ext>
-            </a:extLst>
-          </p:cNvPr>
-          <p:cNvSpPr txBox="1"/>
-          <p:nvPr/>
-        </p:nvSpPr>
-        <p:spPr>
-          <a:xfrm>
-            <a:off x="7147867" y="1445299"/>
-            <a:ext cx="4263345" cy="1754324"/>
-          </a:xfrm>
-          <a:prstGeom prst="rect">
-            <a:avLst/>
-          </a:prstGeom>
-          <a:noFill/>
-          <a:ln w="12700" cap="flat">
-            <a:noFill/>
-            <a:miter lim="400000"/>
-          </a:ln>
-          <a:effectLst/>
-          <a:sp3d/>
-        </p:spPr>
-        <p:style>
-          <a:lnRef idx="0">
-            <a:scrgbClr r="0" g="0" b="0"/>
-          </a:lnRef>
-          <a:fillRef idx="0">
-            <a:scrgbClr r="0" g="0" b="0"/>
-          </a:fillRef>
-          <a:effectRef idx="0">
-            <a:scrgbClr r="0" g="0" b="0"/>
-          </a:effectRef>
-          <a:fontRef idx="none"/>
-        </p:style>
-        <p:txBody>
-          <a:bodyPr rot="0" spcFirstLastPara="1" vertOverflow="overflow" horzOverflow="overflow" vert="horz" wrap="none" lIns="45719" tIns="45719" rIns="45719" bIns="45719" numCol="1" spcCol="38100" rtlCol="0" anchor="t">
-            <a:spAutoFit/>
-          </a:bodyPr>
-          <a:lstStyle/>
-          <a:p>
-            <a:r>
-              <a:rPr lang="zh-CN" altLang="en-US" dirty="0"/>
-              <a:t>内存泄露：掌握 了泄露对象的类型信息</a:t>
-            </a:r>
-            <a:endParaRPr lang="en-US" altLang="zh-CN" dirty="0"/>
-          </a:p>
-          <a:p>
-            <a:r>
-              <a:rPr lang="zh-CN" altLang="en-US" dirty="0"/>
-              <a:t>及</a:t>
-            </a:r>
-            <a:r>
-              <a:rPr lang="en-US" altLang="zh-CN" dirty="0"/>
-              <a:t>GC Roots</a:t>
-            </a:r>
-            <a:r>
-              <a:rPr lang="zh-CN" altLang="en-US" dirty="0"/>
-              <a:t>引用链的信息，就可以比</a:t>
-            </a:r>
-            <a:endParaRPr lang="en-US" altLang="zh-CN" dirty="0"/>
-          </a:p>
-          <a:p>
-            <a:r>
-              <a:rPr lang="zh-CN" altLang="en-US" dirty="0"/>
-              <a:t>较准确地定位出泄露代码的位 置。</a:t>
-            </a:r>
-            <a:endParaRPr lang="en-US" altLang="zh-CN" dirty="0"/>
-          </a:p>
-          <a:p>
-            <a:endParaRPr lang="en-US" altLang="zh-CN" dirty="0"/>
-          </a:p>
-          <a:p>
-            <a:r>
-              <a:rPr lang="zh-CN" altLang="en-US" dirty="0"/>
-              <a:t>不存在泄露：调节堆参数（</a:t>
-            </a:r>
-            <a:r>
-              <a:rPr lang="en-US" altLang="zh-CN" dirty="0"/>
-              <a:t>-</a:t>
-            </a:r>
-            <a:r>
-              <a:rPr lang="en-US" altLang="zh-CN" dirty="0" err="1"/>
-              <a:t>Xmx</a:t>
-            </a:r>
-            <a:r>
-              <a:rPr lang="zh-CN" altLang="en-US" dirty="0"/>
-              <a:t>与</a:t>
-            </a:r>
-            <a:r>
-              <a:rPr lang="en-US" altLang="zh-CN" dirty="0"/>
-              <a:t>-</a:t>
-            </a:r>
-            <a:r>
-              <a:rPr lang="en-US" altLang="zh-CN" dirty="0" err="1"/>
-              <a:t>Xms</a:t>
-            </a:r>
-            <a:r>
-              <a:rPr lang="zh-CN" altLang="en-US" dirty="0"/>
-              <a:t>）</a:t>
-            </a:r>
-            <a:endParaRPr lang="en-US" altLang="zh-CN" dirty="0"/>
-          </a:p>
-          <a:p>
-            <a:r>
-              <a:rPr lang="en-US" altLang="zh-CN" dirty="0"/>
-              <a:t>	         </a:t>
-            </a:r>
-            <a:r>
-              <a:rPr lang="zh-CN" altLang="en-US" dirty="0"/>
-              <a:t>优化代码</a:t>
-            </a:r>
-            <a:endParaRPr kumimoji="0" lang="zh-CN" altLang="en-US" sz="1800" b="0" i="0" u="none" strike="noStrike" cap="none" spc="0" normalizeH="0" baseline="0" dirty="0">
-              <a:ln>
-                <a:noFill/>
-              </a:ln>
-              <a:solidFill>
-                <a:srgbClr val="000000"/>
-              </a:solidFill>
-              <a:effectLst/>
-              <a:uFillTx/>
-              <a:latin typeface="+mj-lt"/>
-              <a:ea typeface="+mj-ea"/>
-              <a:cs typeface="+mj-cs"/>
-              <a:sym typeface="Calibri"/>
-            </a:endParaRPr>
-          </a:p>
-        </p:txBody>
-      </p:sp>
     </p:spTree>
     <p:extLst>
       <p:ext uri="{BB962C8B-B14F-4D97-AF65-F5344CB8AC3E}">
-        <p14:creationId xmlns:p14="http://schemas.microsoft.com/office/powerpoint/2010/main" val="285851945"/>
+        <p14:creationId xmlns:p14="http://schemas.microsoft.com/office/powerpoint/2010/main" val="1756048342"/>
       </p:ext>
     </p:extLst>
   </p:cSld>
@@ -5554,7 +6142,7 @@
         <p:spPr>
           <a:xfrm>
             <a:off x="398353" y="134694"/>
-            <a:ext cx="4271360" cy="477054"/>
+            <a:ext cx="2754919" cy="477054"/>
           </a:xfrm>
           <a:prstGeom prst="rect">
             <a:avLst/>
@@ -5564,7 +6152,7 @@
           </a:ln>
           <a:extLst>
             <a:ext uri="{C572A759-6A51-4108-AA02-DFA0A04FC94B}">
-              <ma14:wrappingTextBoxFlag xmlns:ma14="http://schemas.microsoft.com/office/mac/drawingml/2011/main" xmlns="" val="1"/>
+              <ma14:wrappingTextBoxFlag xmlns="" xmlns:ma14="http://schemas.microsoft.com/office/mac/drawingml/2011/main" val="1"/>
             </a:ext>
           </a:extLst>
         </p:spPr>
@@ -5584,15 +6172,15 @@
           <a:p>
             <a:r>
               <a:rPr lang="zh-CN" altLang="en-US" dirty="0"/>
-              <a:t>实战：</a:t>
-            </a:r>
-            <a:r>
-              <a:rPr lang="en-US" altLang="zh-CN" dirty="0" err="1"/>
-              <a:t>OutOfMemoryError</a:t>
+              <a:t>内存布局</a:t>
+            </a:r>
+            <a:r>
+              <a:rPr lang="en-US" altLang="zh-CN" dirty="0"/>
+              <a:t>-</a:t>
             </a:r>
             <a:r>
               <a:rPr lang="zh-CN" altLang="en-US" dirty="0"/>
-              <a:t>异常</a:t>
+              <a:t>内存模型</a:t>
             </a:r>
             <a:endParaRPr dirty="0"/>
           </a:p>
@@ -5676,46 +6264,12 @@
           </a:p>
         </p:txBody>
       </p:sp>
-      <p:sp>
-        <p:nvSpPr>
-          <p:cNvPr id="6" name="矩形 5">
+      <p:pic>
+        <p:nvPicPr>
+          <p:cNvPr id="6" name="图片 5">
             <a:extLst>
               <a:ext uri="{FF2B5EF4-FFF2-40B4-BE49-F238E27FC236}">
-                <a16:creationId xmlns:a16="http://schemas.microsoft.com/office/drawing/2014/main" id="{BFB9E29A-E5FF-4231-A078-982037DE751B}"/>
-              </a:ext>
-            </a:extLst>
-          </p:cNvPr>
-          <p:cNvSpPr/>
-          <p:nvPr/>
-        </p:nvSpPr>
-        <p:spPr>
-          <a:xfrm>
-            <a:off x="507496" y="780712"/>
-            <a:ext cx="1569660" cy="369332"/>
-          </a:xfrm>
-          <a:prstGeom prst="rect">
-            <a:avLst/>
-          </a:prstGeom>
-        </p:spPr>
-        <p:txBody>
-          <a:bodyPr wrap="none">
-            <a:spAutoFit/>
-          </a:bodyPr>
-          <a:lstStyle/>
-          <a:p>
-            <a:r>
-              <a:rPr lang="zh-CN" altLang="en-US" dirty="0"/>
-              <a:t>虚拟机栈溢出</a:t>
-            </a:r>
-          </a:p>
-        </p:txBody>
-      </p:sp>
-      <p:pic>
-        <p:nvPicPr>
-          <p:cNvPr id="4" name="图片 3">
-            <a:extLst>
-              <a:ext uri="{FF2B5EF4-FFF2-40B4-BE49-F238E27FC236}">
-                <a16:creationId xmlns:a16="http://schemas.microsoft.com/office/drawing/2014/main" id="{BB7F93BD-B257-44B1-97CC-48D1E02AF208}"/>
+                <a16:creationId xmlns:a16="http://schemas.microsoft.com/office/drawing/2014/main" id="{36BEF7F8-7007-4D87-827D-E8DC50438BD0}"/>
               </a:ext>
             </a:extLst>
           </p:cNvPr>
@@ -5732,48 +6286,165 @@
         </p:blipFill>
         <p:spPr>
           <a:xfrm>
-            <a:off x="457200" y="6077288"/>
-            <a:ext cx="6276975" cy="685800"/>
+            <a:off x="1401586" y="1055296"/>
+            <a:ext cx="6115050" cy="1743075"/>
           </a:xfrm>
           <a:prstGeom prst="rect">
             <a:avLst/>
           </a:prstGeom>
         </p:spPr>
       </p:pic>
-      <p:pic>
-        <p:nvPicPr>
-          <p:cNvPr id="9" name="图片 8">
+      <p:sp>
+        <p:nvSpPr>
+          <p:cNvPr id="8" name="矩形 7">
             <a:extLst>
               <a:ext uri="{FF2B5EF4-FFF2-40B4-BE49-F238E27FC236}">
-                <a16:creationId xmlns:a16="http://schemas.microsoft.com/office/drawing/2014/main" id="{593A9B48-1E1A-4044-A453-8DF9D29B57EF}"/>
+                <a16:creationId xmlns:a16="http://schemas.microsoft.com/office/drawing/2014/main" id="{9F713F89-DAAA-4E99-A509-4D457A9968D3}"/>
               </a:ext>
             </a:extLst>
           </p:cNvPr>
-          <p:cNvPicPr>
-            <a:picLocks noChangeAspect="1"/>
-          </p:cNvPicPr>
-          <p:nvPr/>
-        </p:nvPicPr>
-        <p:blipFill>
-          <a:blip r:embed="rId6"/>
-          <a:stretch>
-            <a:fillRect/>
-          </a:stretch>
-        </p:blipFill>
-        <p:spPr>
-          <a:xfrm>
-            <a:off x="507496" y="1173718"/>
-            <a:ext cx="5153025" cy="4629150"/>
-          </a:xfrm>
-          <a:prstGeom prst="rect">
-            <a:avLst/>
-          </a:prstGeom>
-        </p:spPr>
-      </p:pic>
+          <p:cNvSpPr/>
+          <p:nvPr/>
+        </p:nvSpPr>
+        <p:spPr>
+          <a:xfrm>
+            <a:off x="1401586" y="2999559"/>
+            <a:ext cx="6096000" cy="923330"/>
+          </a:xfrm>
+          <a:prstGeom prst="rect">
+            <a:avLst/>
+          </a:prstGeom>
+        </p:spPr>
+        <p:txBody>
+          <a:bodyPr>
+            <a:spAutoFit/>
+          </a:bodyPr>
+          <a:lstStyle/>
+          <a:p>
+            <a:r>
+              <a:rPr lang="en-US" altLang="zh-CN" dirty="0">
+                <a:latin typeface="Verdana" panose="020B0604030504040204" pitchFamily="34" charset="0"/>
+              </a:rPr>
+              <a:t>Java</a:t>
+            </a:r>
+            <a:r>
+              <a:rPr lang="zh-CN" altLang="en-US" dirty="0">
+                <a:latin typeface="Verdana" panose="020B0604030504040204" pitchFamily="34" charset="0"/>
+              </a:rPr>
+              <a:t>内存模型的主要目标是定义程序中各个变量的访问规则，即在虚拟机中将变量存储到内存和从内存中取出变量这样底层细节</a:t>
+            </a:r>
+            <a:endParaRPr lang="zh-CN" altLang="en-US" dirty="0"/>
+          </a:p>
+        </p:txBody>
+      </p:sp>
+      <p:sp>
+        <p:nvSpPr>
+          <p:cNvPr id="9" name="矩形 8">
+            <a:extLst>
+              <a:ext uri="{FF2B5EF4-FFF2-40B4-BE49-F238E27FC236}">
+                <a16:creationId xmlns:a16="http://schemas.microsoft.com/office/drawing/2014/main" id="{445AD209-C4BE-4BF3-A565-9A16ACE7BA99}"/>
+              </a:ext>
+            </a:extLst>
+          </p:cNvPr>
+          <p:cNvSpPr/>
+          <p:nvPr/>
+        </p:nvSpPr>
+        <p:spPr>
+          <a:xfrm>
+            <a:off x="1401586" y="3922889"/>
+            <a:ext cx="6096000" cy="923330"/>
+          </a:xfrm>
+          <a:prstGeom prst="rect">
+            <a:avLst/>
+          </a:prstGeom>
+        </p:spPr>
+        <p:txBody>
+          <a:bodyPr>
+            <a:spAutoFit/>
+          </a:bodyPr>
+          <a:lstStyle/>
+          <a:p>
+            <a:r>
+              <a:rPr lang="en-US" altLang="zh-CN" dirty="0">
+                <a:latin typeface="Verdana" panose="020B0604030504040204" pitchFamily="34" charset="0"/>
+              </a:rPr>
+              <a:t>Java</a:t>
+            </a:r>
+            <a:r>
+              <a:rPr lang="zh-CN" altLang="en-US" dirty="0">
+                <a:latin typeface="Verdana" panose="020B0604030504040204" pitchFamily="34" charset="0"/>
+              </a:rPr>
+              <a:t>内存模型中规定了</a:t>
+            </a:r>
+            <a:r>
+              <a:rPr lang="zh-CN" altLang="en-US" dirty="0">
+                <a:solidFill>
+                  <a:srgbClr val="FF0000"/>
+                </a:solidFill>
+                <a:latin typeface="Verdana" panose="020B0604030504040204" pitchFamily="34" charset="0"/>
+              </a:rPr>
+              <a:t>所有的变量都存储在主内存中，每条线程还有自己的工作内存</a:t>
+            </a:r>
+            <a:r>
+              <a:rPr lang="zh-CN" altLang="en-US" dirty="0">
+                <a:latin typeface="Verdana" panose="020B0604030504040204" pitchFamily="34" charset="0"/>
+              </a:rPr>
+              <a:t>（可以与处理器的高速缓存类比）</a:t>
+            </a:r>
+            <a:endParaRPr lang="zh-CN" altLang="en-US" dirty="0"/>
+          </a:p>
+        </p:txBody>
+      </p:sp>
+      <p:sp>
+        <p:nvSpPr>
+          <p:cNvPr id="10" name="矩形 9">
+            <a:extLst>
+              <a:ext uri="{FF2B5EF4-FFF2-40B4-BE49-F238E27FC236}">
+                <a16:creationId xmlns:a16="http://schemas.microsoft.com/office/drawing/2014/main" id="{E09CE26B-C457-4935-A7EB-ACFA081E0EEF}"/>
+              </a:ext>
+            </a:extLst>
+          </p:cNvPr>
+          <p:cNvSpPr/>
+          <p:nvPr/>
+        </p:nvSpPr>
+        <p:spPr>
+          <a:xfrm>
+            <a:off x="1401586" y="4991080"/>
+            <a:ext cx="6096000" cy="646331"/>
+          </a:xfrm>
+          <a:prstGeom prst="rect">
+            <a:avLst/>
+          </a:prstGeom>
+        </p:spPr>
+        <p:txBody>
+          <a:bodyPr>
+            <a:spAutoFit/>
+          </a:bodyPr>
+          <a:lstStyle/>
+          <a:p>
+            <a:r>
+              <a:rPr lang="zh-CN" altLang="en-US" dirty="0">
+                <a:solidFill>
+                  <a:srgbClr val="FF0000"/>
+                </a:solidFill>
+                <a:latin typeface="Verdana" panose="020B0604030504040204" pitchFamily="34" charset="0"/>
+              </a:rPr>
+              <a:t>线程对变量的所有操作（读取、赋值）都必须在工作内存中进行，而不能直接读写主内存中的变量</a:t>
+            </a:r>
+            <a:r>
+              <a:rPr lang="zh-CN" altLang="en-US" dirty="0">
+                <a:latin typeface="Verdana" panose="020B0604030504040204" pitchFamily="34" charset="0"/>
+              </a:rPr>
+              <a:t>。</a:t>
+            </a:r>
+            <a:endParaRPr lang="zh-CN" altLang="en-US" dirty="0"/>
+          </a:p>
+        </p:txBody>
+      </p:sp>
     </p:spTree>
     <p:extLst>
       <p:ext uri="{BB962C8B-B14F-4D97-AF65-F5344CB8AC3E}">
-        <p14:creationId xmlns:p14="http://schemas.microsoft.com/office/powerpoint/2010/main" val="3721976012"/>
+        <p14:creationId xmlns:p14="http://schemas.microsoft.com/office/powerpoint/2010/main" val="1359278946"/>
       </p:ext>
     </p:extLst>
   </p:cSld>
@@ -5865,7 +6536,7 @@
         <p:spPr>
           <a:xfrm>
             <a:off x="398353" y="134694"/>
-            <a:ext cx="4271360" cy="477054"/>
+            <a:ext cx="2113718" cy="861774"/>
           </a:xfrm>
           <a:prstGeom prst="rect">
             <a:avLst/>
@@ -5875,7 +6546,7 @@
           </a:ln>
           <a:extLst>
             <a:ext uri="{C572A759-6A51-4108-AA02-DFA0A04FC94B}">
-              <ma14:wrappingTextBoxFlag xmlns:ma14="http://schemas.microsoft.com/office/mac/drawingml/2011/main" xmlns="" val="1"/>
+              <ma14:wrappingTextBoxFlag xmlns="" xmlns:ma14="http://schemas.microsoft.com/office/mac/drawingml/2011/main" val="1"/>
             </a:ext>
           </a:extLst>
         </p:spPr>
@@ -5895,16 +6566,18 @@
           <a:p>
             <a:r>
               <a:rPr lang="zh-CN" altLang="en-US" dirty="0"/>
-              <a:t>实战：</a:t>
-            </a:r>
-            <a:r>
-              <a:rPr lang="en-US" altLang="zh-CN" dirty="0" err="1"/>
-              <a:t>OutOfMemoryError</a:t>
-            </a:r>
-            <a:r>
-              <a:rPr lang="zh-CN" altLang="en-US" dirty="0"/>
-              <a:t>异常</a:t>
-            </a:r>
+              <a:t>对象探秘</a:t>
+            </a:r>
+            <a:r>
+              <a:rPr lang="en-US" altLang="zh-CN" dirty="0"/>
+              <a:t>-</a:t>
+            </a:r>
+            <a:r>
+              <a:rPr lang="zh-CN" altLang="zh-CN" dirty="0"/>
+              <a:t>创建</a:t>
+            </a:r>
+          </a:p>
+          <a:p>
             <a:endParaRPr dirty="0"/>
           </a:p>
         </p:txBody>
@@ -5987,46 +6660,12 @@
           </a:p>
         </p:txBody>
       </p:sp>
-      <p:sp>
-        <p:nvSpPr>
-          <p:cNvPr id="6" name="矩形 5">
+      <p:pic>
+        <p:nvPicPr>
+          <p:cNvPr id="4" name="图片 3">
             <a:extLst>
               <a:ext uri="{FF2B5EF4-FFF2-40B4-BE49-F238E27FC236}">
-                <a16:creationId xmlns:a16="http://schemas.microsoft.com/office/drawing/2014/main" id="{BFB9E29A-E5FF-4231-A078-982037DE751B}"/>
-              </a:ext>
-            </a:extLst>
-          </p:cNvPr>
-          <p:cNvSpPr/>
-          <p:nvPr/>
-        </p:nvSpPr>
-        <p:spPr>
-          <a:xfrm>
-            <a:off x="507496" y="780712"/>
-            <a:ext cx="1338828" cy="369332"/>
-          </a:xfrm>
-          <a:prstGeom prst="rect">
-            <a:avLst/>
-          </a:prstGeom>
-        </p:spPr>
-        <p:txBody>
-          <a:bodyPr wrap="none">
-            <a:spAutoFit/>
-          </a:bodyPr>
-          <a:lstStyle/>
-          <a:p>
-            <a:r>
-              <a:rPr lang="zh-CN" altLang="en-US" dirty="0"/>
-              <a:t>方法区溢出</a:t>
-            </a:r>
-          </a:p>
-        </p:txBody>
-      </p:sp>
-      <p:pic>
-        <p:nvPicPr>
-          <p:cNvPr id="7" name="图片 6">
-            <a:extLst>
-              <a:ext uri="{FF2B5EF4-FFF2-40B4-BE49-F238E27FC236}">
-                <a16:creationId xmlns:a16="http://schemas.microsoft.com/office/drawing/2014/main" id="{EFA2F82E-E646-4766-BA52-C0DEAC2519EA}"/>
+                <a16:creationId xmlns:a16="http://schemas.microsoft.com/office/drawing/2014/main" id="{52B5A882-9E71-4290-A92F-6E5892CF9005}"/>
               </a:ext>
             </a:extLst>
           </p:cNvPr>
@@ -6043,50 +6682,20 @@
         </p:blipFill>
         <p:spPr>
           <a:xfrm>
-            <a:off x="507496" y="1150044"/>
-            <a:ext cx="8839200" cy="4276725"/>
+            <a:off x="875183" y="996468"/>
+            <a:ext cx="3105150" cy="5257800"/>
           </a:xfrm>
           <a:prstGeom prst="rect">
             <a:avLst/>
           </a:prstGeom>
         </p:spPr>
       </p:pic>
-      <p:pic>
-        <p:nvPicPr>
-          <p:cNvPr id="8" name="图片 7">
+      <p:sp>
+        <p:nvSpPr>
+          <p:cNvPr id="11" name="文本框 10">
             <a:extLst>
               <a:ext uri="{FF2B5EF4-FFF2-40B4-BE49-F238E27FC236}">
-                <a16:creationId xmlns:a16="http://schemas.microsoft.com/office/drawing/2014/main" id="{5953DE43-45F4-42FA-8178-0CFD9E52A99C}"/>
-              </a:ext>
-            </a:extLst>
-          </p:cNvPr>
-          <p:cNvPicPr>
-            <a:picLocks noChangeAspect="1"/>
-          </p:cNvPicPr>
-          <p:nvPr/>
-        </p:nvPicPr>
-        <p:blipFill>
-          <a:blip r:embed="rId6"/>
-          <a:stretch>
-            <a:fillRect/>
-          </a:stretch>
-        </p:blipFill>
-        <p:spPr>
-          <a:xfrm>
-            <a:off x="507496" y="5707956"/>
-            <a:ext cx="6572250" cy="676275"/>
-          </a:xfrm>
-          <a:prstGeom prst="rect">
-            <a:avLst/>
-          </a:prstGeom>
-        </p:spPr>
-      </p:pic>
-      <p:sp>
-        <p:nvSpPr>
-          <p:cNvPr id="4" name="文本框 3">
-            <a:extLst>
-              <a:ext uri="{FF2B5EF4-FFF2-40B4-BE49-F238E27FC236}">
-                <a16:creationId xmlns:a16="http://schemas.microsoft.com/office/drawing/2014/main" id="{8027E2AD-9861-46CF-A157-46F77C6B78B5}"/>
+                <a16:creationId xmlns:a16="http://schemas.microsoft.com/office/drawing/2014/main" id="{AC82ECB8-13CD-47B9-917F-DAF43BFC8031}"/>
               </a:ext>
             </a:extLst>
           </p:cNvPr>
@@ -6095,8 +6704,8 @@
         </p:nvSpPr>
         <p:spPr>
           <a:xfrm>
-            <a:off x="10295467" y="2077156"/>
-            <a:ext cx="3088344" cy="1477325"/>
+            <a:off x="5983111" y="2065867"/>
+            <a:ext cx="3157273" cy="923328"/>
           </a:xfrm>
           <a:prstGeom prst="rect">
             <a:avLst/>
@@ -6144,6 +6753,29 @@
               <a:tabLst/>
             </a:pPr>
             <a:r>
+              <a:rPr lang="zh-CN" altLang="en-US" dirty="0"/>
+              <a:t>内存分配并发问题解决：</a:t>
+            </a:r>
+            <a:endParaRPr lang="en-US" altLang="zh-CN" dirty="0"/>
+          </a:p>
+          <a:p>
+            <a:pPr marL="285750" marR="0" indent="-285750" algn="l" defTabSz="914400" rtl="0" fontAlgn="auto" latinLnBrk="0" hangingPunct="0">
+              <a:lnSpc>
+                <a:spcPct val="100000"/>
+              </a:lnSpc>
+              <a:spcBef>
+                <a:spcPts val="0"/>
+              </a:spcBef>
+              <a:spcAft>
+                <a:spcPts val="0"/>
+              </a:spcAft>
+              <a:buClrTx/>
+              <a:buSzTx/>
+              <a:buFont typeface="Arial" panose="020B0604020202020204" pitchFamily="34" charset="0"/>
+              <a:buChar char="•"/>
+              <a:tabLst/>
+            </a:pPr>
+            <a:r>
               <a:rPr kumimoji="0" lang="zh-CN" altLang="en-US" sz="1800" b="0" i="0" u="none" strike="noStrike" cap="none" spc="0" normalizeH="0" baseline="0" dirty="0">
                 <a:ln>
                   <a:noFill/>
@@ -6158,7 +6790,41 @@
                 <a:cs typeface="+mj-cs"/>
                 <a:sym typeface="Calibri"/>
               </a:rPr>
-              <a:t>类太多</a:t>
+              <a:t>同步处理：</a:t>
+            </a:r>
+            <a:r>
+              <a:rPr kumimoji="0" lang="en-US" altLang="zh-CN" sz="1800" b="0" i="0" u="none" strike="noStrike" cap="none" spc="0" normalizeH="0" baseline="0" dirty="0">
+                <a:ln>
+                  <a:noFill/>
+                </a:ln>
+                <a:solidFill>
+                  <a:srgbClr val="000000"/>
+                </a:solidFill>
+                <a:effectLst/>
+                <a:uFillTx/>
+                <a:latin typeface="+mj-lt"/>
+                <a:ea typeface="+mj-ea"/>
+                <a:cs typeface="+mj-cs"/>
+                <a:sym typeface="Calibri"/>
+              </a:rPr>
+              <a:t>CAS</a:t>
+            </a:r>
+            <a:r>
+              <a:rPr kumimoji="0" lang="zh-CN" altLang="en-US" sz="1800" b="0" i="0" u="none" strike="noStrike" cap="none" spc="0" normalizeH="0" baseline="0" dirty="0">
+                <a:ln>
+                  <a:noFill/>
+                </a:ln>
+                <a:solidFill>
+                  <a:srgbClr val="000000"/>
+                </a:solidFill>
+                <a:effectLst/>
+                <a:uFillTx/>
+                <a:latin typeface="+mj-lt"/>
+                <a:ea typeface="+mj-ea"/>
+                <a:cs typeface="+mj-cs"/>
+                <a:sym typeface="Calibri"/>
+              </a:rPr>
+              <a:t>加失败重试</a:t>
             </a:r>
             <a:endParaRPr kumimoji="0" lang="en-US" altLang="zh-CN" sz="1800" b="0" i="0" u="none" strike="noStrike" cap="none" spc="0" normalizeH="0" baseline="0" dirty="0">
               <a:ln>
@@ -6176,7 +6842,7 @@
             </a:endParaRPr>
           </a:p>
           <a:p>
-            <a:pPr marL="0" marR="0" indent="0" algn="l" defTabSz="914400" rtl="0" fontAlgn="auto" latinLnBrk="0" hangingPunct="0">
+            <a:pPr marL="285750" marR="0" indent="-285750" algn="l" defTabSz="914400" rtl="0" fontAlgn="auto" latinLnBrk="0" hangingPunct="0">
               <a:lnSpc>
                 <a:spcPct val="100000"/>
               </a:lnSpc>
@@ -6188,154 +6854,21 @@
               </a:spcAft>
               <a:buClrTx/>
               <a:buSzTx/>
-              <a:buFontTx/>
-              <a:buNone/>
+              <a:buFont typeface="Arial" panose="020B0604020202020204" pitchFamily="34" charset="0"/>
+              <a:buChar char="•"/>
               <a:tabLst/>
             </a:pPr>
             <a:r>
-              <a:rPr lang="en-US" altLang="zh-CN" dirty="0" err="1"/>
-              <a:t>Asm</a:t>
-            </a:r>
-            <a:r>
               <a:rPr lang="zh-CN" altLang="en-US" dirty="0"/>
-              <a:t>动态产生的类过多</a:t>
-            </a:r>
-            <a:endParaRPr lang="en-US" altLang="zh-CN" dirty="0"/>
-          </a:p>
-          <a:p>
-            <a:pPr marL="0" marR="0" indent="0" algn="l" defTabSz="914400" rtl="0" fontAlgn="auto" latinLnBrk="0" hangingPunct="0">
-              <a:lnSpc>
-                <a:spcPct val="100000"/>
-              </a:lnSpc>
-              <a:spcBef>
-                <a:spcPts val="0"/>
-              </a:spcBef>
-              <a:spcAft>
-                <a:spcPts val="0"/>
-              </a:spcAft>
-              <a:buClrTx/>
-              <a:buSzTx/>
-              <a:buFontTx/>
-              <a:buNone/>
-              <a:tabLst/>
-            </a:pPr>
-            <a:r>
-              <a:rPr kumimoji="0" lang="en-US" altLang="zh-CN" sz="1800" b="0" i="0" u="none" strike="noStrike" cap="none" spc="0" normalizeH="0" baseline="0" dirty="0" err="1">
-                <a:ln>
-                  <a:noFill/>
-                </a:ln>
-                <a:solidFill>
-                  <a:srgbClr val="000000"/>
-                </a:solidFill>
-                <a:effectLst/>
-                <a:uFillTx/>
-                <a:latin typeface="+mj-lt"/>
-                <a:ea typeface="+mj-ea"/>
-                <a:cs typeface="+mj-cs"/>
-                <a:sym typeface="Calibri"/>
-              </a:rPr>
-              <a:t>Jsp</a:t>
-            </a:r>
-            <a:r>
-              <a:rPr kumimoji="0" lang="zh-CN" altLang="en-US" sz="1800" b="0" i="0" u="none" strike="noStrike" cap="none" spc="0" normalizeH="0" baseline="0" dirty="0">
-                <a:ln>
-                  <a:noFill/>
-                </a:ln>
-                <a:solidFill>
-                  <a:srgbClr val="000000"/>
-                </a:solidFill>
-                <a:effectLst/>
-                <a:uFillTx/>
-                <a:latin typeface="+mj-lt"/>
-                <a:ea typeface="+mj-ea"/>
-                <a:cs typeface="+mj-cs"/>
-                <a:sym typeface="Calibri"/>
-              </a:rPr>
-              <a:t>文件</a:t>
-            </a:r>
-            <a:endParaRPr kumimoji="0" lang="en-US" altLang="zh-CN" sz="1800" b="0" i="0" u="none" strike="noStrike" cap="none" spc="0" normalizeH="0" baseline="0" dirty="0">
-              <a:ln>
-                <a:noFill/>
-              </a:ln>
-              <a:solidFill>
-                <a:srgbClr val="000000"/>
-              </a:solidFill>
-              <a:effectLst/>
-              <a:uFillTx/>
-              <a:latin typeface="+mj-lt"/>
-              <a:ea typeface="+mj-ea"/>
-              <a:cs typeface="+mj-cs"/>
-              <a:sym typeface="Calibri"/>
-            </a:endParaRPr>
-          </a:p>
-          <a:p>
-            <a:pPr marL="0" marR="0" indent="0" algn="l" defTabSz="914400" rtl="0" fontAlgn="auto" latinLnBrk="0" hangingPunct="0">
-              <a:lnSpc>
-                <a:spcPct val="100000"/>
-              </a:lnSpc>
-              <a:spcBef>
-                <a:spcPts val="0"/>
-              </a:spcBef>
-              <a:spcAft>
-                <a:spcPts val="0"/>
-              </a:spcAft>
-              <a:buClrTx/>
-              <a:buSzTx/>
-              <a:buFontTx/>
-              <a:buNone/>
-              <a:tabLst/>
-            </a:pPr>
-            <a:r>
-              <a:rPr lang="en-US" altLang="zh-CN" dirty="0" err="1"/>
-              <a:t>Osgi</a:t>
+              <a:t>本地线程分配缓存（</a:t>
             </a:r>
             <a:r>
               <a:rPr lang="en-US" altLang="zh-CN" dirty="0"/>
-              <a:t> </a:t>
+              <a:t>TLAB</a:t>
             </a:r>
             <a:r>
               <a:rPr lang="zh-CN" altLang="en-US" dirty="0"/>
-              <a:t>多个类加载加载同一个类</a:t>
-            </a:r>
-            <a:endParaRPr lang="en-US" altLang="zh-CN" dirty="0"/>
-          </a:p>
-          <a:p>
-            <a:pPr marL="0" marR="0" indent="0" algn="l" defTabSz="914400" rtl="0" fontAlgn="auto" latinLnBrk="0" hangingPunct="0">
-              <a:lnSpc>
-                <a:spcPct val="100000"/>
-              </a:lnSpc>
-              <a:spcBef>
-                <a:spcPts val="0"/>
-              </a:spcBef>
-              <a:spcAft>
-                <a:spcPts val="0"/>
-              </a:spcAft>
-              <a:buClrTx/>
-              <a:buSzTx/>
-              <a:buFontTx/>
-              <a:buNone/>
-              <a:tabLst/>
-            </a:pPr>
-            <a:r>
-              <a:rPr kumimoji="0" lang="en-US" altLang="zh-CN" sz="1800" b="0" i="0" u="none" strike="noStrike" cap="none" spc="0" normalizeH="0" baseline="0" dirty="0">
-                <a:ln>
-                  <a:noFill/>
-                </a:ln>
-                <a:solidFill>
-                  <a:srgbClr val="000000"/>
-                </a:solidFill>
-                <a:effectLst/>
-                <a:uFillTx/>
-                <a:latin typeface="+mj-lt"/>
-                <a:ea typeface="+mj-ea"/>
-                <a:cs typeface="+mj-cs"/>
-                <a:sym typeface="Calibri"/>
-              </a:rPr>
-              <a:t>Intern</a:t>
-            </a:r>
-            <a:r>
-              <a:rPr lang="en-US" altLang="zh-CN" dirty="0"/>
-              <a:t>()</a:t>
+              <a:t>）</a:t>
             </a:r>
             <a:endParaRPr kumimoji="0" lang="zh-CN" altLang="en-US" sz="1800" b="0" i="0" u="none" strike="noStrike" cap="none" spc="0" normalizeH="0" baseline="0" dirty="0">
               <a:ln>
@@ -6354,10 +6887,122 @@
           </a:p>
         </p:txBody>
       </p:sp>
+      <p:sp>
+        <p:nvSpPr>
+          <p:cNvPr id="12" name="文本框 11">
+            <a:extLst>
+              <a:ext uri="{FF2B5EF4-FFF2-40B4-BE49-F238E27FC236}">
+                <a16:creationId xmlns:a16="http://schemas.microsoft.com/office/drawing/2014/main" id="{9D29B6A0-F563-4E07-AEF4-A36876DCD2F4}"/>
+              </a:ext>
+            </a:extLst>
+          </p:cNvPr>
+          <p:cNvSpPr txBox="1"/>
+          <p:nvPr/>
+        </p:nvSpPr>
+        <p:spPr>
+          <a:xfrm>
+            <a:off x="5983111" y="3674186"/>
+            <a:ext cx="4311435" cy="1200327"/>
+          </a:xfrm>
+          <a:prstGeom prst="rect">
+            <a:avLst/>
+          </a:prstGeom>
+          <a:noFill/>
+          <a:ln w="12700" cap="flat">
+            <a:noFill/>
+            <a:miter lim="400000"/>
+          </a:ln>
+          <a:effectLst/>
+          <a:sp3d/>
+        </p:spPr>
+        <p:style>
+          <a:lnRef idx="0">
+            <a:scrgbClr r="0" g="0" b="0"/>
+          </a:lnRef>
+          <a:fillRef idx="0">
+            <a:scrgbClr r="0" g="0" b="0"/>
+          </a:fillRef>
+          <a:effectRef idx="0">
+            <a:scrgbClr r="0" g="0" b="0"/>
+          </a:effectRef>
+          <a:fontRef idx="none"/>
+        </p:style>
+        <p:txBody>
+          <a:bodyPr rot="0" spcFirstLastPara="1" vertOverflow="overflow" horzOverflow="overflow" vert="horz" wrap="none" lIns="45719" tIns="45719" rIns="45719" bIns="45719" numCol="1" spcCol="38100" rtlCol="0" anchor="t">
+            <a:spAutoFit/>
+          </a:bodyPr>
+          <a:lstStyle/>
+          <a:p>
+            <a:r>
+              <a:rPr lang="zh-CN" altLang="en-US" dirty="0"/>
+              <a:t>对象头信息：</a:t>
+            </a:r>
+            <a:endParaRPr lang="en-US" altLang="zh-CN" dirty="0"/>
+          </a:p>
+          <a:p>
+            <a:r>
+              <a:rPr lang="zh-CN" altLang="en-US" dirty="0"/>
+              <a:t>哈希码（</a:t>
+            </a:r>
+            <a:r>
+              <a:rPr lang="en-US" altLang="zh-CN" dirty="0" err="1"/>
+              <a:t>HashCode</a:t>
+            </a:r>
+            <a:r>
+              <a:rPr lang="zh-CN" altLang="en-US" dirty="0"/>
+              <a:t>）、</a:t>
+            </a:r>
+            <a:r>
+              <a:rPr lang="en-US" altLang="zh-CN" dirty="0"/>
+              <a:t>GC</a:t>
+            </a:r>
+            <a:r>
+              <a:rPr lang="zh-CN" altLang="en-US" dirty="0"/>
+              <a:t>分代年龄、锁状</a:t>
+            </a:r>
+            <a:endParaRPr lang="en-US" altLang="zh-CN" dirty="0"/>
+          </a:p>
+          <a:p>
+            <a:r>
+              <a:rPr lang="zh-CN" altLang="en-US" dirty="0"/>
+              <a:t>态标志、线程持有的锁、偏向线程</a:t>
+            </a:r>
+            <a:r>
+              <a:rPr lang="en-US" altLang="zh-CN" dirty="0"/>
+              <a:t>ID</a:t>
+            </a:r>
+            <a:r>
+              <a:rPr lang="zh-CN" altLang="en-US" dirty="0"/>
+              <a:t>、</a:t>
+            </a:r>
+            <a:endParaRPr lang="en-US" altLang="zh-CN" dirty="0"/>
+          </a:p>
+          <a:p>
+            <a:r>
+              <a:rPr lang="zh-CN" altLang="en-US" dirty="0"/>
+              <a:t>偏向时间戳等</a:t>
+            </a:r>
+            <a:endParaRPr kumimoji="0" lang="zh-CN" altLang="en-US" sz="1800" b="0" i="0" u="none" strike="noStrike" cap="none" spc="0" normalizeH="0" baseline="0" dirty="0">
+              <a:ln>
+                <a:noFill/>
+              </a:ln>
+              <a:solidFill>
+                <a:srgbClr val="000000"/>
+              </a:solidFill>
+              <a:effectLst/>
+              <a:uFillTx/>
+              <a:latin typeface="+mj-lt"/>
+              <a:ea typeface="+mj-ea"/>
+              <a:cs typeface="+mj-cs"/>
+              <a:sym typeface="Calibri"/>
+            </a:endParaRPr>
+          </a:p>
+        </p:txBody>
+      </p:sp>
     </p:spTree>
     <p:extLst>
       <p:ext uri="{BB962C8B-B14F-4D97-AF65-F5344CB8AC3E}">
-        <p14:creationId xmlns:p14="http://schemas.microsoft.com/office/powerpoint/2010/main" val="2965966934"/>
+        <p14:creationId xmlns:p14="http://schemas.microsoft.com/office/powerpoint/2010/main" val="3843365798"/>
       </p:ext>
     </p:extLst>
   </p:cSld>
@@ -6449,7 +7094,7 @@
         <p:spPr>
           <a:xfrm>
             <a:off x="398353" y="134694"/>
-            <a:ext cx="4271360" cy="477054"/>
+            <a:ext cx="2754919" cy="861774"/>
           </a:xfrm>
           <a:prstGeom prst="rect">
             <a:avLst/>
@@ -6459,7 +7104,7 @@
           </a:ln>
           <a:extLst>
             <a:ext uri="{C572A759-6A51-4108-AA02-DFA0A04FC94B}">
-              <ma14:wrappingTextBoxFlag xmlns:ma14="http://schemas.microsoft.com/office/mac/drawingml/2011/main" xmlns="" val="1"/>
+              <ma14:wrappingTextBoxFlag xmlns="" xmlns:ma14="http://schemas.microsoft.com/office/mac/drawingml/2011/main" val="1"/>
             </a:ext>
           </a:extLst>
         </p:spPr>
@@ -6479,16 +7124,19 @@
           <a:p>
             <a:r>
               <a:rPr lang="zh-CN" altLang="en-US" dirty="0"/>
-              <a:t>实战：</a:t>
-            </a:r>
-            <a:r>
-              <a:rPr lang="en-US" altLang="zh-CN" dirty="0" err="1"/>
-              <a:t>OutOfMemoryError</a:t>
+              <a:t>对象探秘</a:t>
+            </a:r>
+            <a:r>
+              <a:rPr lang="en-US" altLang="zh-CN" dirty="0"/>
+              <a:t>-</a:t>
             </a:r>
             <a:r>
               <a:rPr lang="zh-CN" altLang="en-US" dirty="0"/>
-              <a:t>异常</a:t>
-            </a:r>
+              <a:t>访问定位</a:t>
+            </a:r>
+            <a:endParaRPr lang="zh-CN" altLang="zh-CN" dirty="0"/>
+          </a:p>
+          <a:p>
             <a:endParaRPr dirty="0"/>
           </a:p>
         </p:txBody>
@@ -6571,46 +7219,12 @@
           </a:p>
         </p:txBody>
       </p:sp>
-      <p:sp>
-        <p:nvSpPr>
-          <p:cNvPr id="6" name="矩形 5">
+      <p:pic>
+        <p:nvPicPr>
+          <p:cNvPr id="7" name="图片 6">
             <a:extLst>
               <a:ext uri="{FF2B5EF4-FFF2-40B4-BE49-F238E27FC236}">
-                <a16:creationId xmlns:a16="http://schemas.microsoft.com/office/drawing/2014/main" id="{BFB9E29A-E5FF-4231-A078-982037DE751B}"/>
-              </a:ext>
-            </a:extLst>
-          </p:cNvPr>
-          <p:cNvSpPr/>
-          <p:nvPr/>
-        </p:nvSpPr>
-        <p:spPr>
-          <a:xfrm>
-            <a:off x="507496" y="780712"/>
-            <a:ext cx="1569660" cy="369332"/>
-          </a:xfrm>
-          <a:prstGeom prst="rect">
-            <a:avLst/>
-          </a:prstGeom>
-        </p:spPr>
-        <p:txBody>
-          <a:bodyPr wrap="none">
-            <a:spAutoFit/>
-          </a:bodyPr>
-          <a:lstStyle/>
-          <a:p>
-            <a:r>
-              <a:rPr lang="zh-CN" altLang="en-US" dirty="0"/>
-              <a:t>直接内存溢出</a:t>
-            </a:r>
-          </a:p>
-        </p:txBody>
-      </p:sp>
-      <p:pic>
-        <p:nvPicPr>
-          <p:cNvPr id="9" name="图片 8">
-            <a:extLst>
-              <a:ext uri="{FF2B5EF4-FFF2-40B4-BE49-F238E27FC236}">
-                <a16:creationId xmlns:a16="http://schemas.microsoft.com/office/drawing/2014/main" id="{4AAA1E45-C4A7-422E-BE66-8BD889F22D2E}"/>
+                <a16:creationId xmlns:a16="http://schemas.microsoft.com/office/drawing/2014/main" id="{DEE5A8B3-333D-413E-93B8-99882BA08EF0}"/>
               </a:ext>
             </a:extLst>
           </p:cNvPr>
@@ -6627,38 +7241,8 @@
         </p:blipFill>
         <p:spPr>
           <a:xfrm>
-            <a:off x="626709" y="1169800"/>
-            <a:ext cx="5000625" cy="3343275"/>
-          </a:xfrm>
-          <a:prstGeom prst="rect">
-            <a:avLst/>
-          </a:prstGeom>
-        </p:spPr>
-      </p:pic>
-      <p:pic>
-        <p:nvPicPr>
-          <p:cNvPr id="10" name="图片 9">
-            <a:extLst>
-              <a:ext uri="{FF2B5EF4-FFF2-40B4-BE49-F238E27FC236}">
-                <a16:creationId xmlns:a16="http://schemas.microsoft.com/office/drawing/2014/main" id="{809ED796-4A01-47A8-81AD-42B2FDA46404}"/>
-              </a:ext>
-            </a:extLst>
-          </p:cNvPr>
-          <p:cNvPicPr>
-            <a:picLocks noChangeAspect="1"/>
-          </p:cNvPicPr>
-          <p:nvPr/>
-        </p:nvPicPr>
-        <p:blipFill>
-          <a:blip r:embed="rId6"/>
-          <a:stretch>
-            <a:fillRect/>
-          </a:stretch>
-        </p:blipFill>
-        <p:spPr>
-          <a:xfrm>
-            <a:off x="626709" y="5120392"/>
-            <a:ext cx="5724525" cy="771525"/>
+            <a:off x="2928937" y="1314450"/>
+            <a:ext cx="6334125" cy="4229100"/>
           </a:xfrm>
           <a:prstGeom prst="rect">
             <a:avLst/>
@@ -6668,7 +7252,7 @@
     </p:spTree>
     <p:extLst>
       <p:ext uri="{BB962C8B-B14F-4D97-AF65-F5344CB8AC3E}">
-        <p14:creationId xmlns:p14="http://schemas.microsoft.com/office/powerpoint/2010/main" val="1773347519"/>
+        <p14:creationId xmlns:p14="http://schemas.microsoft.com/office/powerpoint/2010/main" val="2963578136"/>
       </p:ext>
     </p:extLst>
   </p:cSld>
@@ -6698,7 +7282,7 @@
       </p:grpSpPr>
       <p:pic>
         <p:nvPicPr>
-          <p:cNvPr id="200" name="pasted-image.pdf" descr="pasted-image.pdf"/>
+          <p:cNvPr id="136" name="pasted-image.pdf" descr="pasted-image.pdf"/>
           <p:cNvPicPr>
             <a:picLocks noChangeAspect="1"/>
           </p:cNvPicPr>
@@ -6706,14 +7290,15 @@
         </p:nvPicPr>
         <p:blipFill>
           <a:blip r:embed="rId3"/>
+          <a:srcRect b="82595"/>
           <a:stretch>
             <a:fillRect/>
           </a:stretch>
         </p:blipFill>
         <p:spPr>
           <a:xfrm>
-            <a:off x="0" y="0"/>
-            <a:ext cx="12192000" cy="6858000"/>
+            <a:off x="0" y="-18922"/>
+            <a:ext cx="12191921" cy="799634"/>
           </a:xfrm>
           <a:prstGeom prst="rect">
             <a:avLst/>
@@ -6725,7 +7310,7 @@
       </p:pic>
       <p:pic>
         <p:nvPicPr>
-          <p:cNvPr id="201" name="pasted-image.pdf" descr="pasted-image.pdf"/>
+          <p:cNvPr id="137" name="pasted-image.pdf" descr="pasted-image.pdf"/>
           <p:cNvPicPr>
             <a:picLocks noChangeAspect="1"/>
           </p:cNvPicPr>
@@ -6739,8 +7324,8 @@
         </p:blipFill>
         <p:spPr>
           <a:xfrm>
-            <a:off x="5143877" y="2463895"/>
-            <a:ext cx="1919539" cy="1129142"/>
+            <a:off x="9723360" y="247909"/>
+            <a:ext cx="1835152" cy="341894"/>
           </a:xfrm>
           <a:prstGeom prst="rect">
             <a:avLst/>
@@ -6752,14 +7337,14 @@
       </p:pic>
       <p:sp>
         <p:nvSpPr>
-          <p:cNvPr id="202" name="Shape 176"/>
+          <p:cNvPr id="5" name="优缺点"/>
           <p:cNvSpPr txBox="1"/>
           <p:nvPr/>
         </p:nvSpPr>
         <p:spPr>
           <a:xfrm>
-            <a:off x="572312" y="539261"/>
-            <a:ext cx="1264680" cy="381001"/>
+            <a:off x="398353" y="134694"/>
+            <a:ext cx="2754919" cy="861774"/>
           </a:xfrm>
           <a:prstGeom prst="rect">
             <a:avLst/>
@@ -6769,59 +7354,247 @@
           </a:ln>
           <a:extLst>
             <a:ext uri="{C572A759-6A51-4108-AA02-DFA0A04FC94B}">
-              <ma14:wrappingTextBoxFlag xmlns:ma14="http://schemas.microsoft.com/office/mac/drawingml/2011/main" xmlns="" val="1"/>
+              <ma14:wrappingTextBoxFlag xmlns="" xmlns:ma14="http://schemas.microsoft.com/office/mac/drawingml/2011/main" val="1"/>
             </a:ext>
           </a:extLst>
         </p:spPr>
         <p:txBody>
-          <a:bodyPr wrap="none" lIns="25400" tIns="25400" rIns="25400" bIns="25400" anchor="ctr">
+          <a:bodyPr wrap="none" lIns="45719" rIns="45719">
             <a:spAutoFit/>
           </a:bodyPr>
-          <a:lstStyle/>
-          <a:p>
-            <a:pPr>
-              <a:defRPr sz="900">
+          <a:lstStyle>
+            <a:lvl1pPr>
+              <a:defRPr sz="2500">
                 <a:solidFill>
                   <a:srgbClr val="FFFFFF"/>
                 </a:solidFill>
-                <a:latin typeface="PingFang SC Semibold"/>
-                <a:ea typeface="PingFang SC Semibold"/>
-                <a:cs typeface="PingFang SC Semibold"/>
-                <a:sym typeface="PingFang SC Semibold"/>
               </a:defRPr>
-            </a:pPr>
-            <a:r>
-              <a:t>NETEASE</a:t>
-            </a:r>
-          </a:p>
-          <a:p>
-            <a:pPr>
-              <a:defRPr sz="900">
+            </a:lvl1pPr>
+          </a:lstStyle>
+          <a:p>
+            <a:r>
+              <a:rPr lang="zh-CN" altLang="en-US" dirty="0"/>
+              <a:t>对象探秘</a:t>
+            </a:r>
+            <a:r>
+              <a:rPr lang="en-US" altLang="zh-CN" dirty="0"/>
+              <a:t>-</a:t>
+            </a:r>
+            <a:r>
+              <a:rPr lang="zh-CN" altLang="en-US" dirty="0"/>
+              <a:t>访问定位</a:t>
+            </a:r>
+            <a:endParaRPr lang="zh-CN" altLang="zh-CN" dirty="0"/>
+          </a:p>
+          <a:p>
+            <a:endParaRPr dirty="0"/>
+          </a:p>
+        </p:txBody>
+      </p:sp>
+      <p:sp>
+        <p:nvSpPr>
+          <p:cNvPr id="2" name="AutoShape 2" descr="8c9d65e2bbb4b498feca42616e99192_643fd075f3a56abc0515"/>
+          <p:cNvSpPr>
+            <a:spLocks noChangeAspect="1" noChangeArrowheads="1"/>
+          </p:cNvSpPr>
+          <p:nvPr/>
+        </p:nvSpPr>
+        <p:spPr bwMode="auto">
+          <a:xfrm>
+            <a:off x="0" y="0"/>
+            <a:ext cx="304800" cy="304800"/>
+          </a:xfrm>
+          <a:prstGeom prst="rect">
+            <a:avLst/>
+          </a:prstGeom>
+          <a:noFill/>
+          <a:extLst>
+            <a:ext uri="{909E8E84-426E-40DD-AFC4-6F175D3DCCD1}">
+              <a14:hiddenFill xmlns:a14="http://schemas.microsoft.com/office/drawing/2010/main">
                 <a:solidFill>
                   <a:srgbClr val="FFFFFF"/>
                 </a:solidFill>
-                <a:latin typeface="PingFang SC Regular"/>
-                <a:ea typeface="PingFang SC Regular"/>
-                <a:cs typeface="PingFang SC Regular"/>
-                <a:sym typeface="PingFang SC Regular"/>
-              </a:defRPr>
-            </a:pPr>
-            <a:r>
-              <a:t>Kaola Center Training </a:t>
-            </a:r>
-          </a:p>
-        </p:txBody>
-      </p:sp>
-      <p:sp>
-        <p:nvSpPr>
-          <p:cNvPr id="203" name="Shape 177"/>
+              </a14:hiddenFill>
+            </a:ext>
+          </a:extLst>
+        </p:spPr>
+        <p:txBody>
+          <a:bodyPr vert="horz" wrap="square" lIns="91440" tIns="45720" rIns="91440" bIns="45720" numCol="1" anchor="t" anchorCtr="0" compatLnSpc="1">
+            <a:prstTxWarp prst="textNoShape">
+              <a:avLst/>
+            </a:prstTxWarp>
+          </a:bodyPr>
+          <a:lstStyle/>
+          <a:p>
+            <a:endParaRPr lang="zh-CN" altLang="en-US"/>
+          </a:p>
+        </p:txBody>
+      </p:sp>
+      <p:sp>
+        <p:nvSpPr>
+          <p:cNvPr id="3" name="AutoShape 2" descr="a84ee5e2e3740a28043e9dc9134e954_ea4aad037d44b1cccc60"/>
+          <p:cNvSpPr>
+            <a:spLocks noChangeAspect="1" noChangeArrowheads="1"/>
+          </p:cNvSpPr>
+          <p:nvPr/>
+        </p:nvSpPr>
+        <p:spPr bwMode="auto">
+          <a:xfrm>
+            <a:off x="152400" y="152400"/>
+            <a:ext cx="304800" cy="304800"/>
+          </a:xfrm>
+          <a:prstGeom prst="rect">
+            <a:avLst/>
+          </a:prstGeom>
+          <a:noFill/>
+          <a:extLst>
+            <a:ext uri="{909E8E84-426E-40DD-AFC4-6F175D3DCCD1}">
+              <a14:hiddenFill xmlns:a14="http://schemas.microsoft.com/office/drawing/2010/main">
+                <a:solidFill>
+                  <a:srgbClr val="FFFFFF"/>
+                </a:solidFill>
+              </a14:hiddenFill>
+            </a:ext>
+          </a:extLst>
+        </p:spPr>
+        <p:txBody>
+          <a:bodyPr vert="horz" wrap="square" lIns="91440" tIns="45720" rIns="91440" bIns="45720" numCol="1" anchor="t" anchorCtr="0" compatLnSpc="1">
+            <a:prstTxWarp prst="textNoShape">
+              <a:avLst/>
+            </a:prstTxWarp>
+          </a:bodyPr>
+          <a:lstStyle/>
+          <a:p>
+            <a:endParaRPr lang="zh-CN" altLang="en-US"/>
+          </a:p>
+        </p:txBody>
+      </p:sp>
+      <p:pic>
+        <p:nvPicPr>
+          <p:cNvPr id="4" name="图片 3">
+            <a:extLst>
+              <a:ext uri="{FF2B5EF4-FFF2-40B4-BE49-F238E27FC236}">
+                <a16:creationId xmlns:a16="http://schemas.microsoft.com/office/drawing/2014/main" id="{A4E2BD3C-E6BB-4744-9BA1-96357F926A78}"/>
+              </a:ext>
+            </a:extLst>
+          </p:cNvPr>
+          <p:cNvPicPr>
+            <a:picLocks noChangeAspect="1"/>
+          </p:cNvPicPr>
+          <p:nvPr/>
+        </p:nvPicPr>
+        <p:blipFill>
+          <a:blip r:embed="rId5"/>
+          <a:stretch>
+            <a:fillRect/>
+          </a:stretch>
+        </p:blipFill>
+        <p:spPr>
+          <a:xfrm>
+            <a:off x="2943225" y="1552575"/>
+            <a:ext cx="6305550" cy="3752850"/>
+          </a:xfrm>
+          <a:prstGeom prst="rect">
+            <a:avLst/>
+          </a:prstGeom>
+        </p:spPr>
+      </p:pic>
+    </p:spTree>
+    <p:extLst>
+      <p:ext uri="{BB962C8B-B14F-4D97-AF65-F5344CB8AC3E}">
+        <p14:creationId xmlns:p14="http://schemas.microsoft.com/office/powerpoint/2010/main" val="3580881187"/>
+      </p:ext>
+    </p:extLst>
+  </p:cSld>
+  <p:clrMapOvr>
+    <a:masterClrMapping/>
+  </p:clrMapOvr>
+  <p:transition spd="med"/>
+</p:sld>
+</file>
+
+<file path=ppt/slides/slide17.xml><?xml version="1.0" encoding="utf-8"?>
+<p:sld xmlns:a="http://schemas.openxmlformats.org/drawingml/2006/main" xmlns:r="http://schemas.openxmlformats.org/officeDocument/2006/relationships" xmlns:p="http://schemas.openxmlformats.org/presentationml/2006/main">
+  <p:cSld>
+    <p:spTree>
+      <p:nvGrpSpPr>
+        <p:cNvPr id="1" name=""/>
+        <p:cNvGrpSpPr/>
+        <p:nvPr/>
+      </p:nvGrpSpPr>
+      <p:grpSpPr>
+        <a:xfrm>
+          <a:off x="0" y="0"/>
+          <a:ext cx="0" cy="0"/>
+          <a:chOff x="0" y="0"/>
+          <a:chExt cx="0" cy="0"/>
+        </a:xfrm>
+      </p:grpSpPr>
+      <p:pic>
+        <p:nvPicPr>
+          <p:cNvPr id="136" name="pasted-image.pdf" descr="pasted-image.pdf"/>
+          <p:cNvPicPr>
+            <a:picLocks noChangeAspect="1"/>
+          </p:cNvPicPr>
+          <p:nvPr/>
+        </p:nvPicPr>
+        <p:blipFill>
+          <a:blip r:embed="rId3"/>
+          <a:srcRect b="82595"/>
+          <a:stretch>
+            <a:fillRect/>
+          </a:stretch>
+        </p:blipFill>
+        <p:spPr>
+          <a:xfrm>
+            <a:off x="0" y="-18922"/>
+            <a:ext cx="12191921" cy="799634"/>
+          </a:xfrm>
+          <a:prstGeom prst="rect">
+            <a:avLst/>
+          </a:prstGeom>
+          <a:ln w="12700">
+            <a:miter lim="400000"/>
+          </a:ln>
+        </p:spPr>
+      </p:pic>
+      <p:pic>
+        <p:nvPicPr>
+          <p:cNvPr id="137" name="pasted-image.pdf" descr="pasted-image.pdf"/>
+          <p:cNvPicPr>
+            <a:picLocks noChangeAspect="1"/>
+          </p:cNvPicPr>
+          <p:nvPr/>
+        </p:nvPicPr>
+        <p:blipFill>
+          <a:blip r:embed="rId4"/>
+          <a:stretch>
+            <a:fillRect/>
+          </a:stretch>
+        </p:blipFill>
+        <p:spPr>
+          <a:xfrm>
+            <a:off x="9723360" y="247909"/>
+            <a:ext cx="1835152" cy="341894"/>
+          </a:xfrm>
+          <a:prstGeom prst="rect">
+            <a:avLst/>
+          </a:prstGeom>
+          <a:ln w="12700">
+            <a:miter lim="400000"/>
+          </a:ln>
+        </p:spPr>
+      </p:pic>
+      <p:sp>
+        <p:nvSpPr>
+          <p:cNvPr id="5" name="优缺点"/>
           <p:cNvSpPr txBox="1"/>
           <p:nvPr/>
         </p:nvSpPr>
         <p:spPr>
           <a:xfrm>
-            <a:off x="5019769" y="4241616"/>
-            <a:ext cx="2603501" cy="762001"/>
+            <a:off x="398353" y="134694"/>
+            <a:ext cx="2113718" cy="861774"/>
           </a:xfrm>
           <a:prstGeom prst="rect">
             <a:avLst/>
@@ -6831,35 +7604,1176 @@
           </a:ln>
           <a:extLst>
             <a:ext uri="{C572A759-6A51-4108-AA02-DFA0A04FC94B}">
-              <ma14:wrappingTextBoxFlag xmlns:ma14="http://schemas.microsoft.com/office/mac/drawingml/2011/main" xmlns="" val="1"/>
+              <ma14:wrappingTextBoxFlag xmlns="" xmlns:ma14="http://schemas.microsoft.com/office/mac/drawingml/2011/main" val="1"/>
             </a:ext>
           </a:extLst>
         </p:spPr>
         <p:txBody>
-          <a:bodyPr wrap="none" lIns="25400" tIns="25400" rIns="25400" bIns="25400" anchor="ctr">
+          <a:bodyPr wrap="none" lIns="45719" rIns="45719">
             <a:spAutoFit/>
           </a:bodyPr>
           <a:lstStyle>
             <a:lvl1pPr>
-              <a:defRPr sz="4000">
+              <a:defRPr sz="2500">
                 <a:solidFill>
                   <a:srgbClr val="FFFFFF"/>
                 </a:solidFill>
-                <a:latin typeface="PingFang SC Medium"/>
-                <a:ea typeface="PingFang SC Medium"/>
-                <a:cs typeface="PingFang SC Medium"/>
-                <a:sym typeface="PingFang SC Medium"/>
               </a:defRPr>
             </a:lvl1pPr>
           </a:lstStyle>
           <a:p>
             <a:r>
-              <a:t>感谢聆听！</a:t>
-            </a:r>
+              <a:rPr lang="zh-CN" altLang="en-US" dirty="0"/>
+              <a:t>对象探秘</a:t>
+            </a:r>
+            <a:r>
+              <a:rPr lang="en-US" altLang="zh-CN" dirty="0"/>
+              <a:t>-</a:t>
+            </a:r>
+            <a:r>
+              <a:rPr lang="zh-CN" altLang="en-US" dirty="0"/>
+              <a:t>案例</a:t>
+            </a:r>
+            <a:endParaRPr lang="zh-CN" altLang="zh-CN" dirty="0"/>
+          </a:p>
+          <a:p>
+            <a:endParaRPr dirty="0"/>
+          </a:p>
+        </p:txBody>
+      </p:sp>
+      <p:sp>
+        <p:nvSpPr>
+          <p:cNvPr id="2" name="AutoShape 2" descr="8c9d65e2bbb4b498feca42616e99192_643fd075f3a56abc0515"/>
+          <p:cNvSpPr>
+            <a:spLocks noChangeAspect="1" noChangeArrowheads="1"/>
+          </p:cNvSpPr>
+          <p:nvPr/>
+        </p:nvSpPr>
+        <p:spPr bwMode="auto">
+          <a:xfrm>
+            <a:off x="0" y="0"/>
+            <a:ext cx="304800" cy="304800"/>
+          </a:xfrm>
+          <a:prstGeom prst="rect">
+            <a:avLst/>
+          </a:prstGeom>
+          <a:noFill/>
+          <a:extLst>
+            <a:ext uri="{909E8E84-426E-40DD-AFC4-6F175D3DCCD1}">
+              <a14:hiddenFill xmlns:a14="http://schemas.microsoft.com/office/drawing/2010/main">
+                <a:solidFill>
+                  <a:srgbClr val="FFFFFF"/>
+                </a:solidFill>
+              </a14:hiddenFill>
+            </a:ext>
+          </a:extLst>
+        </p:spPr>
+        <p:txBody>
+          <a:bodyPr vert="horz" wrap="square" lIns="91440" tIns="45720" rIns="91440" bIns="45720" numCol="1" anchor="t" anchorCtr="0" compatLnSpc="1">
+            <a:prstTxWarp prst="textNoShape">
+              <a:avLst/>
+            </a:prstTxWarp>
+          </a:bodyPr>
+          <a:lstStyle/>
+          <a:p>
+            <a:endParaRPr lang="zh-CN" altLang="en-US"/>
+          </a:p>
+        </p:txBody>
+      </p:sp>
+      <p:sp>
+        <p:nvSpPr>
+          <p:cNvPr id="3" name="AutoShape 2" descr="a84ee5e2e3740a28043e9dc9134e954_ea4aad037d44b1cccc60"/>
+          <p:cNvSpPr>
+            <a:spLocks noChangeAspect="1" noChangeArrowheads="1"/>
+          </p:cNvSpPr>
+          <p:nvPr/>
+        </p:nvSpPr>
+        <p:spPr bwMode="auto">
+          <a:xfrm>
+            <a:off x="152400" y="152400"/>
+            <a:ext cx="304800" cy="304800"/>
+          </a:xfrm>
+          <a:prstGeom prst="rect">
+            <a:avLst/>
+          </a:prstGeom>
+          <a:noFill/>
+          <a:extLst>
+            <a:ext uri="{909E8E84-426E-40DD-AFC4-6F175D3DCCD1}">
+              <a14:hiddenFill xmlns:a14="http://schemas.microsoft.com/office/drawing/2010/main">
+                <a:solidFill>
+                  <a:srgbClr val="FFFFFF"/>
+                </a:solidFill>
+              </a14:hiddenFill>
+            </a:ext>
+          </a:extLst>
+        </p:spPr>
+        <p:txBody>
+          <a:bodyPr vert="horz" wrap="square" lIns="91440" tIns="45720" rIns="91440" bIns="45720" numCol="1" anchor="t" anchorCtr="0" compatLnSpc="1">
+            <a:prstTxWarp prst="textNoShape">
+              <a:avLst/>
+            </a:prstTxWarp>
+          </a:bodyPr>
+          <a:lstStyle/>
+          <a:p>
+            <a:endParaRPr lang="zh-CN" altLang="en-US"/>
+          </a:p>
+        </p:txBody>
+      </p:sp>
+      <p:pic>
+        <p:nvPicPr>
+          <p:cNvPr id="6" name="图片 5">
+            <a:extLst>
+              <a:ext uri="{FF2B5EF4-FFF2-40B4-BE49-F238E27FC236}">
+                <a16:creationId xmlns:a16="http://schemas.microsoft.com/office/drawing/2014/main" id="{46FBD9F9-17D9-416A-BE43-A5D0D5353DAD}"/>
+              </a:ext>
+            </a:extLst>
+          </p:cNvPr>
+          <p:cNvPicPr>
+            <a:picLocks noChangeAspect="1"/>
+          </p:cNvPicPr>
+          <p:nvPr/>
+        </p:nvPicPr>
+        <p:blipFill>
+          <a:blip r:embed="rId5"/>
+          <a:stretch>
+            <a:fillRect/>
+          </a:stretch>
+        </p:blipFill>
+        <p:spPr>
+          <a:xfrm>
+            <a:off x="1570391" y="1694392"/>
+            <a:ext cx="6657975" cy="3114675"/>
+          </a:xfrm>
+          <a:prstGeom prst="rect">
+            <a:avLst/>
+          </a:prstGeom>
+        </p:spPr>
+      </p:pic>
+      <p:sp>
+        <p:nvSpPr>
+          <p:cNvPr id="7" name="文本框 6">
+            <a:extLst>
+              <a:ext uri="{FF2B5EF4-FFF2-40B4-BE49-F238E27FC236}">
+                <a16:creationId xmlns:a16="http://schemas.microsoft.com/office/drawing/2014/main" id="{A533E0FF-F98F-439A-9290-4633D320A2DE}"/>
+              </a:ext>
+            </a:extLst>
+          </p:cNvPr>
+          <p:cNvSpPr txBox="1"/>
+          <p:nvPr/>
+        </p:nvSpPr>
+        <p:spPr>
+          <a:xfrm>
+            <a:off x="1998133" y="4809067"/>
+            <a:ext cx="92396" cy="369330"/>
+          </a:xfrm>
+          <a:prstGeom prst="rect">
+            <a:avLst/>
+          </a:prstGeom>
+          <a:noFill/>
+          <a:ln w="12700" cap="flat">
+            <a:noFill/>
+            <a:miter lim="400000"/>
+          </a:ln>
+          <a:effectLst/>
+          <a:sp3d/>
+        </p:spPr>
+        <p:style>
+          <a:lnRef idx="0">
+            <a:scrgbClr r="0" g="0" b="0"/>
+          </a:lnRef>
+          <a:fillRef idx="0">
+            <a:scrgbClr r="0" g="0" b="0"/>
+          </a:fillRef>
+          <a:effectRef idx="0">
+            <a:scrgbClr r="0" g="0" b="0"/>
+          </a:effectRef>
+          <a:fontRef idx="none"/>
+        </p:style>
+        <p:txBody>
+          <a:bodyPr rot="0" spcFirstLastPara="1" vertOverflow="overflow" horzOverflow="overflow" vert="horz" wrap="none" lIns="45719" tIns="45719" rIns="45719" bIns="45719" numCol="1" spcCol="38100" rtlCol="0" anchor="t">
+            <a:spAutoFit/>
+          </a:bodyPr>
+          <a:lstStyle/>
+          <a:p>
+            <a:pPr marL="0" marR="0" indent="0" algn="l" defTabSz="914400" rtl="0" fontAlgn="auto" latinLnBrk="0" hangingPunct="0">
+              <a:lnSpc>
+                <a:spcPct val="100000"/>
+              </a:lnSpc>
+              <a:spcBef>
+                <a:spcPts val="0"/>
+              </a:spcBef>
+              <a:spcAft>
+                <a:spcPts val="0"/>
+              </a:spcAft>
+              <a:buClrTx/>
+              <a:buSzTx/>
+              <a:buFontTx/>
+              <a:buNone/>
+              <a:tabLst/>
+            </a:pPr>
+            <a:endParaRPr kumimoji="0" lang="zh-CN" altLang="en-US" sz="1800" b="0" i="0" u="none" strike="noStrike" cap="none" spc="0" normalizeH="0" baseline="0" dirty="0">
+              <a:ln>
+                <a:noFill/>
+              </a:ln>
+              <a:solidFill>
+                <a:srgbClr val="000000"/>
+              </a:solidFill>
+              <a:effectLst/>
+              <a:uFillTx/>
+              <a:latin typeface="+mj-lt"/>
+              <a:ea typeface="+mj-ea"/>
+              <a:cs typeface="+mj-cs"/>
+              <a:sym typeface="Calibri"/>
+            </a:endParaRPr>
           </a:p>
         </p:txBody>
       </p:sp>
     </p:spTree>
+    <p:extLst>
+      <p:ext uri="{BB962C8B-B14F-4D97-AF65-F5344CB8AC3E}">
+        <p14:creationId xmlns:p14="http://schemas.microsoft.com/office/powerpoint/2010/main" val="1419332465"/>
+      </p:ext>
+    </p:extLst>
+  </p:cSld>
+  <p:clrMapOvr>
+    <a:masterClrMapping/>
+  </p:clrMapOvr>
+  <p:transition spd="med"/>
+</p:sld>
+</file>
+
+<file path=ppt/slides/slide18.xml><?xml version="1.0" encoding="utf-8"?>
+<p:sld xmlns:a="http://schemas.openxmlformats.org/drawingml/2006/main" xmlns:r="http://schemas.openxmlformats.org/officeDocument/2006/relationships" xmlns:p="http://schemas.openxmlformats.org/presentationml/2006/main">
+  <p:cSld>
+    <p:spTree>
+      <p:nvGrpSpPr>
+        <p:cNvPr id="1" name=""/>
+        <p:cNvGrpSpPr/>
+        <p:nvPr/>
+      </p:nvGrpSpPr>
+      <p:grpSpPr>
+        <a:xfrm>
+          <a:off x="0" y="0"/>
+          <a:ext cx="0" cy="0"/>
+          <a:chOff x="0" y="0"/>
+          <a:chExt cx="0" cy="0"/>
+        </a:xfrm>
+      </p:grpSpPr>
+      <p:pic>
+        <p:nvPicPr>
+          <p:cNvPr id="136" name="pasted-image.pdf" descr="pasted-image.pdf"/>
+          <p:cNvPicPr>
+            <a:picLocks noChangeAspect="1"/>
+          </p:cNvPicPr>
+          <p:nvPr/>
+        </p:nvPicPr>
+        <p:blipFill>
+          <a:blip r:embed="rId3"/>
+          <a:srcRect b="82595"/>
+          <a:stretch>
+            <a:fillRect/>
+          </a:stretch>
+        </p:blipFill>
+        <p:spPr>
+          <a:xfrm>
+            <a:off x="0" y="-18922"/>
+            <a:ext cx="12191921" cy="799634"/>
+          </a:xfrm>
+          <a:prstGeom prst="rect">
+            <a:avLst/>
+          </a:prstGeom>
+          <a:ln w="12700">
+            <a:miter lim="400000"/>
+          </a:ln>
+        </p:spPr>
+      </p:pic>
+      <p:pic>
+        <p:nvPicPr>
+          <p:cNvPr id="137" name="pasted-image.pdf" descr="pasted-image.pdf"/>
+          <p:cNvPicPr>
+            <a:picLocks noChangeAspect="1"/>
+          </p:cNvPicPr>
+          <p:nvPr/>
+        </p:nvPicPr>
+        <p:blipFill>
+          <a:blip r:embed="rId4"/>
+          <a:stretch>
+            <a:fillRect/>
+          </a:stretch>
+        </p:blipFill>
+        <p:spPr>
+          <a:xfrm>
+            <a:off x="9723360" y="247909"/>
+            <a:ext cx="1835152" cy="341894"/>
+          </a:xfrm>
+          <a:prstGeom prst="rect">
+            <a:avLst/>
+          </a:prstGeom>
+          <a:ln w="12700">
+            <a:miter lim="400000"/>
+          </a:ln>
+        </p:spPr>
+      </p:pic>
+      <p:sp>
+        <p:nvSpPr>
+          <p:cNvPr id="5" name="优缺点"/>
+          <p:cNvSpPr txBox="1"/>
+          <p:nvPr/>
+        </p:nvSpPr>
+        <p:spPr>
+          <a:xfrm>
+            <a:off x="398353" y="134694"/>
+            <a:ext cx="2113718" cy="861774"/>
+          </a:xfrm>
+          <a:prstGeom prst="rect">
+            <a:avLst/>
+          </a:prstGeom>
+          <a:ln w="12700">
+            <a:miter lim="400000"/>
+          </a:ln>
+          <a:extLst>
+            <a:ext uri="{C572A759-6A51-4108-AA02-DFA0A04FC94B}">
+              <ma14:wrappingTextBoxFlag xmlns="" xmlns:ma14="http://schemas.microsoft.com/office/mac/drawingml/2011/main" val="1"/>
+            </a:ext>
+          </a:extLst>
+        </p:spPr>
+        <p:txBody>
+          <a:bodyPr wrap="none" lIns="45719" rIns="45719">
+            <a:spAutoFit/>
+          </a:bodyPr>
+          <a:lstStyle>
+            <a:lvl1pPr>
+              <a:defRPr sz="2500">
+                <a:solidFill>
+                  <a:srgbClr val="FFFFFF"/>
+                </a:solidFill>
+              </a:defRPr>
+            </a:lvl1pPr>
+          </a:lstStyle>
+          <a:p>
+            <a:r>
+              <a:rPr lang="zh-CN" altLang="en-US" dirty="0"/>
+              <a:t>对象探秘</a:t>
+            </a:r>
+            <a:r>
+              <a:rPr lang="en-US" altLang="zh-CN" dirty="0"/>
+              <a:t>-</a:t>
+            </a:r>
+            <a:r>
+              <a:rPr lang="zh-CN" altLang="en-US" dirty="0"/>
+              <a:t>案例</a:t>
+            </a:r>
+            <a:endParaRPr lang="zh-CN" altLang="zh-CN" dirty="0"/>
+          </a:p>
+          <a:p>
+            <a:endParaRPr dirty="0"/>
+          </a:p>
+        </p:txBody>
+      </p:sp>
+      <p:sp>
+        <p:nvSpPr>
+          <p:cNvPr id="2" name="AutoShape 2" descr="8c9d65e2bbb4b498feca42616e99192_643fd075f3a56abc0515"/>
+          <p:cNvSpPr>
+            <a:spLocks noChangeAspect="1" noChangeArrowheads="1"/>
+          </p:cNvSpPr>
+          <p:nvPr/>
+        </p:nvSpPr>
+        <p:spPr bwMode="auto">
+          <a:xfrm>
+            <a:off x="0" y="0"/>
+            <a:ext cx="304800" cy="304800"/>
+          </a:xfrm>
+          <a:prstGeom prst="rect">
+            <a:avLst/>
+          </a:prstGeom>
+          <a:noFill/>
+          <a:extLst>
+            <a:ext uri="{909E8E84-426E-40DD-AFC4-6F175D3DCCD1}">
+              <a14:hiddenFill xmlns:a14="http://schemas.microsoft.com/office/drawing/2010/main">
+                <a:solidFill>
+                  <a:srgbClr val="FFFFFF"/>
+                </a:solidFill>
+              </a14:hiddenFill>
+            </a:ext>
+          </a:extLst>
+        </p:spPr>
+        <p:txBody>
+          <a:bodyPr vert="horz" wrap="square" lIns="91440" tIns="45720" rIns="91440" bIns="45720" numCol="1" anchor="t" anchorCtr="0" compatLnSpc="1">
+            <a:prstTxWarp prst="textNoShape">
+              <a:avLst/>
+            </a:prstTxWarp>
+          </a:bodyPr>
+          <a:lstStyle/>
+          <a:p>
+            <a:endParaRPr lang="zh-CN" altLang="en-US"/>
+          </a:p>
+        </p:txBody>
+      </p:sp>
+      <p:sp>
+        <p:nvSpPr>
+          <p:cNvPr id="3" name="AutoShape 2" descr="a84ee5e2e3740a28043e9dc9134e954_ea4aad037d44b1cccc60"/>
+          <p:cNvSpPr>
+            <a:spLocks noChangeAspect="1" noChangeArrowheads="1"/>
+          </p:cNvSpPr>
+          <p:nvPr/>
+        </p:nvSpPr>
+        <p:spPr bwMode="auto">
+          <a:xfrm>
+            <a:off x="152400" y="152400"/>
+            <a:ext cx="304800" cy="304800"/>
+          </a:xfrm>
+          <a:prstGeom prst="rect">
+            <a:avLst/>
+          </a:prstGeom>
+          <a:noFill/>
+          <a:extLst>
+            <a:ext uri="{909E8E84-426E-40DD-AFC4-6F175D3DCCD1}">
+              <a14:hiddenFill xmlns:a14="http://schemas.microsoft.com/office/drawing/2010/main">
+                <a:solidFill>
+                  <a:srgbClr val="FFFFFF"/>
+                </a:solidFill>
+              </a14:hiddenFill>
+            </a:ext>
+          </a:extLst>
+        </p:spPr>
+        <p:txBody>
+          <a:bodyPr vert="horz" wrap="square" lIns="91440" tIns="45720" rIns="91440" bIns="45720" numCol="1" anchor="t" anchorCtr="0" compatLnSpc="1">
+            <a:prstTxWarp prst="textNoShape">
+              <a:avLst/>
+            </a:prstTxWarp>
+          </a:bodyPr>
+          <a:lstStyle/>
+          <a:p>
+            <a:endParaRPr lang="zh-CN" altLang="en-US"/>
+          </a:p>
+        </p:txBody>
+      </p:sp>
+      <p:sp>
+        <p:nvSpPr>
+          <p:cNvPr id="6" name="矩形 5">
+            <a:extLst>
+              <a:ext uri="{FF2B5EF4-FFF2-40B4-BE49-F238E27FC236}">
+                <a16:creationId xmlns:a16="http://schemas.microsoft.com/office/drawing/2014/main" id="{A3C85ADA-CEB3-4D33-B7A0-D78C5B5CC6A2}"/>
+              </a:ext>
+            </a:extLst>
+          </p:cNvPr>
+          <p:cNvSpPr/>
+          <p:nvPr/>
+        </p:nvSpPr>
+        <p:spPr>
+          <a:xfrm>
+            <a:off x="1196622" y="1429013"/>
+            <a:ext cx="9268178" cy="3693319"/>
+          </a:xfrm>
+          <a:prstGeom prst="rect">
+            <a:avLst/>
+          </a:prstGeom>
+        </p:spPr>
+        <p:txBody>
+          <a:bodyPr wrap="square">
+            <a:spAutoFit/>
+          </a:bodyPr>
+          <a:lstStyle/>
+          <a:p>
+            <a:pPr marL="342900" indent="-342900">
+              <a:buFont typeface="+mj-lt"/>
+              <a:buAutoNum type="arabicPeriod"/>
+            </a:pPr>
+            <a:r>
+              <a:rPr lang="zh-CN" altLang="en-US" dirty="0">
+                <a:solidFill>
+                  <a:srgbClr val="333333"/>
+                </a:solidFill>
+                <a:latin typeface="Verdana" panose="020B0604030504040204" pitchFamily="34" charset="0"/>
+              </a:rPr>
+              <a:t>用户创建了一个</a:t>
+            </a:r>
+            <a:r>
+              <a:rPr lang="en-US" altLang="zh-CN" dirty="0">
+                <a:solidFill>
+                  <a:srgbClr val="333333"/>
+                </a:solidFill>
+                <a:latin typeface="Verdana" panose="020B0604030504040204" pitchFamily="34" charset="0"/>
+              </a:rPr>
+              <a:t>Student</a:t>
+            </a:r>
+            <a:r>
+              <a:rPr lang="zh-CN" altLang="en-US" dirty="0">
+                <a:solidFill>
+                  <a:srgbClr val="333333"/>
+                </a:solidFill>
+                <a:latin typeface="Verdana" panose="020B0604030504040204" pitchFamily="34" charset="0"/>
+              </a:rPr>
+              <a:t>对象，运行时</a:t>
+            </a:r>
+            <a:r>
+              <a:rPr lang="en-US" altLang="zh-CN" dirty="0">
+                <a:solidFill>
+                  <a:srgbClr val="333333"/>
+                </a:solidFill>
+                <a:latin typeface="Verdana" panose="020B0604030504040204" pitchFamily="34" charset="0"/>
+              </a:rPr>
+              <a:t>JVM</a:t>
+            </a:r>
+            <a:r>
+              <a:rPr lang="zh-CN" altLang="en-US" dirty="0">
+                <a:solidFill>
+                  <a:srgbClr val="333333"/>
+                </a:solidFill>
+                <a:latin typeface="Verdana" panose="020B0604030504040204" pitchFamily="34" charset="0"/>
+              </a:rPr>
+              <a:t>首先会去方法区寻找该对象的类型信息，没有则使用类加载器</a:t>
+            </a:r>
+            <a:r>
+              <a:rPr lang="en-US" altLang="zh-CN" dirty="0" err="1">
+                <a:solidFill>
+                  <a:srgbClr val="333333"/>
+                </a:solidFill>
+                <a:latin typeface="Verdana" panose="020B0604030504040204" pitchFamily="34" charset="0"/>
+              </a:rPr>
+              <a:t>classloader</a:t>
+            </a:r>
+            <a:r>
+              <a:rPr lang="zh-CN" altLang="en-US" dirty="0">
+                <a:solidFill>
+                  <a:srgbClr val="333333"/>
+                </a:solidFill>
+                <a:latin typeface="Verdana" panose="020B0604030504040204" pitchFamily="34" charset="0"/>
+              </a:rPr>
+              <a:t>将</a:t>
+            </a:r>
+            <a:r>
+              <a:rPr lang="en-US" altLang="zh-CN" dirty="0" err="1">
+                <a:solidFill>
+                  <a:srgbClr val="333333"/>
+                </a:solidFill>
+                <a:latin typeface="Verdana" panose="020B0604030504040204" pitchFamily="34" charset="0"/>
+              </a:rPr>
+              <a:t>Student.class</a:t>
+            </a:r>
+            <a:r>
+              <a:rPr lang="zh-CN" altLang="en-US" dirty="0">
+                <a:solidFill>
+                  <a:srgbClr val="333333"/>
+                </a:solidFill>
+                <a:latin typeface="Verdana" panose="020B0604030504040204" pitchFamily="34" charset="0"/>
+              </a:rPr>
+              <a:t>字节码文件加载至内存中的方法区，并将</a:t>
+            </a:r>
+            <a:r>
+              <a:rPr lang="en-US" altLang="zh-CN" dirty="0">
+                <a:solidFill>
+                  <a:srgbClr val="333333"/>
+                </a:solidFill>
+                <a:latin typeface="Verdana" panose="020B0604030504040204" pitchFamily="34" charset="0"/>
+              </a:rPr>
+              <a:t>Student</a:t>
+            </a:r>
+            <a:r>
+              <a:rPr lang="zh-CN" altLang="en-US" dirty="0">
+                <a:solidFill>
+                  <a:srgbClr val="333333"/>
+                </a:solidFill>
+                <a:latin typeface="Verdana" panose="020B0604030504040204" pitchFamily="34" charset="0"/>
+              </a:rPr>
+              <a:t>类的类型信息存放至方法区。</a:t>
+            </a:r>
+            <a:endParaRPr lang="en-US" altLang="zh-CN" dirty="0">
+              <a:solidFill>
+                <a:srgbClr val="333333"/>
+              </a:solidFill>
+              <a:latin typeface="Verdana" panose="020B0604030504040204" pitchFamily="34" charset="0"/>
+            </a:endParaRPr>
+          </a:p>
+          <a:p>
+            <a:pPr marL="342900" indent="-342900">
+              <a:buFont typeface="+mj-lt"/>
+              <a:buAutoNum type="arabicPeriod"/>
+            </a:pPr>
+            <a:r>
+              <a:rPr lang="zh-CN" altLang="en-US" dirty="0"/>
+              <a:t>接着</a:t>
+            </a:r>
+            <a:r>
+              <a:rPr lang="en-US" altLang="zh-CN" dirty="0"/>
+              <a:t>JVM</a:t>
+            </a:r>
+            <a:r>
+              <a:rPr lang="zh-CN" altLang="en-US" dirty="0"/>
+              <a:t>在堆中为新的</a:t>
+            </a:r>
+            <a:r>
+              <a:rPr lang="en-US" altLang="zh-CN" dirty="0"/>
+              <a:t>Student</a:t>
+            </a:r>
+            <a:r>
+              <a:rPr lang="zh-CN" altLang="en-US" dirty="0"/>
+              <a:t>实例分配内存空间，这个实例持有着指向方法区的</a:t>
+            </a:r>
+            <a:r>
+              <a:rPr lang="en-US" altLang="zh-CN" dirty="0"/>
+              <a:t>Student</a:t>
+            </a:r>
+            <a:r>
+              <a:rPr lang="zh-CN" altLang="en-US" dirty="0"/>
+              <a:t>类型信息的引用，引用指的是类型信息在方法区中的内存地址。</a:t>
+            </a:r>
+            <a:endParaRPr lang="en-US" altLang="zh-CN" dirty="0"/>
+          </a:p>
+          <a:p>
+            <a:pPr marL="342900" indent="-342900">
+              <a:buFont typeface="+mj-lt"/>
+              <a:buAutoNum type="arabicPeriod"/>
+            </a:pPr>
+            <a:r>
+              <a:rPr lang="zh-CN" altLang="en-US" dirty="0"/>
+              <a:t>在此运行的</a:t>
+            </a:r>
+            <a:r>
+              <a:rPr lang="en-US" altLang="zh-CN" dirty="0"/>
+              <a:t>JVM</a:t>
+            </a:r>
+            <a:r>
+              <a:rPr lang="zh-CN" altLang="en-US" dirty="0"/>
+              <a:t>进程中，会首先起一个线程跑该用户程序，而创建线程的同时也创建了一个虚拟机栈，虚拟机栈用来跟踪线程运行中的一系列方法调用的过程，每调用一个方法就会创建并往栈中压入一个栈帧，栈帧用来存储方法的参数，局部变量和运算过程的临时数据。上面程序中的</a:t>
+            </a:r>
+            <a:r>
+              <a:rPr lang="en-US" altLang="zh-CN" dirty="0" err="1"/>
+              <a:t>stu</a:t>
+            </a:r>
+            <a:r>
+              <a:rPr lang="zh-CN" altLang="en-US" dirty="0"/>
+              <a:t>是对</a:t>
+            </a:r>
+            <a:r>
+              <a:rPr lang="en-US" altLang="zh-CN" dirty="0"/>
+              <a:t>Student</a:t>
+            </a:r>
+            <a:r>
+              <a:rPr lang="zh-CN" altLang="en-US" dirty="0"/>
+              <a:t>的引用，就存放于栈中，并持有指向堆中</a:t>
+            </a:r>
+            <a:r>
+              <a:rPr lang="en-US" altLang="zh-CN" dirty="0"/>
+              <a:t>Student</a:t>
+            </a:r>
+            <a:r>
+              <a:rPr lang="zh-CN" altLang="en-US" dirty="0"/>
+              <a:t>实例的内存地址。</a:t>
+            </a:r>
+            <a:endParaRPr lang="en-US" altLang="zh-CN" dirty="0"/>
+          </a:p>
+          <a:p>
+            <a:pPr marL="342900" indent="-342900">
+              <a:buFont typeface="+mj-lt"/>
+              <a:buAutoNum type="arabicPeriod"/>
+            </a:pPr>
+            <a:r>
+              <a:rPr lang="en-US" altLang="zh-CN" dirty="0"/>
+              <a:t>JVM</a:t>
+            </a:r>
+            <a:r>
+              <a:rPr lang="zh-CN" altLang="en-US" dirty="0"/>
+              <a:t>根据</a:t>
+            </a:r>
+            <a:r>
+              <a:rPr lang="en-US" altLang="zh-CN" dirty="0" err="1"/>
+              <a:t>stu</a:t>
+            </a:r>
+            <a:r>
+              <a:rPr lang="zh-CN" altLang="en-US" dirty="0"/>
+              <a:t>引用持有的堆中对象的内存地址，定位到堆中的</a:t>
+            </a:r>
+            <a:r>
+              <a:rPr lang="en-US" altLang="zh-CN" dirty="0"/>
+              <a:t>Student</a:t>
+            </a:r>
+            <a:r>
+              <a:rPr lang="zh-CN" altLang="en-US" dirty="0"/>
+              <a:t>实例，由于堆中实例持有指向方法区的</a:t>
+            </a:r>
+            <a:r>
+              <a:rPr lang="en-US" altLang="zh-CN" dirty="0"/>
+              <a:t>Student</a:t>
+            </a:r>
+            <a:r>
+              <a:rPr lang="zh-CN" altLang="en-US" dirty="0"/>
+              <a:t>类型信息的引用，从而获得</a:t>
+            </a:r>
+            <a:r>
+              <a:rPr lang="en-US" altLang="zh-CN" dirty="0"/>
+              <a:t>add()</a:t>
+            </a:r>
+            <a:r>
+              <a:rPr lang="zh-CN" altLang="en-US" dirty="0"/>
+              <a:t>方法的字节码信息，接着执行</a:t>
+            </a:r>
+            <a:r>
+              <a:rPr lang="en-US" altLang="zh-CN" dirty="0"/>
+              <a:t>add()</a:t>
+            </a:r>
+            <a:r>
+              <a:rPr lang="zh-CN" altLang="en-US" dirty="0"/>
+              <a:t>方法包含的指令。</a:t>
+            </a:r>
+          </a:p>
+        </p:txBody>
+      </p:sp>
+    </p:spTree>
+    <p:extLst>
+      <p:ext uri="{BB962C8B-B14F-4D97-AF65-F5344CB8AC3E}">
+        <p14:creationId xmlns:p14="http://schemas.microsoft.com/office/powerpoint/2010/main" val="827820652"/>
+      </p:ext>
+    </p:extLst>
+  </p:cSld>
+  <p:clrMapOvr>
+    <a:masterClrMapping/>
+  </p:clrMapOvr>
+  <p:transition spd="med"/>
+</p:sld>
+</file>
+
+<file path=ppt/slides/slide19.xml><?xml version="1.0" encoding="utf-8"?>
+<p:sld xmlns:a="http://schemas.openxmlformats.org/drawingml/2006/main" xmlns:r="http://schemas.openxmlformats.org/officeDocument/2006/relationships" xmlns:p="http://schemas.openxmlformats.org/presentationml/2006/main">
+  <p:cSld>
+    <p:spTree>
+      <p:nvGrpSpPr>
+        <p:cNvPr id="1" name=""/>
+        <p:cNvGrpSpPr/>
+        <p:nvPr/>
+      </p:nvGrpSpPr>
+      <p:grpSpPr>
+        <a:xfrm>
+          <a:off x="0" y="0"/>
+          <a:ext cx="0" cy="0"/>
+          <a:chOff x="0" y="0"/>
+          <a:chExt cx="0" cy="0"/>
+        </a:xfrm>
+      </p:grpSpPr>
+      <p:pic>
+        <p:nvPicPr>
+          <p:cNvPr id="136" name="pasted-image.pdf" descr="pasted-image.pdf"/>
+          <p:cNvPicPr>
+            <a:picLocks noChangeAspect="1"/>
+          </p:cNvPicPr>
+          <p:nvPr/>
+        </p:nvPicPr>
+        <p:blipFill>
+          <a:blip r:embed="rId3"/>
+          <a:srcRect b="82595"/>
+          <a:stretch>
+            <a:fillRect/>
+          </a:stretch>
+        </p:blipFill>
+        <p:spPr>
+          <a:xfrm>
+            <a:off x="0" y="-18922"/>
+            <a:ext cx="12191921" cy="799634"/>
+          </a:xfrm>
+          <a:prstGeom prst="rect">
+            <a:avLst/>
+          </a:prstGeom>
+          <a:ln w="12700">
+            <a:miter lim="400000"/>
+          </a:ln>
+        </p:spPr>
+      </p:pic>
+      <p:pic>
+        <p:nvPicPr>
+          <p:cNvPr id="137" name="pasted-image.pdf" descr="pasted-image.pdf"/>
+          <p:cNvPicPr>
+            <a:picLocks noChangeAspect="1"/>
+          </p:cNvPicPr>
+          <p:nvPr/>
+        </p:nvPicPr>
+        <p:blipFill>
+          <a:blip r:embed="rId4"/>
+          <a:stretch>
+            <a:fillRect/>
+          </a:stretch>
+        </p:blipFill>
+        <p:spPr>
+          <a:xfrm>
+            <a:off x="9723360" y="247909"/>
+            <a:ext cx="1835152" cy="341894"/>
+          </a:xfrm>
+          <a:prstGeom prst="rect">
+            <a:avLst/>
+          </a:prstGeom>
+          <a:ln w="12700">
+            <a:miter lim="400000"/>
+          </a:ln>
+        </p:spPr>
+      </p:pic>
+      <p:sp>
+        <p:nvSpPr>
+          <p:cNvPr id="5" name="优缺点"/>
+          <p:cNvSpPr txBox="1"/>
+          <p:nvPr/>
+        </p:nvSpPr>
+        <p:spPr>
+          <a:xfrm>
+            <a:off x="398353" y="134694"/>
+            <a:ext cx="4271360" cy="477054"/>
+          </a:xfrm>
+          <a:prstGeom prst="rect">
+            <a:avLst/>
+          </a:prstGeom>
+          <a:ln w="12700">
+            <a:miter lim="400000"/>
+          </a:ln>
+          <a:extLst>
+            <a:ext uri="{C572A759-6A51-4108-AA02-DFA0A04FC94B}">
+              <ma14:wrappingTextBoxFlag xmlns="" xmlns:ma14="http://schemas.microsoft.com/office/mac/drawingml/2011/main" val="1"/>
+            </a:ext>
+          </a:extLst>
+        </p:spPr>
+        <p:txBody>
+          <a:bodyPr wrap="none" lIns="45719" rIns="45719">
+            <a:spAutoFit/>
+          </a:bodyPr>
+          <a:lstStyle>
+            <a:lvl1pPr>
+              <a:defRPr sz="2500">
+                <a:solidFill>
+                  <a:srgbClr val="FFFFFF"/>
+                </a:solidFill>
+              </a:defRPr>
+            </a:lvl1pPr>
+          </a:lstStyle>
+          <a:p>
+            <a:r>
+              <a:rPr lang="zh-CN" altLang="en-US" dirty="0"/>
+              <a:t>实战：</a:t>
+            </a:r>
+            <a:r>
+              <a:rPr lang="en-US" altLang="zh-CN" dirty="0" err="1"/>
+              <a:t>OutOfMemoryError</a:t>
+            </a:r>
+            <a:r>
+              <a:rPr lang="zh-CN" altLang="en-US" dirty="0"/>
+              <a:t>异常</a:t>
+            </a:r>
+            <a:endParaRPr dirty="0"/>
+          </a:p>
+        </p:txBody>
+      </p:sp>
+      <p:sp>
+        <p:nvSpPr>
+          <p:cNvPr id="2" name="AutoShape 2" descr="8c9d65e2bbb4b498feca42616e99192_643fd075f3a56abc0515"/>
+          <p:cNvSpPr>
+            <a:spLocks noChangeAspect="1" noChangeArrowheads="1"/>
+          </p:cNvSpPr>
+          <p:nvPr/>
+        </p:nvSpPr>
+        <p:spPr bwMode="auto">
+          <a:xfrm>
+            <a:off x="0" y="0"/>
+            <a:ext cx="304800" cy="304800"/>
+          </a:xfrm>
+          <a:prstGeom prst="rect">
+            <a:avLst/>
+          </a:prstGeom>
+          <a:noFill/>
+          <a:extLst>
+            <a:ext uri="{909E8E84-426E-40DD-AFC4-6F175D3DCCD1}">
+              <a14:hiddenFill xmlns:a14="http://schemas.microsoft.com/office/drawing/2010/main">
+                <a:solidFill>
+                  <a:srgbClr val="FFFFFF"/>
+                </a:solidFill>
+              </a14:hiddenFill>
+            </a:ext>
+          </a:extLst>
+        </p:spPr>
+        <p:txBody>
+          <a:bodyPr vert="horz" wrap="square" lIns="91440" tIns="45720" rIns="91440" bIns="45720" numCol="1" anchor="t" anchorCtr="0" compatLnSpc="1">
+            <a:prstTxWarp prst="textNoShape">
+              <a:avLst/>
+            </a:prstTxWarp>
+          </a:bodyPr>
+          <a:lstStyle/>
+          <a:p>
+            <a:endParaRPr lang="zh-CN" altLang="en-US"/>
+          </a:p>
+        </p:txBody>
+      </p:sp>
+      <p:sp>
+        <p:nvSpPr>
+          <p:cNvPr id="3" name="AutoShape 2" descr="a84ee5e2e3740a28043e9dc9134e954_ea4aad037d44b1cccc60"/>
+          <p:cNvSpPr>
+            <a:spLocks noChangeAspect="1" noChangeArrowheads="1"/>
+          </p:cNvSpPr>
+          <p:nvPr/>
+        </p:nvSpPr>
+        <p:spPr bwMode="auto">
+          <a:xfrm>
+            <a:off x="152400" y="152400"/>
+            <a:ext cx="304800" cy="304800"/>
+          </a:xfrm>
+          <a:prstGeom prst="rect">
+            <a:avLst/>
+          </a:prstGeom>
+          <a:noFill/>
+          <a:extLst>
+            <a:ext uri="{909E8E84-426E-40DD-AFC4-6F175D3DCCD1}">
+              <a14:hiddenFill xmlns:a14="http://schemas.microsoft.com/office/drawing/2010/main">
+                <a:solidFill>
+                  <a:srgbClr val="FFFFFF"/>
+                </a:solidFill>
+              </a14:hiddenFill>
+            </a:ext>
+          </a:extLst>
+        </p:spPr>
+        <p:txBody>
+          <a:bodyPr vert="horz" wrap="square" lIns="91440" tIns="45720" rIns="91440" bIns="45720" numCol="1" anchor="t" anchorCtr="0" compatLnSpc="1">
+            <a:prstTxWarp prst="textNoShape">
+              <a:avLst/>
+            </a:prstTxWarp>
+          </a:bodyPr>
+          <a:lstStyle/>
+          <a:p>
+            <a:endParaRPr lang="zh-CN" altLang="en-US"/>
+          </a:p>
+        </p:txBody>
+      </p:sp>
+      <p:sp>
+        <p:nvSpPr>
+          <p:cNvPr id="6" name="矩形 5">
+            <a:extLst>
+              <a:ext uri="{FF2B5EF4-FFF2-40B4-BE49-F238E27FC236}">
+                <a16:creationId xmlns:a16="http://schemas.microsoft.com/office/drawing/2014/main" id="{BFB9E29A-E5FF-4231-A078-982037DE751B}"/>
+              </a:ext>
+            </a:extLst>
+          </p:cNvPr>
+          <p:cNvSpPr/>
+          <p:nvPr/>
+        </p:nvSpPr>
+        <p:spPr>
+          <a:xfrm>
+            <a:off x="738349" y="1223622"/>
+            <a:ext cx="1276311" cy="369332"/>
+          </a:xfrm>
+          <a:prstGeom prst="rect">
+            <a:avLst/>
+          </a:prstGeom>
+        </p:spPr>
+        <p:txBody>
+          <a:bodyPr wrap="none">
+            <a:spAutoFit/>
+          </a:bodyPr>
+          <a:lstStyle/>
+          <a:p>
+            <a:r>
+              <a:rPr lang="en-US" altLang="zh-CN" dirty="0"/>
+              <a:t>Java</a:t>
+            </a:r>
+            <a:r>
+              <a:rPr lang="zh-CN" altLang="en-US" dirty="0"/>
+              <a:t>堆溢出</a:t>
+            </a:r>
+          </a:p>
+        </p:txBody>
+      </p:sp>
+      <p:pic>
+        <p:nvPicPr>
+          <p:cNvPr id="7" name="图片 6">
+            <a:extLst>
+              <a:ext uri="{FF2B5EF4-FFF2-40B4-BE49-F238E27FC236}">
+                <a16:creationId xmlns:a16="http://schemas.microsoft.com/office/drawing/2014/main" id="{C6D0DB4E-3D97-4CB4-A47C-418FB5907B53}"/>
+              </a:ext>
+            </a:extLst>
+          </p:cNvPr>
+          <p:cNvPicPr>
+            <a:picLocks noChangeAspect="1"/>
+          </p:cNvPicPr>
+          <p:nvPr/>
+        </p:nvPicPr>
+        <p:blipFill>
+          <a:blip r:embed="rId5"/>
+          <a:stretch>
+            <a:fillRect/>
+          </a:stretch>
+        </p:blipFill>
+        <p:spPr>
+          <a:xfrm>
+            <a:off x="956733" y="1871662"/>
+            <a:ext cx="4724400" cy="3114675"/>
+          </a:xfrm>
+          <a:prstGeom prst="rect">
+            <a:avLst/>
+          </a:prstGeom>
+        </p:spPr>
+      </p:pic>
+      <p:pic>
+        <p:nvPicPr>
+          <p:cNvPr id="8" name="图片 7">
+            <a:extLst>
+              <a:ext uri="{FF2B5EF4-FFF2-40B4-BE49-F238E27FC236}">
+                <a16:creationId xmlns:a16="http://schemas.microsoft.com/office/drawing/2014/main" id="{A624B9D6-03CF-4F80-AEA8-0A96A55B9D52}"/>
+              </a:ext>
+            </a:extLst>
+          </p:cNvPr>
+          <p:cNvPicPr>
+            <a:picLocks noChangeAspect="1"/>
+          </p:cNvPicPr>
+          <p:nvPr/>
+        </p:nvPicPr>
+        <p:blipFill>
+          <a:blip r:embed="rId6"/>
+          <a:stretch>
+            <a:fillRect/>
+          </a:stretch>
+        </p:blipFill>
+        <p:spPr>
+          <a:xfrm>
+            <a:off x="956733" y="5924249"/>
+            <a:ext cx="5524500" cy="723900"/>
+          </a:xfrm>
+          <a:prstGeom prst="rect">
+            <a:avLst/>
+          </a:prstGeom>
+        </p:spPr>
+      </p:pic>
+      <p:sp>
+        <p:nvSpPr>
+          <p:cNvPr id="4" name="文本框 3">
+            <a:extLst>
+              <a:ext uri="{FF2B5EF4-FFF2-40B4-BE49-F238E27FC236}">
+                <a16:creationId xmlns:a16="http://schemas.microsoft.com/office/drawing/2014/main" id="{5D26303E-0B2A-446F-A122-23631B369090}"/>
+              </a:ext>
+            </a:extLst>
+          </p:cNvPr>
+          <p:cNvSpPr txBox="1"/>
+          <p:nvPr/>
+        </p:nvSpPr>
+        <p:spPr>
+          <a:xfrm>
+            <a:off x="7147867" y="1445299"/>
+            <a:ext cx="4263345" cy="1754324"/>
+          </a:xfrm>
+          <a:prstGeom prst="rect">
+            <a:avLst/>
+          </a:prstGeom>
+          <a:noFill/>
+          <a:ln w="12700" cap="flat">
+            <a:noFill/>
+            <a:miter lim="400000"/>
+          </a:ln>
+          <a:effectLst/>
+          <a:sp3d/>
+        </p:spPr>
+        <p:style>
+          <a:lnRef idx="0">
+            <a:scrgbClr r="0" g="0" b="0"/>
+          </a:lnRef>
+          <a:fillRef idx="0">
+            <a:scrgbClr r="0" g="0" b="0"/>
+          </a:fillRef>
+          <a:effectRef idx="0">
+            <a:scrgbClr r="0" g="0" b="0"/>
+          </a:effectRef>
+          <a:fontRef idx="none"/>
+        </p:style>
+        <p:txBody>
+          <a:bodyPr rot="0" spcFirstLastPara="1" vertOverflow="overflow" horzOverflow="overflow" vert="horz" wrap="none" lIns="45719" tIns="45719" rIns="45719" bIns="45719" numCol="1" spcCol="38100" rtlCol="0" anchor="t">
+            <a:spAutoFit/>
+          </a:bodyPr>
+          <a:lstStyle/>
+          <a:p>
+            <a:r>
+              <a:rPr lang="zh-CN" altLang="en-US" dirty="0"/>
+              <a:t>内存泄露：掌握 了泄露对象的类型信息</a:t>
+            </a:r>
+            <a:endParaRPr lang="en-US" altLang="zh-CN" dirty="0"/>
+          </a:p>
+          <a:p>
+            <a:r>
+              <a:rPr lang="zh-CN" altLang="en-US" dirty="0"/>
+              <a:t>及</a:t>
+            </a:r>
+            <a:r>
+              <a:rPr lang="en-US" altLang="zh-CN" dirty="0"/>
+              <a:t>GC Roots</a:t>
+            </a:r>
+            <a:r>
+              <a:rPr lang="zh-CN" altLang="en-US" dirty="0"/>
+              <a:t>引用链的信息，就可以比</a:t>
+            </a:r>
+            <a:endParaRPr lang="en-US" altLang="zh-CN" dirty="0"/>
+          </a:p>
+          <a:p>
+            <a:r>
+              <a:rPr lang="zh-CN" altLang="en-US" dirty="0"/>
+              <a:t>较准确地定位出泄露代码的位 置。</a:t>
+            </a:r>
+            <a:endParaRPr lang="en-US" altLang="zh-CN" dirty="0"/>
+          </a:p>
+          <a:p>
+            <a:endParaRPr lang="en-US" altLang="zh-CN" dirty="0"/>
+          </a:p>
+          <a:p>
+            <a:r>
+              <a:rPr lang="zh-CN" altLang="en-US" dirty="0"/>
+              <a:t>不存在泄露：调节堆参数（</a:t>
+            </a:r>
+            <a:r>
+              <a:rPr lang="en-US" altLang="zh-CN" dirty="0"/>
+              <a:t>-</a:t>
+            </a:r>
+            <a:r>
+              <a:rPr lang="en-US" altLang="zh-CN" dirty="0" err="1"/>
+              <a:t>Xmx</a:t>
+            </a:r>
+            <a:r>
+              <a:rPr lang="zh-CN" altLang="en-US" dirty="0"/>
+              <a:t>与</a:t>
+            </a:r>
+            <a:r>
+              <a:rPr lang="en-US" altLang="zh-CN" dirty="0"/>
+              <a:t>-</a:t>
+            </a:r>
+            <a:r>
+              <a:rPr lang="en-US" altLang="zh-CN" dirty="0" err="1"/>
+              <a:t>Xms</a:t>
+            </a:r>
+            <a:r>
+              <a:rPr lang="zh-CN" altLang="en-US" dirty="0"/>
+              <a:t>）</a:t>
+            </a:r>
+            <a:endParaRPr lang="en-US" altLang="zh-CN" dirty="0"/>
+          </a:p>
+          <a:p>
+            <a:r>
+              <a:rPr lang="en-US" altLang="zh-CN" dirty="0"/>
+              <a:t>	         </a:t>
+            </a:r>
+            <a:r>
+              <a:rPr lang="zh-CN" altLang="en-US" dirty="0"/>
+              <a:t>优化代码</a:t>
+            </a:r>
+            <a:endParaRPr kumimoji="0" lang="zh-CN" altLang="en-US" sz="1800" b="0" i="0" u="none" strike="noStrike" cap="none" spc="0" normalizeH="0" baseline="0" dirty="0">
+              <a:ln>
+                <a:noFill/>
+              </a:ln>
+              <a:solidFill>
+                <a:srgbClr val="000000"/>
+              </a:solidFill>
+              <a:effectLst/>
+              <a:uFillTx/>
+              <a:latin typeface="+mj-lt"/>
+              <a:ea typeface="+mj-ea"/>
+              <a:cs typeface="+mj-cs"/>
+              <a:sym typeface="Calibri"/>
+            </a:endParaRPr>
+          </a:p>
+        </p:txBody>
+      </p:sp>
+    </p:spTree>
+    <p:extLst>
+      <p:ext uri="{BB962C8B-B14F-4D97-AF65-F5344CB8AC3E}">
+        <p14:creationId xmlns:p14="http://schemas.microsoft.com/office/powerpoint/2010/main" val="285851945"/>
+      </p:ext>
+    </p:extLst>
   </p:cSld>
   <p:clrMapOvr>
     <a:masterClrMapping/>
@@ -6959,7 +8873,7 @@
           </a:ln>
           <a:extLst>
             <a:ext uri="{C572A759-6A51-4108-AA02-DFA0A04FC94B}">
-              <ma14:wrappingTextBoxFlag xmlns:ma14="http://schemas.microsoft.com/office/mac/drawingml/2011/main" xmlns="" val="1"/>
+              <ma14:wrappingTextBoxFlag xmlns="" xmlns:ma14="http://schemas.microsoft.com/office/mac/drawingml/2011/main" val="1"/>
             </a:ext>
           </a:extLst>
         </p:spPr>
@@ -7180,6 +9094,1401 @@
         <p14:creationId xmlns:p14="http://schemas.microsoft.com/office/powerpoint/2010/main" val="1953390872"/>
       </p:ext>
     </p:extLst>
+  </p:cSld>
+  <p:clrMapOvr>
+    <a:masterClrMapping/>
+  </p:clrMapOvr>
+  <p:transition spd="med"/>
+</p:sld>
+</file>
+
+<file path=ppt/slides/slide20.xml><?xml version="1.0" encoding="utf-8"?>
+<p:sld xmlns:a="http://schemas.openxmlformats.org/drawingml/2006/main" xmlns:r="http://schemas.openxmlformats.org/officeDocument/2006/relationships" xmlns:p="http://schemas.openxmlformats.org/presentationml/2006/main">
+  <p:cSld>
+    <p:spTree>
+      <p:nvGrpSpPr>
+        <p:cNvPr id="1" name=""/>
+        <p:cNvGrpSpPr/>
+        <p:nvPr/>
+      </p:nvGrpSpPr>
+      <p:grpSpPr>
+        <a:xfrm>
+          <a:off x="0" y="0"/>
+          <a:ext cx="0" cy="0"/>
+          <a:chOff x="0" y="0"/>
+          <a:chExt cx="0" cy="0"/>
+        </a:xfrm>
+      </p:grpSpPr>
+      <p:pic>
+        <p:nvPicPr>
+          <p:cNvPr id="136" name="pasted-image.pdf" descr="pasted-image.pdf"/>
+          <p:cNvPicPr>
+            <a:picLocks noChangeAspect="1"/>
+          </p:cNvPicPr>
+          <p:nvPr/>
+        </p:nvPicPr>
+        <p:blipFill>
+          <a:blip r:embed="rId3"/>
+          <a:srcRect b="82595"/>
+          <a:stretch>
+            <a:fillRect/>
+          </a:stretch>
+        </p:blipFill>
+        <p:spPr>
+          <a:xfrm>
+            <a:off x="0" y="-18922"/>
+            <a:ext cx="12191921" cy="799634"/>
+          </a:xfrm>
+          <a:prstGeom prst="rect">
+            <a:avLst/>
+          </a:prstGeom>
+          <a:ln w="12700">
+            <a:miter lim="400000"/>
+          </a:ln>
+        </p:spPr>
+      </p:pic>
+      <p:pic>
+        <p:nvPicPr>
+          <p:cNvPr id="137" name="pasted-image.pdf" descr="pasted-image.pdf"/>
+          <p:cNvPicPr>
+            <a:picLocks noChangeAspect="1"/>
+          </p:cNvPicPr>
+          <p:nvPr/>
+        </p:nvPicPr>
+        <p:blipFill>
+          <a:blip r:embed="rId4"/>
+          <a:stretch>
+            <a:fillRect/>
+          </a:stretch>
+        </p:blipFill>
+        <p:spPr>
+          <a:xfrm>
+            <a:off x="9723360" y="247909"/>
+            <a:ext cx="1835152" cy="341894"/>
+          </a:xfrm>
+          <a:prstGeom prst="rect">
+            <a:avLst/>
+          </a:prstGeom>
+          <a:ln w="12700">
+            <a:miter lim="400000"/>
+          </a:ln>
+        </p:spPr>
+      </p:pic>
+      <p:sp>
+        <p:nvSpPr>
+          <p:cNvPr id="5" name="优缺点"/>
+          <p:cNvSpPr txBox="1"/>
+          <p:nvPr/>
+        </p:nvSpPr>
+        <p:spPr>
+          <a:xfrm>
+            <a:off x="398353" y="134694"/>
+            <a:ext cx="4271360" cy="477054"/>
+          </a:xfrm>
+          <a:prstGeom prst="rect">
+            <a:avLst/>
+          </a:prstGeom>
+          <a:ln w="12700">
+            <a:miter lim="400000"/>
+          </a:ln>
+          <a:extLst>
+            <a:ext uri="{C572A759-6A51-4108-AA02-DFA0A04FC94B}">
+              <ma14:wrappingTextBoxFlag xmlns="" xmlns:ma14="http://schemas.microsoft.com/office/mac/drawingml/2011/main" val="1"/>
+            </a:ext>
+          </a:extLst>
+        </p:spPr>
+        <p:txBody>
+          <a:bodyPr wrap="none" lIns="45719" rIns="45719">
+            <a:spAutoFit/>
+          </a:bodyPr>
+          <a:lstStyle>
+            <a:lvl1pPr>
+              <a:defRPr sz="2500">
+                <a:solidFill>
+                  <a:srgbClr val="FFFFFF"/>
+                </a:solidFill>
+              </a:defRPr>
+            </a:lvl1pPr>
+          </a:lstStyle>
+          <a:p>
+            <a:r>
+              <a:rPr lang="zh-CN" altLang="en-US" dirty="0"/>
+              <a:t>实战：</a:t>
+            </a:r>
+            <a:r>
+              <a:rPr lang="en-US" altLang="zh-CN" dirty="0" err="1"/>
+              <a:t>OutOfMemoryError</a:t>
+            </a:r>
+            <a:r>
+              <a:rPr lang="zh-CN" altLang="en-US" dirty="0"/>
+              <a:t>异常</a:t>
+            </a:r>
+            <a:endParaRPr dirty="0"/>
+          </a:p>
+        </p:txBody>
+      </p:sp>
+      <p:sp>
+        <p:nvSpPr>
+          <p:cNvPr id="2" name="AutoShape 2" descr="8c9d65e2bbb4b498feca42616e99192_643fd075f3a56abc0515"/>
+          <p:cNvSpPr>
+            <a:spLocks noChangeAspect="1" noChangeArrowheads="1"/>
+          </p:cNvSpPr>
+          <p:nvPr/>
+        </p:nvSpPr>
+        <p:spPr bwMode="auto">
+          <a:xfrm>
+            <a:off x="0" y="0"/>
+            <a:ext cx="304800" cy="304800"/>
+          </a:xfrm>
+          <a:prstGeom prst="rect">
+            <a:avLst/>
+          </a:prstGeom>
+          <a:noFill/>
+          <a:extLst>
+            <a:ext uri="{909E8E84-426E-40DD-AFC4-6F175D3DCCD1}">
+              <a14:hiddenFill xmlns:a14="http://schemas.microsoft.com/office/drawing/2010/main">
+                <a:solidFill>
+                  <a:srgbClr val="FFFFFF"/>
+                </a:solidFill>
+              </a14:hiddenFill>
+            </a:ext>
+          </a:extLst>
+        </p:spPr>
+        <p:txBody>
+          <a:bodyPr vert="horz" wrap="square" lIns="91440" tIns="45720" rIns="91440" bIns="45720" numCol="1" anchor="t" anchorCtr="0" compatLnSpc="1">
+            <a:prstTxWarp prst="textNoShape">
+              <a:avLst/>
+            </a:prstTxWarp>
+          </a:bodyPr>
+          <a:lstStyle/>
+          <a:p>
+            <a:endParaRPr lang="zh-CN" altLang="en-US"/>
+          </a:p>
+        </p:txBody>
+      </p:sp>
+      <p:sp>
+        <p:nvSpPr>
+          <p:cNvPr id="3" name="AutoShape 2" descr="a84ee5e2e3740a28043e9dc9134e954_ea4aad037d44b1cccc60"/>
+          <p:cNvSpPr>
+            <a:spLocks noChangeAspect="1" noChangeArrowheads="1"/>
+          </p:cNvSpPr>
+          <p:nvPr/>
+        </p:nvSpPr>
+        <p:spPr bwMode="auto">
+          <a:xfrm>
+            <a:off x="152400" y="152400"/>
+            <a:ext cx="304800" cy="304800"/>
+          </a:xfrm>
+          <a:prstGeom prst="rect">
+            <a:avLst/>
+          </a:prstGeom>
+          <a:noFill/>
+          <a:extLst>
+            <a:ext uri="{909E8E84-426E-40DD-AFC4-6F175D3DCCD1}">
+              <a14:hiddenFill xmlns:a14="http://schemas.microsoft.com/office/drawing/2010/main">
+                <a:solidFill>
+                  <a:srgbClr val="FFFFFF"/>
+                </a:solidFill>
+              </a14:hiddenFill>
+            </a:ext>
+          </a:extLst>
+        </p:spPr>
+        <p:txBody>
+          <a:bodyPr vert="horz" wrap="square" lIns="91440" tIns="45720" rIns="91440" bIns="45720" numCol="1" anchor="t" anchorCtr="0" compatLnSpc="1">
+            <a:prstTxWarp prst="textNoShape">
+              <a:avLst/>
+            </a:prstTxWarp>
+          </a:bodyPr>
+          <a:lstStyle/>
+          <a:p>
+            <a:endParaRPr lang="zh-CN" altLang="en-US"/>
+          </a:p>
+        </p:txBody>
+      </p:sp>
+      <p:sp>
+        <p:nvSpPr>
+          <p:cNvPr id="6" name="矩形 5">
+            <a:extLst>
+              <a:ext uri="{FF2B5EF4-FFF2-40B4-BE49-F238E27FC236}">
+                <a16:creationId xmlns:a16="http://schemas.microsoft.com/office/drawing/2014/main" id="{BFB9E29A-E5FF-4231-A078-982037DE751B}"/>
+              </a:ext>
+            </a:extLst>
+          </p:cNvPr>
+          <p:cNvSpPr/>
+          <p:nvPr/>
+        </p:nvSpPr>
+        <p:spPr>
+          <a:xfrm>
+            <a:off x="507496" y="780712"/>
+            <a:ext cx="1569660" cy="369332"/>
+          </a:xfrm>
+          <a:prstGeom prst="rect">
+            <a:avLst/>
+          </a:prstGeom>
+        </p:spPr>
+        <p:txBody>
+          <a:bodyPr wrap="none">
+            <a:spAutoFit/>
+          </a:bodyPr>
+          <a:lstStyle/>
+          <a:p>
+            <a:r>
+              <a:rPr lang="zh-CN" altLang="en-US" dirty="0"/>
+              <a:t>虚拟机栈溢出</a:t>
+            </a:r>
+          </a:p>
+        </p:txBody>
+      </p:sp>
+      <p:pic>
+        <p:nvPicPr>
+          <p:cNvPr id="4" name="图片 3">
+            <a:extLst>
+              <a:ext uri="{FF2B5EF4-FFF2-40B4-BE49-F238E27FC236}">
+                <a16:creationId xmlns:a16="http://schemas.microsoft.com/office/drawing/2014/main" id="{BB7F93BD-B257-44B1-97CC-48D1E02AF208}"/>
+              </a:ext>
+            </a:extLst>
+          </p:cNvPr>
+          <p:cNvPicPr>
+            <a:picLocks noChangeAspect="1"/>
+          </p:cNvPicPr>
+          <p:nvPr/>
+        </p:nvPicPr>
+        <p:blipFill>
+          <a:blip r:embed="rId5"/>
+          <a:stretch>
+            <a:fillRect/>
+          </a:stretch>
+        </p:blipFill>
+        <p:spPr>
+          <a:xfrm>
+            <a:off x="457200" y="6077288"/>
+            <a:ext cx="6276975" cy="685800"/>
+          </a:xfrm>
+          <a:prstGeom prst="rect">
+            <a:avLst/>
+          </a:prstGeom>
+        </p:spPr>
+      </p:pic>
+      <p:pic>
+        <p:nvPicPr>
+          <p:cNvPr id="9" name="图片 8">
+            <a:extLst>
+              <a:ext uri="{FF2B5EF4-FFF2-40B4-BE49-F238E27FC236}">
+                <a16:creationId xmlns:a16="http://schemas.microsoft.com/office/drawing/2014/main" id="{593A9B48-1E1A-4044-A453-8DF9D29B57EF}"/>
+              </a:ext>
+            </a:extLst>
+          </p:cNvPr>
+          <p:cNvPicPr>
+            <a:picLocks noChangeAspect="1"/>
+          </p:cNvPicPr>
+          <p:nvPr/>
+        </p:nvPicPr>
+        <p:blipFill>
+          <a:blip r:embed="rId6"/>
+          <a:stretch>
+            <a:fillRect/>
+          </a:stretch>
+        </p:blipFill>
+        <p:spPr>
+          <a:xfrm>
+            <a:off x="507496" y="1173718"/>
+            <a:ext cx="5153025" cy="4629150"/>
+          </a:xfrm>
+          <a:prstGeom prst="rect">
+            <a:avLst/>
+          </a:prstGeom>
+        </p:spPr>
+      </p:pic>
+    </p:spTree>
+    <p:extLst>
+      <p:ext uri="{BB962C8B-B14F-4D97-AF65-F5344CB8AC3E}">
+        <p14:creationId xmlns:p14="http://schemas.microsoft.com/office/powerpoint/2010/main" val="3721976012"/>
+      </p:ext>
+    </p:extLst>
+  </p:cSld>
+  <p:clrMapOvr>
+    <a:masterClrMapping/>
+  </p:clrMapOvr>
+  <p:transition spd="med"/>
+</p:sld>
+</file>
+
+<file path=ppt/slides/slide21.xml><?xml version="1.0" encoding="utf-8"?>
+<p:sld xmlns:a="http://schemas.openxmlformats.org/drawingml/2006/main" xmlns:r="http://schemas.openxmlformats.org/officeDocument/2006/relationships" xmlns:p="http://schemas.openxmlformats.org/presentationml/2006/main">
+  <p:cSld>
+    <p:spTree>
+      <p:nvGrpSpPr>
+        <p:cNvPr id="1" name=""/>
+        <p:cNvGrpSpPr/>
+        <p:nvPr/>
+      </p:nvGrpSpPr>
+      <p:grpSpPr>
+        <a:xfrm>
+          <a:off x="0" y="0"/>
+          <a:ext cx="0" cy="0"/>
+          <a:chOff x="0" y="0"/>
+          <a:chExt cx="0" cy="0"/>
+        </a:xfrm>
+      </p:grpSpPr>
+      <p:pic>
+        <p:nvPicPr>
+          <p:cNvPr id="136" name="pasted-image.pdf" descr="pasted-image.pdf"/>
+          <p:cNvPicPr>
+            <a:picLocks noChangeAspect="1"/>
+          </p:cNvPicPr>
+          <p:nvPr/>
+        </p:nvPicPr>
+        <p:blipFill>
+          <a:blip r:embed="rId3"/>
+          <a:srcRect b="82595"/>
+          <a:stretch>
+            <a:fillRect/>
+          </a:stretch>
+        </p:blipFill>
+        <p:spPr>
+          <a:xfrm>
+            <a:off x="0" y="-18922"/>
+            <a:ext cx="12191921" cy="799634"/>
+          </a:xfrm>
+          <a:prstGeom prst="rect">
+            <a:avLst/>
+          </a:prstGeom>
+          <a:ln w="12700">
+            <a:miter lim="400000"/>
+          </a:ln>
+        </p:spPr>
+      </p:pic>
+      <p:pic>
+        <p:nvPicPr>
+          <p:cNvPr id="137" name="pasted-image.pdf" descr="pasted-image.pdf"/>
+          <p:cNvPicPr>
+            <a:picLocks noChangeAspect="1"/>
+          </p:cNvPicPr>
+          <p:nvPr/>
+        </p:nvPicPr>
+        <p:blipFill>
+          <a:blip r:embed="rId4"/>
+          <a:stretch>
+            <a:fillRect/>
+          </a:stretch>
+        </p:blipFill>
+        <p:spPr>
+          <a:xfrm>
+            <a:off x="9723360" y="247909"/>
+            <a:ext cx="1835152" cy="341894"/>
+          </a:xfrm>
+          <a:prstGeom prst="rect">
+            <a:avLst/>
+          </a:prstGeom>
+          <a:ln w="12700">
+            <a:miter lim="400000"/>
+          </a:ln>
+        </p:spPr>
+      </p:pic>
+      <p:sp>
+        <p:nvSpPr>
+          <p:cNvPr id="5" name="优缺点"/>
+          <p:cNvSpPr txBox="1"/>
+          <p:nvPr/>
+        </p:nvSpPr>
+        <p:spPr>
+          <a:xfrm>
+            <a:off x="398353" y="134694"/>
+            <a:ext cx="4271360" cy="477054"/>
+          </a:xfrm>
+          <a:prstGeom prst="rect">
+            <a:avLst/>
+          </a:prstGeom>
+          <a:ln w="12700">
+            <a:miter lim="400000"/>
+          </a:ln>
+          <a:extLst>
+            <a:ext uri="{C572A759-6A51-4108-AA02-DFA0A04FC94B}">
+              <ma14:wrappingTextBoxFlag xmlns="" xmlns:ma14="http://schemas.microsoft.com/office/mac/drawingml/2011/main" val="1"/>
+            </a:ext>
+          </a:extLst>
+        </p:spPr>
+        <p:txBody>
+          <a:bodyPr wrap="none" lIns="45719" rIns="45719">
+            <a:spAutoFit/>
+          </a:bodyPr>
+          <a:lstStyle>
+            <a:lvl1pPr>
+              <a:defRPr sz="2500">
+                <a:solidFill>
+                  <a:srgbClr val="FFFFFF"/>
+                </a:solidFill>
+              </a:defRPr>
+            </a:lvl1pPr>
+          </a:lstStyle>
+          <a:p>
+            <a:r>
+              <a:rPr lang="zh-CN" altLang="en-US" dirty="0"/>
+              <a:t>实战：</a:t>
+            </a:r>
+            <a:r>
+              <a:rPr lang="en-US" altLang="zh-CN" dirty="0" err="1"/>
+              <a:t>OutOfMemoryError</a:t>
+            </a:r>
+            <a:r>
+              <a:rPr lang="zh-CN" altLang="en-US" dirty="0"/>
+              <a:t>异常</a:t>
+            </a:r>
+            <a:endParaRPr dirty="0"/>
+          </a:p>
+        </p:txBody>
+      </p:sp>
+      <p:sp>
+        <p:nvSpPr>
+          <p:cNvPr id="2" name="AutoShape 2" descr="8c9d65e2bbb4b498feca42616e99192_643fd075f3a56abc0515"/>
+          <p:cNvSpPr>
+            <a:spLocks noChangeAspect="1" noChangeArrowheads="1"/>
+          </p:cNvSpPr>
+          <p:nvPr/>
+        </p:nvSpPr>
+        <p:spPr bwMode="auto">
+          <a:xfrm>
+            <a:off x="0" y="0"/>
+            <a:ext cx="304800" cy="304800"/>
+          </a:xfrm>
+          <a:prstGeom prst="rect">
+            <a:avLst/>
+          </a:prstGeom>
+          <a:noFill/>
+          <a:extLst>
+            <a:ext uri="{909E8E84-426E-40DD-AFC4-6F175D3DCCD1}">
+              <a14:hiddenFill xmlns:a14="http://schemas.microsoft.com/office/drawing/2010/main">
+                <a:solidFill>
+                  <a:srgbClr val="FFFFFF"/>
+                </a:solidFill>
+              </a14:hiddenFill>
+            </a:ext>
+          </a:extLst>
+        </p:spPr>
+        <p:txBody>
+          <a:bodyPr vert="horz" wrap="square" lIns="91440" tIns="45720" rIns="91440" bIns="45720" numCol="1" anchor="t" anchorCtr="0" compatLnSpc="1">
+            <a:prstTxWarp prst="textNoShape">
+              <a:avLst/>
+            </a:prstTxWarp>
+          </a:bodyPr>
+          <a:lstStyle/>
+          <a:p>
+            <a:endParaRPr lang="zh-CN" altLang="en-US"/>
+          </a:p>
+        </p:txBody>
+      </p:sp>
+      <p:sp>
+        <p:nvSpPr>
+          <p:cNvPr id="3" name="AutoShape 2" descr="a84ee5e2e3740a28043e9dc9134e954_ea4aad037d44b1cccc60"/>
+          <p:cNvSpPr>
+            <a:spLocks noChangeAspect="1" noChangeArrowheads="1"/>
+          </p:cNvSpPr>
+          <p:nvPr/>
+        </p:nvSpPr>
+        <p:spPr bwMode="auto">
+          <a:xfrm>
+            <a:off x="152400" y="152400"/>
+            <a:ext cx="304800" cy="304800"/>
+          </a:xfrm>
+          <a:prstGeom prst="rect">
+            <a:avLst/>
+          </a:prstGeom>
+          <a:noFill/>
+          <a:extLst>
+            <a:ext uri="{909E8E84-426E-40DD-AFC4-6F175D3DCCD1}">
+              <a14:hiddenFill xmlns:a14="http://schemas.microsoft.com/office/drawing/2010/main">
+                <a:solidFill>
+                  <a:srgbClr val="FFFFFF"/>
+                </a:solidFill>
+              </a14:hiddenFill>
+            </a:ext>
+          </a:extLst>
+        </p:spPr>
+        <p:txBody>
+          <a:bodyPr vert="horz" wrap="square" lIns="91440" tIns="45720" rIns="91440" bIns="45720" numCol="1" anchor="t" anchorCtr="0" compatLnSpc="1">
+            <a:prstTxWarp prst="textNoShape">
+              <a:avLst/>
+            </a:prstTxWarp>
+          </a:bodyPr>
+          <a:lstStyle/>
+          <a:p>
+            <a:endParaRPr lang="zh-CN" altLang="en-US"/>
+          </a:p>
+        </p:txBody>
+      </p:sp>
+      <p:sp>
+        <p:nvSpPr>
+          <p:cNvPr id="6" name="矩形 5">
+            <a:extLst>
+              <a:ext uri="{FF2B5EF4-FFF2-40B4-BE49-F238E27FC236}">
+                <a16:creationId xmlns:a16="http://schemas.microsoft.com/office/drawing/2014/main" id="{BFB9E29A-E5FF-4231-A078-982037DE751B}"/>
+              </a:ext>
+            </a:extLst>
+          </p:cNvPr>
+          <p:cNvSpPr/>
+          <p:nvPr/>
+        </p:nvSpPr>
+        <p:spPr>
+          <a:xfrm>
+            <a:off x="507496" y="780712"/>
+            <a:ext cx="1338828" cy="369332"/>
+          </a:xfrm>
+          <a:prstGeom prst="rect">
+            <a:avLst/>
+          </a:prstGeom>
+        </p:spPr>
+        <p:txBody>
+          <a:bodyPr wrap="none">
+            <a:spAutoFit/>
+          </a:bodyPr>
+          <a:lstStyle/>
+          <a:p>
+            <a:r>
+              <a:rPr lang="zh-CN" altLang="en-US" dirty="0"/>
+              <a:t>方法区溢出</a:t>
+            </a:r>
+          </a:p>
+        </p:txBody>
+      </p:sp>
+      <p:pic>
+        <p:nvPicPr>
+          <p:cNvPr id="7" name="图片 6">
+            <a:extLst>
+              <a:ext uri="{FF2B5EF4-FFF2-40B4-BE49-F238E27FC236}">
+                <a16:creationId xmlns:a16="http://schemas.microsoft.com/office/drawing/2014/main" id="{EFA2F82E-E646-4766-BA52-C0DEAC2519EA}"/>
+              </a:ext>
+            </a:extLst>
+          </p:cNvPr>
+          <p:cNvPicPr>
+            <a:picLocks noChangeAspect="1"/>
+          </p:cNvPicPr>
+          <p:nvPr/>
+        </p:nvPicPr>
+        <p:blipFill>
+          <a:blip r:embed="rId5"/>
+          <a:stretch>
+            <a:fillRect/>
+          </a:stretch>
+        </p:blipFill>
+        <p:spPr>
+          <a:xfrm>
+            <a:off x="507496" y="1150044"/>
+            <a:ext cx="8839200" cy="4276725"/>
+          </a:xfrm>
+          <a:prstGeom prst="rect">
+            <a:avLst/>
+          </a:prstGeom>
+        </p:spPr>
+      </p:pic>
+      <p:pic>
+        <p:nvPicPr>
+          <p:cNvPr id="8" name="图片 7">
+            <a:extLst>
+              <a:ext uri="{FF2B5EF4-FFF2-40B4-BE49-F238E27FC236}">
+                <a16:creationId xmlns:a16="http://schemas.microsoft.com/office/drawing/2014/main" id="{5953DE43-45F4-42FA-8178-0CFD9E52A99C}"/>
+              </a:ext>
+            </a:extLst>
+          </p:cNvPr>
+          <p:cNvPicPr>
+            <a:picLocks noChangeAspect="1"/>
+          </p:cNvPicPr>
+          <p:nvPr/>
+        </p:nvPicPr>
+        <p:blipFill>
+          <a:blip r:embed="rId6"/>
+          <a:stretch>
+            <a:fillRect/>
+          </a:stretch>
+        </p:blipFill>
+        <p:spPr>
+          <a:xfrm>
+            <a:off x="507496" y="5707956"/>
+            <a:ext cx="6572250" cy="676275"/>
+          </a:xfrm>
+          <a:prstGeom prst="rect">
+            <a:avLst/>
+          </a:prstGeom>
+        </p:spPr>
+      </p:pic>
+      <p:sp>
+        <p:nvSpPr>
+          <p:cNvPr id="4" name="文本框 3">
+            <a:extLst>
+              <a:ext uri="{FF2B5EF4-FFF2-40B4-BE49-F238E27FC236}">
+                <a16:creationId xmlns:a16="http://schemas.microsoft.com/office/drawing/2014/main" id="{8027E2AD-9861-46CF-A157-46F77C6B78B5}"/>
+              </a:ext>
+            </a:extLst>
+          </p:cNvPr>
+          <p:cNvSpPr txBox="1"/>
+          <p:nvPr/>
+        </p:nvSpPr>
+        <p:spPr>
+          <a:xfrm>
+            <a:off x="10295467" y="2077156"/>
+            <a:ext cx="3088344" cy="1477325"/>
+          </a:xfrm>
+          <a:prstGeom prst="rect">
+            <a:avLst/>
+          </a:prstGeom>
+          <a:noFill/>
+          <a:ln w="12700" cap="flat">
+            <a:noFill/>
+            <a:miter lim="400000"/>
+          </a:ln>
+          <a:effectLst/>
+          <a:sp3d/>
+        </p:spPr>
+        <p:style>
+          <a:lnRef idx="0">
+            <a:scrgbClr r="0" g="0" b="0"/>
+          </a:lnRef>
+          <a:fillRef idx="0">
+            <a:scrgbClr r="0" g="0" b="0"/>
+          </a:fillRef>
+          <a:effectRef idx="0">
+            <a:scrgbClr r="0" g="0" b="0"/>
+          </a:effectRef>
+          <a:fontRef idx="none"/>
+        </p:style>
+        <p:txBody>
+          <a:bodyPr rot="0" spcFirstLastPara="1" vertOverflow="overflow" horzOverflow="overflow" vert="horz" wrap="none" lIns="45719" tIns="45719" rIns="45719" bIns="45719" numCol="1" spcCol="38100" rtlCol="0" anchor="t">
+            <a:spAutoFit/>
+          </a:bodyPr>
+          <a:lstStyle/>
+          <a:p>
+            <a:pPr marL="0" marR="0" indent="0" algn="l" defTabSz="914400" rtl="0" fontAlgn="auto" latinLnBrk="0" hangingPunct="0">
+              <a:lnSpc>
+                <a:spcPct val="100000"/>
+              </a:lnSpc>
+              <a:spcBef>
+                <a:spcPts val="0"/>
+              </a:spcBef>
+              <a:spcAft>
+                <a:spcPts val="0"/>
+              </a:spcAft>
+              <a:buClrTx/>
+              <a:buSzTx/>
+              <a:buFontTx/>
+              <a:buNone/>
+              <a:tabLst/>
+            </a:pPr>
+            <a:r>
+              <a:rPr kumimoji="0" lang="zh-CN" altLang="en-US" sz="1800" b="0" i="0" u="none" strike="noStrike" cap="none" spc="0" normalizeH="0" baseline="0" dirty="0">
+                <a:ln>
+                  <a:noFill/>
+                </a:ln>
+                <a:solidFill>
+                  <a:srgbClr val="000000"/>
+                </a:solidFill>
+                <a:effectLst/>
+                <a:uFillTx/>
+                <a:latin typeface="+mj-lt"/>
+                <a:ea typeface="+mj-ea"/>
+                <a:cs typeface="+mj-cs"/>
+                <a:sym typeface="Calibri"/>
+              </a:rPr>
+              <a:t>类太多</a:t>
+            </a:r>
+            <a:endParaRPr kumimoji="0" lang="en-US" altLang="zh-CN" sz="1800" b="0" i="0" u="none" strike="noStrike" cap="none" spc="0" normalizeH="0" baseline="0" dirty="0">
+              <a:ln>
+                <a:noFill/>
+              </a:ln>
+              <a:solidFill>
+                <a:srgbClr val="000000"/>
+              </a:solidFill>
+              <a:effectLst/>
+              <a:uFillTx/>
+              <a:latin typeface="+mj-lt"/>
+              <a:ea typeface="+mj-ea"/>
+              <a:cs typeface="+mj-cs"/>
+              <a:sym typeface="Calibri"/>
+            </a:endParaRPr>
+          </a:p>
+          <a:p>
+            <a:pPr marL="0" marR="0" indent="0" algn="l" defTabSz="914400" rtl="0" fontAlgn="auto" latinLnBrk="0" hangingPunct="0">
+              <a:lnSpc>
+                <a:spcPct val="100000"/>
+              </a:lnSpc>
+              <a:spcBef>
+                <a:spcPts val="0"/>
+              </a:spcBef>
+              <a:spcAft>
+                <a:spcPts val="0"/>
+              </a:spcAft>
+              <a:buClrTx/>
+              <a:buSzTx/>
+              <a:buFontTx/>
+              <a:buNone/>
+              <a:tabLst/>
+            </a:pPr>
+            <a:r>
+              <a:rPr lang="en-US" altLang="zh-CN" dirty="0" err="1"/>
+              <a:t>Asm</a:t>
+            </a:r>
+            <a:r>
+              <a:rPr lang="zh-CN" altLang="en-US" dirty="0"/>
+              <a:t>动态产生的类过多</a:t>
+            </a:r>
+            <a:endParaRPr lang="en-US" altLang="zh-CN" dirty="0"/>
+          </a:p>
+          <a:p>
+            <a:pPr marL="0" marR="0" indent="0" algn="l" defTabSz="914400" rtl="0" fontAlgn="auto" latinLnBrk="0" hangingPunct="0">
+              <a:lnSpc>
+                <a:spcPct val="100000"/>
+              </a:lnSpc>
+              <a:spcBef>
+                <a:spcPts val="0"/>
+              </a:spcBef>
+              <a:spcAft>
+                <a:spcPts val="0"/>
+              </a:spcAft>
+              <a:buClrTx/>
+              <a:buSzTx/>
+              <a:buFontTx/>
+              <a:buNone/>
+              <a:tabLst/>
+            </a:pPr>
+            <a:r>
+              <a:rPr kumimoji="0" lang="en-US" altLang="zh-CN" sz="1800" b="0" i="0" u="none" strike="noStrike" cap="none" spc="0" normalizeH="0" baseline="0" dirty="0" err="1">
+                <a:ln>
+                  <a:noFill/>
+                </a:ln>
+                <a:solidFill>
+                  <a:srgbClr val="000000"/>
+                </a:solidFill>
+                <a:effectLst/>
+                <a:uFillTx/>
+                <a:latin typeface="+mj-lt"/>
+                <a:ea typeface="+mj-ea"/>
+                <a:cs typeface="+mj-cs"/>
+                <a:sym typeface="Calibri"/>
+              </a:rPr>
+              <a:t>Jsp</a:t>
+            </a:r>
+            <a:r>
+              <a:rPr kumimoji="0" lang="zh-CN" altLang="en-US" sz="1800" b="0" i="0" u="none" strike="noStrike" cap="none" spc="0" normalizeH="0" baseline="0" dirty="0">
+                <a:ln>
+                  <a:noFill/>
+                </a:ln>
+                <a:solidFill>
+                  <a:srgbClr val="000000"/>
+                </a:solidFill>
+                <a:effectLst/>
+                <a:uFillTx/>
+                <a:latin typeface="+mj-lt"/>
+                <a:ea typeface="+mj-ea"/>
+                <a:cs typeface="+mj-cs"/>
+                <a:sym typeface="Calibri"/>
+              </a:rPr>
+              <a:t>文件</a:t>
+            </a:r>
+            <a:endParaRPr kumimoji="0" lang="en-US" altLang="zh-CN" sz="1800" b="0" i="0" u="none" strike="noStrike" cap="none" spc="0" normalizeH="0" baseline="0" dirty="0">
+              <a:ln>
+                <a:noFill/>
+              </a:ln>
+              <a:solidFill>
+                <a:srgbClr val="000000"/>
+              </a:solidFill>
+              <a:effectLst/>
+              <a:uFillTx/>
+              <a:latin typeface="+mj-lt"/>
+              <a:ea typeface="+mj-ea"/>
+              <a:cs typeface="+mj-cs"/>
+              <a:sym typeface="Calibri"/>
+            </a:endParaRPr>
+          </a:p>
+          <a:p>
+            <a:pPr marL="0" marR="0" indent="0" algn="l" defTabSz="914400" rtl="0" fontAlgn="auto" latinLnBrk="0" hangingPunct="0">
+              <a:lnSpc>
+                <a:spcPct val="100000"/>
+              </a:lnSpc>
+              <a:spcBef>
+                <a:spcPts val="0"/>
+              </a:spcBef>
+              <a:spcAft>
+                <a:spcPts val="0"/>
+              </a:spcAft>
+              <a:buClrTx/>
+              <a:buSzTx/>
+              <a:buFontTx/>
+              <a:buNone/>
+              <a:tabLst/>
+            </a:pPr>
+            <a:r>
+              <a:rPr lang="en-US" altLang="zh-CN" dirty="0" err="1"/>
+              <a:t>Osgi</a:t>
+            </a:r>
+            <a:r>
+              <a:rPr lang="en-US" altLang="zh-CN" dirty="0"/>
+              <a:t> </a:t>
+            </a:r>
+            <a:r>
+              <a:rPr lang="zh-CN" altLang="en-US" dirty="0"/>
+              <a:t>多个类加载加载同一个类</a:t>
+            </a:r>
+            <a:endParaRPr lang="en-US" altLang="zh-CN" dirty="0"/>
+          </a:p>
+          <a:p>
+            <a:pPr marL="0" marR="0" indent="0" algn="l" defTabSz="914400" rtl="0" fontAlgn="auto" latinLnBrk="0" hangingPunct="0">
+              <a:lnSpc>
+                <a:spcPct val="100000"/>
+              </a:lnSpc>
+              <a:spcBef>
+                <a:spcPts val="0"/>
+              </a:spcBef>
+              <a:spcAft>
+                <a:spcPts val="0"/>
+              </a:spcAft>
+              <a:buClrTx/>
+              <a:buSzTx/>
+              <a:buFontTx/>
+              <a:buNone/>
+              <a:tabLst/>
+            </a:pPr>
+            <a:r>
+              <a:rPr kumimoji="0" lang="en-US" altLang="zh-CN" sz="1800" b="0" i="0" u="none" strike="noStrike" cap="none" spc="0" normalizeH="0" baseline="0" dirty="0">
+                <a:ln>
+                  <a:noFill/>
+                </a:ln>
+                <a:solidFill>
+                  <a:srgbClr val="000000"/>
+                </a:solidFill>
+                <a:effectLst/>
+                <a:uFillTx/>
+                <a:latin typeface="+mj-lt"/>
+                <a:ea typeface="+mj-ea"/>
+                <a:cs typeface="+mj-cs"/>
+                <a:sym typeface="Calibri"/>
+              </a:rPr>
+              <a:t>Intern</a:t>
+            </a:r>
+            <a:r>
+              <a:rPr lang="en-US" altLang="zh-CN" dirty="0"/>
+              <a:t>()</a:t>
+            </a:r>
+            <a:endParaRPr kumimoji="0" lang="zh-CN" altLang="en-US" sz="1800" b="0" i="0" u="none" strike="noStrike" cap="none" spc="0" normalizeH="0" baseline="0" dirty="0">
+              <a:ln>
+                <a:noFill/>
+              </a:ln>
+              <a:solidFill>
+                <a:srgbClr val="000000"/>
+              </a:solidFill>
+              <a:effectLst/>
+              <a:uFillTx/>
+              <a:latin typeface="+mj-lt"/>
+              <a:ea typeface="+mj-ea"/>
+              <a:cs typeface="+mj-cs"/>
+              <a:sym typeface="Calibri"/>
+            </a:endParaRPr>
+          </a:p>
+        </p:txBody>
+      </p:sp>
+    </p:spTree>
+    <p:extLst>
+      <p:ext uri="{BB962C8B-B14F-4D97-AF65-F5344CB8AC3E}">
+        <p14:creationId xmlns:p14="http://schemas.microsoft.com/office/powerpoint/2010/main" val="2965966934"/>
+      </p:ext>
+    </p:extLst>
+  </p:cSld>
+  <p:clrMapOvr>
+    <a:masterClrMapping/>
+  </p:clrMapOvr>
+  <p:transition spd="med"/>
+</p:sld>
+</file>
+
+<file path=ppt/slides/slide22.xml><?xml version="1.0" encoding="utf-8"?>
+<p:sld xmlns:a="http://schemas.openxmlformats.org/drawingml/2006/main" xmlns:r="http://schemas.openxmlformats.org/officeDocument/2006/relationships" xmlns:p="http://schemas.openxmlformats.org/presentationml/2006/main">
+  <p:cSld>
+    <p:spTree>
+      <p:nvGrpSpPr>
+        <p:cNvPr id="1" name=""/>
+        <p:cNvGrpSpPr/>
+        <p:nvPr/>
+      </p:nvGrpSpPr>
+      <p:grpSpPr>
+        <a:xfrm>
+          <a:off x="0" y="0"/>
+          <a:ext cx="0" cy="0"/>
+          <a:chOff x="0" y="0"/>
+          <a:chExt cx="0" cy="0"/>
+        </a:xfrm>
+      </p:grpSpPr>
+      <p:pic>
+        <p:nvPicPr>
+          <p:cNvPr id="136" name="pasted-image.pdf" descr="pasted-image.pdf"/>
+          <p:cNvPicPr>
+            <a:picLocks noChangeAspect="1"/>
+          </p:cNvPicPr>
+          <p:nvPr/>
+        </p:nvPicPr>
+        <p:blipFill>
+          <a:blip r:embed="rId3"/>
+          <a:srcRect b="82595"/>
+          <a:stretch>
+            <a:fillRect/>
+          </a:stretch>
+        </p:blipFill>
+        <p:spPr>
+          <a:xfrm>
+            <a:off x="0" y="-18922"/>
+            <a:ext cx="12191921" cy="799634"/>
+          </a:xfrm>
+          <a:prstGeom prst="rect">
+            <a:avLst/>
+          </a:prstGeom>
+          <a:ln w="12700">
+            <a:miter lim="400000"/>
+          </a:ln>
+        </p:spPr>
+      </p:pic>
+      <p:pic>
+        <p:nvPicPr>
+          <p:cNvPr id="137" name="pasted-image.pdf" descr="pasted-image.pdf"/>
+          <p:cNvPicPr>
+            <a:picLocks noChangeAspect="1"/>
+          </p:cNvPicPr>
+          <p:nvPr/>
+        </p:nvPicPr>
+        <p:blipFill>
+          <a:blip r:embed="rId4"/>
+          <a:stretch>
+            <a:fillRect/>
+          </a:stretch>
+        </p:blipFill>
+        <p:spPr>
+          <a:xfrm>
+            <a:off x="9723360" y="247909"/>
+            <a:ext cx="1835152" cy="341894"/>
+          </a:xfrm>
+          <a:prstGeom prst="rect">
+            <a:avLst/>
+          </a:prstGeom>
+          <a:ln w="12700">
+            <a:miter lim="400000"/>
+          </a:ln>
+        </p:spPr>
+      </p:pic>
+      <p:sp>
+        <p:nvSpPr>
+          <p:cNvPr id="5" name="优缺点"/>
+          <p:cNvSpPr txBox="1"/>
+          <p:nvPr/>
+        </p:nvSpPr>
+        <p:spPr>
+          <a:xfrm>
+            <a:off x="398353" y="134694"/>
+            <a:ext cx="4271360" cy="477054"/>
+          </a:xfrm>
+          <a:prstGeom prst="rect">
+            <a:avLst/>
+          </a:prstGeom>
+          <a:ln w="12700">
+            <a:miter lim="400000"/>
+          </a:ln>
+          <a:extLst>
+            <a:ext uri="{C572A759-6A51-4108-AA02-DFA0A04FC94B}">
+              <ma14:wrappingTextBoxFlag xmlns="" xmlns:ma14="http://schemas.microsoft.com/office/mac/drawingml/2011/main" val="1"/>
+            </a:ext>
+          </a:extLst>
+        </p:spPr>
+        <p:txBody>
+          <a:bodyPr wrap="none" lIns="45719" rIns="45719">
+            <a:spAutoFit/>
+          </a:bodyPr>
+          <a:lstStyle>
+            <a:lvl1pPr>
+              <a:defRPr sz="2500">
+                <a:solidFill>
+                  <a:srgbClr val="FFFFFF"/>
+                </a:solidFill>
+              </a:defRPr>
+            </a:lvl1pPr>
+          </a:lstStyle>
+          <a:p>
+            <a:r>
+              <a:rPr lang="zh-CN" altLang="en-US" dirty="0"/>
+              <a:t>实战：</a:t>
+            </a:r>
+            <a:r>
+              <a:rPr lang="en-US" altLang="zh-CN" dirty="0" err="1"/>
+              <a:t>OutOfMemoryError</a:t>
+            </a:r>
+            <a:r>
+              <a:rPr lang="zh-CN" altLang="en-US" dirty="0"/>
+              <a:t>异常</a:t>
+            </a:r>
+            <a:endParaRPr dirty="0"/>
+          </a:p>
+        </p:txBody>
+      </p:sp>
+      <p:sp>
+        <p:nvSpPr>
+          <p:cNvPr id="2" name="AutoShape 2" descr="8c9d65e2bbb4b498feca42616e99192_643fd075f3a56abc0515"/>
+          <p:cNvSpPr>
+            <a:spLocks noChangeAspect="1" noChangeArrowheads="1"/>
+          </p:cNvSpPr>
+          <p:nvPr/>
+        </p:nvSpPr>
+        <p:spPr bwMode="auto">
+          <a:xfrm>
+            <a:off x="0" y="0"/>
+            <a:ext cx="304800" cy="304800"/>
+          </a:xfrm>
+          <a:prstGeom prst="rect">
+            <a:avLst/>
+          </a:prstGeom>
+          <a:noFill/>
+          <a:extLst>
+            <a:ext uri="{909E8E84-426E-40DD-AFC4-6F175D3DCCD1}">
+              <a14:hiddenFill xmlns:a14="http://schemas.microsoft.com/office/drawing/2010/main">
+                <a:solidFill>
+                  <a:srgbClr val="FFFFFF"/>
+                </a:solidFill>
+              </a14:hiddenFill>
+            </a:ext>
+          </a:extLst>
+        </p:spPr>
+        <p:txBody>
+          <a:bodyPr vert="horz" wrap="square" lIns="91440" tIns="45720" rIns="91440" bIns="45720" numCol="1" anchor="t" anchorCtr="0" compatLnSpc="1">
+            <a:prstTxWarp prst="textNoShape">
+              <a:avLst/>
+            </a:prstTxWarp>
+          </a:bodyPr>
+          <a:lstStyle/>
+          <a:p>
+            <a:endParaRPr lang="zh-CN" altLang="en-US"/>
+          </a:p>
+        </p:txBody>
+      </p:sp>
+      <p:sp>
+        <p:nvSpPr>
+          <p:cNvPr id="3" name="AutoShape 2" descr="a84ee5e2e3740a28043e9dc9134e954_ea4aad037d44b1cccc60"/>
+          <p:cNvSpPr>
+            <a:spLocks noChangeAspect="1" noChangeArrowheads="1"/>
+          </p:cNvSpPr>
+          <p:nvPr/>
+        </p:nvSpPr>
+        <p:spPr bwMode="auto">
+          <a:xfrm>
+            <a:off x="152400" y="152400"/>
+            <a:ext cx="304800" cy="304800"/>
+          </a:xfrm>
+          <a:prstGeom prst="rect">
+            <a:avLst/>
+          </a:prstGeom>
+          <a:noFill/>
+          <a:extLst>
+            <a:ext uri="{909E8E84-426E-40DD-AFC4-6F175D3DCCD1}">
+              <a14:hiddenFill xmlns:a14="http://schemas.microsoft.com/office/drawing/2010/main">
+                <a:solidFill>
+                  <a:srgbClr val="FFFFFF"/>
+                </a:solidFill>
+              </a14:hiddenFill>
+            </a:ext>
+          </a:extLst>
+        </p:spPr>
+        <p:txBody>
+          <a:bodyPr vert="horz" wrap="square" lIns="91440" tIns="45720" rIns="91440" bIns="45720" numCol="1" anchor="t" anchorCtr="0" compatLnSpc="1">
+            <a:prstTxWarp prst="textNoShape">
+              <a:avLst/>
+            </a:prstTxWarp>
+          </a:bodyPr>
+          <a:lstStyle/>
+          <a:p>
+            <a:endParaRPr lang="zh-CN" altLang="en-US"/>
+          </a:p>
+        </p:txBody>
+      </p:sp>
+      <p:sp>
+        <p:nvSpPr>
+          <p:cNvPr id="6" name="矩形 5">
+            <a:extLst>
+              <a:ext uri="{FF2B5EF4-FFF2-40B4-BE49-F238E27FC236}">
+                <a16:creationId xmlns:a16="http://schemas.microsoft.com/office/drawing/2014/main" id="{BFB9E29A-E5FF-4231-A078-982037DE751B}"/>
+              </a:ext>
+            </a:extLst>
+          </p:cNvPr>
+          <p:cNvSpPr/>
+          <p:nvPr/>
+        </p:nvSpPr>
+        <p:spPr>
+          <a:xfrm>
+            <a:off x="507496" y="780712"/>
+            <a:ext cx="1569660" cy="369332"/>
+          </a:xfrm>
+          <a:prstGeom prst="rect">
+            <a:avLst/>
+          </a:prstGeom>
+        </p:spPr>
+        <p:txBody>
+          <a:bodyPr wrap="none">
+            <a:spAutoFit/>
+          </a:bodyPr>
+          <a:lstStyle/>
+          <a:p>
+            <a:r>
+              <a:rPr lang="zh-CN" altLang="en-US" dirty="0"/>
+              <a:t>直接内存溢出</a:t>
+            </a:r>
+          </a:p>
+        </p:txBody>
+      </p:sp>
+      <p:pic>
+        <p:nvPicPr>
+          <p:cNvPr id="9" name="图片 8">
+            <a:extLst>
+              <a:ext uri="{FF2B5EF4-FFF2-40B4-BE49-F238E27FC236}">
+                <a16:creationId xmlns:a16="http://schemas.microsoft.com/office/drawing/2014/main" id="{4AAA1E45-C4A7-422E-BE66-8BD889F22D2E}"/>
+              </a:ext>
+            </a:extLst>
+          </p:cNvPr>
+          <p:cNvPicPr>
+            <a:picLocks noChangeAspect="1"/>
+          </p:cNvPicPr>
+          <p:nvPr/>
+        </p:nvPicPr>
+        <p:blipFill>
+          <a:blip r:embed="rId5"/>
+          <a:stretch>
+            <a:fillRect/>
+          </a:stretch>
+        </p:blipFill>
+        <p:spPr>
+          <a:xfrm>
+            <a:off x="626709" y="1169800"/>
+            <a:ext cx="5000625" cy="3343275"/>
+          </a:xfrm>
+          <a:prstGeom prst="rect">
+            <a:avLst/>
+          </a:prstGeom>
+        </p:spPr>
+      </p:pic>
+      <p:pic>
+        <p:nvPicPr>
+          <p:cNvPr id="10" name="图片 9">
+            <a:extLst>
+              <a:ext uri="{FF2B5EF4-FFF2-40B4-BE49-F238E27FC236}">
+                <a16:creationId xmlns:a16="http://schemas.microsoft.com/office/drawing/2014/main" id="{809ED796-4A01-47A8-81AD-42B2FDA46404}"/>
+              </a:ext>
+            </a:extLst>
+          </p:cNvPr>
+          <p:cNvPicPr>
+            <a:picLocks noChangeAspect="1"/>
+          </p:cNvPicPr>
+          <p:nvPr/>
+        </p:nvPicPr>
+        <p:blipFill>
+          <a:blip r:embed="rId6"/>
+          <a:stretch>
+            <a:fillRect/>
+          </a:stretch>
+        </p:blipFill>
+        <p:spPr>
+          <a:xfrm>
+            <a:off x="626709" y="5120392"/>
+            <a:ext cx="5724525" cy="771525"/>
+          </a:xfrm>
+          <a:prstGeom prst="rect">
+            <a:avLst/>
+          </a:prstGeom>
+        </p:spPr>
+      </p:pic>
+    </p:spTree>
+    <p:extLst>
+      <p:ext uri="{BB962C8B-B14F-4D97-AF65-F5344CB8AC3E}">
+        <p14:creationId xmlns:p14="http://schemas.microsoft.com/office/powerpoint/2010/main" val="1773347519"/>
+      </p:ext>
+    </p:extLst>
+  </p:cSld>
+  <p:clrMapOvr>
+    <a:masterClrMapping/>
+  </p:clrMapOvr>
+  <p:transition spd="med"/>
+</p:sld>
+</file>
+
+<file path=ppt/slides/slide23.xml><?xml version="1.0" encoding="utf-8"?>
+<p:sld xmlns:a="http://schemas.openxmlformats.org/drawingml/2006/main" xmlns:r="http://schemas.openxmlformats.org/officeDocument/2006/relationships" xmlns:p="http://schemas.openxmlformats.org/presentationml/2006/main">
+  <p:cSld>
+    <p:spTree>
+      <p:nvGrpSpPr>
+        <p:cNvPr id="1" name=""/>
+        <p:cNvGrpSpPr/>
+        <p:nvPr/>
+      </p:nvGrpSpPr>
+      <p:grpSpPr>
+        <a:xfrm>
+          <a:off x="0" y="0"/>
+          <a:ext cx="0" cy="0"/>
+          <a:chOff x="0" y="0"/>
+          <a:chExt cx="0" cy="0"/>
+        </a:xfrm>
+      </p:grpSpPr>
+      <p:pic>
+        <p:nvPicPr>
+          <p:cNvPr id="200" name="pasted-image.pdf" descr="pasted-image.pdf"/>
+          <p:cNvPicPr>
+            <a:picLocks noChangeAspect="1"/>
+          </p:cNvPicPr>
+          <p:nvPr/>
+        </p:nvPicPr>
+        <p:blipFill>
+          <a:blip r:embed="rId3"/>
+          <a:stretch>
+            <a:fillRect/>
+          </a:stretch>
+        </p:blipFill>
+        <p:spPr>
+          <a:xfrm>
+            <a:off x="0" y="0"/>
+            <a:ext cx="12192000" cy="6858000"/>
+          </a:xfrm>
+          <a:prstGeom prst="rect">
+            <a:avLst/>
+          </a:prstGeom>
+          <a:ln w="12700">
+            <a:miter lim="400000"/>
+          </a:ln>
+        </p:spPr>
+      </p:pic>
+      <p:pic>
+        <p:nvPicPr>
+          <p:cNvPr id="201" name="pasted-image.pdf" descr="pasted-image.pdf"/>
+          <p:cNvPicPr>
+            <a:picLocks noChangeAspect="1"/>
+          </p:cNvPicPr>
+          <p:nvPr/>
+        </p:nvPicPr>
+        <p:blipFill>
+          <a:blip r:embed="rId4"/>
+          <a:stretch>
+            <a:fillRect/>
+          </a:stretch>
+        </p:blipFill>
+        <p:spPr>
+          <a:xfrm>
+            <a:off x="5143877" y="2463895"/>
+            <a:ext cx="1919539" cy="1129142"/>
+          </a:xfrm>
+          <a:prstGeom prst="rect">
+            <a:avLst/>
+          </a:prstGeom>
+          <a:ln w="12700">
+            <a:miter lim="400000"/>
+          </a:ln>
+        </p:spPr>
+      </p:pic>
+      <p:sp>
+        <p:nvSpPr>
+          <p:cNvPr id="202" name="Shape 176"/>
+          <p:cNvSpPr txBox="1"/>
+          <p:nvPr/>
+        </p:nvSpPr>
+        <p:spPr>
+          <a:xfrm>
+            <a:off x="572312" y="539261"/>
+            <a:ext cx="1264680" cy="381001"/>
+          </a:xfrm>
+          <a:prstGeom prst="rect">
+            <a:avLst/>
+          </a:prstGeom>
+          <a:ln w="12700">
+            <a:miter lim="400000"/>
+          </a:ln>
+          <a:extLst>
+            <a:ext uri="{C572A759-6A51-4108-AA02-DFA0A04FC94B}">
+              <ma14:wrappingTextBoxFlag xmlns="" xmlns:ma14="http://schemas.microsoft.com/office/mac/drawingml/2011/main" val="1"/>
+            </a:ext>
+          </a:extLst>
+        </p:spPr>
+        <p:txBody>
+          <a:bodyPr wrap="none" lIns="25400" tIns="25400" rIns="25400" bIns="25400" anchor="ctr">
+            <a:spAutoFit/>
+          </a:bodyPr>
+          <a:lstStyle/>
+          <a:p>
+            <a:pPr>
+              <a:defRPr sz="900">
+                <a:solidFill>
+                  <a:srgbClr val="FFFFFF"/>
+                </a:solidFill>
+                <a:latin typeface="PingFang SC Semibold"/>
+                <a:ea typeface="PingFang SC Semibold"/>
+                <a:cs typeface="PingFang SC Semibold"/>
+                <a:sym typeface="PingFang SC Semibold"/>
+              </a:defRPr>
+            </a:pPr>
+            <a:r>
+              <a:t>NETEASE</a:t>
+            </a:r>
+          </a:p>
+          <a:p>
+            <a:pPr>
+              <a:defRPr sz="900">
+                <a:solidFill>
+                  <a:srgbClr val="FFFFFF"/>
+                </a:solidFill>
+                <a:latin typeface="PingFang SC Regular"/>
+                <a:ea typeface="PingFang SC Regular"/>
+                <a:cs typeface="PingFang SC Regular"/>
+                <a:sym typeface="PingFang SC Regular"/>
+              </a:defRPr>
+            </a:pPr>
+            <a:r>
+              <a:t>Kaola Center Training </a:t>
+            </a:r>
+          </a:p>
+        </p:txBody>
+      </p:sp>
+      <p:sp>
+        <p:nvSpPr>
+          <p:cNvPr id="203" name="Shape 177"/>
+          <p:cNvSpPr txBox="1"/>
+          <p:nvPr/>
+        </p:nvSpPr>
+        <p:spPr>
+          <a:xfrm>
+            <a:off x="5019769" y="4241616"/>
+            <a:ext cx="2603501" cy="762001"/>
+          </a:xfrm>
+          <a:prstGeom prst="rect">
+            <a:avLst/>
+          </a:prstGeom>
+          <a:ln w="12700">
+            <a:miter lim="400000"/>
+          </a:ln>
+          <a:extLst>
+            <a:ext uri="{C572A759-6A51-4108-AA02-DFA0A04FC94B}">
+              <ma14:wrappingTextBoxFlag xmlns="" xmlns:ma14="http://schemas.microsoft.com/office/mac/drawingml/2011/main" val="1"/>
+            </a:ext>
+          </a:extLst>
+        </p:spPr>
+        <p:txBody>
+          <a:bodyPr wrap="none" lIns="25400" tIns="25400" rIns="25400" bIns="25400" anchor="ctr">
+            <a:spAutoFit/>
+          </a:bodyPr>
+          <a:lstStyle>
+            <a:lvl1pPr>
+              <a:defRPr sz="4000">
+                <a:solidFill>
+                  <a:srgbClr val="FFFFFF"/>
+                </a:solidFill>
+                <a:latin typeface="PingFang SC Medium"/>
+                <a:ea typeface="PingFang SC Medium"/>
+                <a:cs typeface="PingFang SC Medium"/>
+                <a:sym typeface="PingFang SC Medium"/>
+              </a:defRPr>
+            </a:lvl1pPr>
+          </a:lstStyle>
+          <a:p>
+            <a:r>
+              <a:t>感谢聆听！</a:t>
+            </a:r>
+          </a:p>
+        </p:txBody>
+      </p:sp>
+    </p:spTree>
   </p:cSld>
   <p:clrMapOvr>
     <a:masterClrMapping/>
@@ -7279,7 +10588,7 @@
           </a:ln>
           <a:extLst>
             <a:ext uri="{C572A759-6A51-4108-AA02-DFA0A04FC94B}">
-              <ma14:wrappingTextBoxFlag xmlns:ma14="http://schemas.microsoft.com/office/mac/drawingml/2011/main" xmlns="" val="1"/>
+              <ma14:wrappingTextBoxFlag xmlns="" xmlns:ma14="http://schemas.microsoft.com/office/mac/drawingml/2011/main" val="1"/>
             </a:ext>
           </a:extLst>
         </p:spPr>
@@ -7480,15 +10789,7 @@
             </a:pPr>
             <a:r>
               <a:rPr lang="zh-CN" altLang="en-US" dirty="0"/>
-              <a:t>程序计数器：字节码行号指示器（</a:t>
-            </a:r>
-            <a:r>
-              <a:rPr lang="zh-CN" altLang="zh-CN" dirty="0"/>
-              <a:t>字节码解释器</a:t>
-            </a:r>
-            <a:r>
-              <a:rPr lang="zh-CN" altLang="en-US" dirty="0"/>
-              <a:t>）</a:t>
+              <a:t>程序计数器：字节码行号指示器</a:t>
             </a:r>
             <a:endParaRPr lang="en-US" altLang="zh-CN" dirty="0"/>
           </a:p>
@@ -7644,7 +10945,7 @@
         <p:spPr>
           <a:xfrm>
             <a:off x="398353" y="134694"/>
-            <a:ext cx="3186127" cy="477054"/>
+            <a:ext cx="3075520" cy="861774"/>
           </a:xfrm>
           <a:prstGeom prst="rect">
             <a:avLst/>
@@ -7654,7 +10955,7 @@
           </a:ln>
           <a:extLst>
             <a:ext uri="{C572A759-6A51-4108-AA02-DFA0A04FC94B}">
-              <ma14:wrappingTextBoxFlag xmlns:ma14="http://schemas.microsoft.com/office/mac/drawingml/2011/main" xmlns="" val="1"/>
+              <ma14:wrappingTextBoxFlag xmlns="" xmlns:ma14="http://schemas.microsoft.com/office/mac/drawingml/2011/main" val="1"/>
             </a:ext>
           </a:extLst>
         </p:spPr>
@@ -7682,8 +10983,10 @@
             </a:r>
             <a:r>
               <a:rPr lang="zh-CN" altLang="en-US" dirty="0"/>
-              <a:t>共享与私有</a:t>
-            </a:r>
+              <a:t>程序计数器</a:t>
+            </a:r>
+          </a:p>
+          <a:p>
             <a:endParaRPr dirty="0"/>
           </a:p>
         </p:txBody>
@@ -7768,7 +11071,13 @@
       </p:sp>
       <p:pic>
         <p:nvPicPr>
-          <p:cNvPr id="4" name="图片 3"/>
+          <p:cNvPr id="7" name="图片 6">
+            <a:extLst>
+              <a:ext uri="{FF2B5EF4-FFF2-40B4-BE49-F238E27FC236}">
+                <a16:creationId xmlns:a16="http://schemas.microsoft.com/office/drawing/2014/main" id="{C568F689-03CB-45CE-9AAE-D8E0221459C5}"/>
+              </a:ext>
+            </a:extLst>
+          </p:cNvPr>
           <p:cNvPicPr>
             <a:picLocks noChangeAspect="1"/>
           </p:cNvPicPr>
@@ -7782,18 +11091,293 @@
         </p:blipFill>
         <p:spPr>
           <a:xfrm>
-            <a:off x="1386348" y="1047543"/>
-            <a:ext cx="8780207" cy="5210005"/>
+            <a:off x="457200" y="1091326"/>
+            <a:ext cx="5705475" cy="3114675"/>
           </a:xfrm>
           <a:prstGeom prst="rect">
             <a:avLst/>
           </a:prstGeom>
         </p:spPr>
       </p:pic>
+      <p:sp>
+        <p:nvSpPr>
+          <p:cNvPr id="4" name="矩形 3">
+            <a:extLst>
+              <a:ext uri="{FF2B5EF4-FFF2-40B4-BE49-F238E27FC236}">
+                <a16:creationId xmlns:a16="http://schemas.microsoft.com/office/drawing/2014/main" id="{930F3064-6D40-47BD-AD01-908CB0ED6338}"/>
+              </a:ext>
+            </a:extLst>
+          </p:cNvPr>
+          <p:cNvSpPr/>
+          <p:nvPr/>
+        </p:nvSpPr>
+        <p:spPr>
+          <a:xfrm>
+            <a:off x="846667" y="4206001"/>
+            <a:ext cx="10340622" cy="2308324"/>
+          </a:xfrm>
+          <a:prstGeom prst="rect">
+            <a:avLst/>
+          </a:prstGeom>
+        </p:spPr>
+        <p:txBody>
+          <a:bodyPr wrap="square">
+            <a:spAutoFit/>
+          </a:bodyPr>
+          <a:lstStyle/>
+          <a:p>
+            <a:r>
+              <a:rPr lang="zh-CN" altLang="en-US" b="1" dirty="0">
+                <a:solidFill>
+                  <a:srgbClr val="333333"/>
+                </a:solidFill>
+                <a:latin typeface="Verdana" panose="020B0604030504040204" pitchFamily="34" charset="0"/>
+              </a:rPr>
+              <a:t>　　</a:t>
+            </a:r>
+            <a:r>
+              <a:rPr lang="zh-CN" altLang="en-US" dirty="0">
+                <a:solidFill>
+                  <a:srgbClr val="333333"/>
+                </a:solidFill>
+                <a:latin typeface="Verdana" panose="020B0604030504040204" pitchFamily="34" charset="0"/>
+              </a:rPr>
+              <a:t>程序计数器（</a:t>
+            </a:r>
+            <a:r>
+              <a:rPr lang="en-US" altLang="zh-CN" dirty="0">
+                <a:solidFill>
+                  <a:srgbClr val="333333"/>
+                </a:solidFill>
+                <a:latin typeface="Verdana" panose="020B0604030504040204" pitchFamily="34" charset="0"/>
+              </a:rPr>
+              <a:t>Program Counter Register</a:t>
+            </a:r>
+            <a:r>
+              <a:rPr lang="zh-CN" altLang="en-US" dirty="0">
+                <a:solidFill>
+                  <a:srgbClr val="333333"/>
+                </a:solidFill>
+                <a:latin typeface="Verdana" panose="020B0604030504040204" pitchFamily="34" charset="0"/>
+              </a:rPr>
+              <a:t>）是</a:t>
+            </a:r>
+            <a:r>
+              <a:rPr lang="en-US" altLang="zh-CN" dirty="0">
+                <a:solidFill>
+                  <a:srgbClr val="333333"/>
+                </a:solidFill>
+                <a:latin typeface="Verdana" panose="020B0604030504040204" pitchFamily="34" charset="0"/>
+              </a:rPr>
+              <a:t>JVM</a:t>
+            </a:r>
+            <a:r>
+              <a:rPr lang="zh-CN" altLang="en-US" dirty="0">
+                <a:solidFill>
+                  <a:srgbClr val="333333"/>
+                </a:solidFill>
+                <a:latin typeface="Verdana" panose="020B0604030504040204" pitchFamily="34" charset="0"/>
+              </a:rPr>
+              <a:t>中一块较小的内存区域，保存着当前线程执行的虚拟机字节码指令的内存地址。</a:t>
+            </a:r>
+            <a:r>
+              <a:rPr lang="en-US" altLang="zh-CN" dirty="0">
+                <a:solidFill>
+                  <a:srgbClr val="333333"/>
+                </a:solidFill>
+                <a:latin typeface="Verdana" panose="020B0604030504040204" pitchFamily="34" charset="0"/>
+              </a:rPr>
+              <a:t>Java</a:t>
+            </a:r>
+            <a:r>
+              <a:rPr lang="zh-CN" altLang="en-US" dirty="0">
+                <a:solidFill>
+                  <a:srgbClr val="333333"/>
+                </a:solidFill>
+                <a:latin typeface="Verdana" panose="020B0604030504040204" pitchFamily="34" charset="0"/>
+              </a:rPr>
+              <a:t>多线程的实现，其实是通过线程间的轮流切换并分配处理器执行时间的方式来实现的，在任何时刻，处理器都只会执行一个线程中的指令。在多线程场景下，为了保证线程切换回来后，还能恢复到原先状态，找到原先执行的指令，所以每个线程都会设立一个程序计数器，并且各个线程之间不会互相影响，程序计数器为</a:t>
+            </a:r>
+            <a:r>
+              <a:rPr lang="en-US" altLang="zh-CN" dirty="0">
+                <a:solidFill>
+                  <a:srgbClr val="333333"/>
+                </a:solidFill>
+                <a:latin typeface="Verdana" panose="020B0604030504040204" pitchFamily="34" charset="0"/>
+              </a:rPr>
+              <a:t>"</a:t>
+            </a:r>
+            <a:r>
+              <a:rPr lang="zh-CN" altLang="en-US" dirty="0">
+                <a:solidFill>
+                  <a:srgbClr val="333333"/>
+                </a:solidFill>
+                <a:latin typeface="Verdana" panose="020B0604030504040204" pitchFamily="34" charset="0"/>
+              </a:rPr>
+              <a:t>线程私有</a:t>
+            </a:r>
+            <a:r>
+              <a:rPr lang="en-US" altLang="zh-CN" dirty="0">
+                <a:solidFill>
+                  <a:srgbClr val="333333"/>
+                </a:solidFill>
+                <a:latin typeface="Verdana" panose="020B0604030504040204" pitchFamily="34" charset="0"/>
+              </a:rPr>
+              <a:t>"</a:t>
+            </a:r>
+            <a:r>
+              <a:rPr lang="zh-CN" altLang="en-US" dirty="0">
+                <a:solidFill>
+                  <a:srgbClr val="333333"/>
+                </a:solidFill>
+                <a:latin typeface="Verdana" panose="020B0604030504040204" pitchFamily="34" charset="0"/>
+              </a:rPr>
+              <a:t>的内存区域。</a:t>
+            </a:r>
+          </a:p>
+          <a:p>
+            <a:r>
+              <a:rPr lang="zh-CN" altLang="en-US" dirty="0">
+                <a:solidFill>
+                  <a:srgbClr val="333333"/>
+                </a:solidFill>
+                <a:latin typeface="Verdana" panose="020B0604030504040204" pitchFamily="34" charset="0"/>
+              </a:rPr>
+              <a:t>　　如果当前线程正在执行</a:t>
+            </a:r>
+            <a:r>
+              <a:rPr lang="en-US" altLang="zh-CN" dirty="0">
+                <a:solidFill>
+                  <a:srgbClr val="333333"/>
+                </a:solidFill>
+                <a:latin typeface="Verdana" panose="020B0604030504040204" pitchFamily="34" charset="0"/>
+              </a:rPr>
+              <a:t>Java</a:t>
+            </a:r>
+            <a:r>
+              <a:rPr lang="zh-CN" altLang="en-US" dirty="0">
+                <a:solidFill>
+                  <a:srgbClr val="333333"/>
+                </a:solidFill>
+                <a:latin typeface="Verdana" panose="020B0604030504040204" pitchFamily="34" charset="0"/>
+              </a:rPr>
+              <a:t>方法，则程序计数器保存的是虚拟机字节码的内存地址，如果正在执行的是</a:t>
+            </a:r>
+            <a:r>
+              <a:rPr lang="en-US" altLang="zh-CN" dirty="0">
+                <a:solidFill>
+                  <a:srgbClr val="333333"/>
+                </a:solidFill>
+                <a:latin typeface="Verdana" panose="020B0604030504040204" pitchFamily="34" charset="0"/>
+              </a:rPr>
+              <a:t>Native</a:t>
+            </a:r>
+            <a:r>
+              <a:rPr lang="zh-CN" altLang="en-US" dirty="0">
+                <a:solidFill>
+                  <a:srgbClr val="333333"/>
+                </a:solidFill>
+                <a:latin typeface="Verdana" panose="020B0604030504040204" pitchFamily="34" charset="0"/>
+              </a:rPr>
+              <a:t>方法（非</a:t>
+            </a:r>
+            <a:r>
+              <a:rPr lang="en-US" altLang="zh-CN" dirty="0">
+                <a:solidFill>
+                  <a:srgbClr val="333333"/>
+                </a:solidFill>
+                <a:latin typeface="Verdana" panose="020B0604030504040204" pitchFamily="34" charset="0"/>
+              </a:rPr>
+              <a:t>Java</a:t>
+            </a:r>
+            <a:r>
+              <a:rPr lang="zh-CN" altLang="en-US" dirty="0">
+                <a:solidFill>
+                  <a:srgbClr val="333333"/>
+                </a:solidFill>
+                <a:latin typeface="Verdana" panose="020B0604030504040204" pitchFamily="34" charset="0"/>
+              </a:rPr>
+              <a:t>方法，</a:t>
+            </a:r>
+            <a:r>
+              <a:rPr lang="en-US" altLang="zh-CN" dirty="0">
+                <a:solidFill>
+                  <a:srgbClr val="333333"/>
+                </a:solidFill>
+                <a:latin typeface="Verdana" panose="020B0604030504040204" pitchFamily="34" charset="0"/>
+              </a:rPr>
+              <a:t>JVM</a:t>
+            </a:r>
+            <a:r>
+              <a:rPr lang="zh-CN" altLang="en-US" dirty="0">
+                <a:solidFill>
+                  <a:srgbClr val="333333"/>
+                </a:solidFill>
+                <a:latin typeface="Verdana" panose="020B0604030504040204" pitchFamily="34" charset="0"/>
+              </a:rPr>
+              <a:t>底层有许多非</a:t>
+            </a:r>
+            <a:r>
+              <a:rPr lang="en-US" altLang="zh-CN" dirty="0">
+                <a:solidFill>
+                  <a:srgbClr val="333333"/>
+                </a:solidFill>
+                <a:latin typeface="Verdana" panose="020B0604030504040204" pitchFamily="34" charset="0"/>
+              </a:rPr>
+              <a:t>Java</a:t>
+            </a:r>
+            <a:r>
+              <a:rPr lang="zh-CN" altLang="en-US" dirty="0">
+                <a:solidFill>
+                  <a:srgbClr val="333333"/>
+                </a:solidFill>
+                <a:latin typeface="Verdana" panose="020B0604030504040204" pitchFamily="34" charset="0"/>
+              </a:rPr>
+              <a:t>编写的函数实现），计数器则为空。程序计数器是唯一一个在</a:t>
+            </a:r>
+            <a:r>
+              <a:rPr lang="en-US" altLang="zh-CN" dirty="0">
+                <a:solidFill>
+                  <a:srgbClr val="333333"/>
+                </a:solidFill>
+                <a:latin typeface="Verdana" panose="020B0604030504040204" pitchFamily="34" charset="0"/>
+              </a:rPr>
+              <a:t>Java</a:t>
+            </a:r>
+            <a:r>
+              <a:rPr lang="zh-CN" altLang="en-US" dirty="0">
+                <a:solidFill>
+                  <a:srgbClr val="333333"/>
+                </a:solidFill>
+                <a:latin typeface="Verdana" panose="020B0604030504040204" pitchFamily="34" charset="0"/>
+              </a:rPr>
+              <a:t>规范中没有规定任何</a:t>
+            </a:r>
+            <a:r>
+              <a:rPr lang="en-US" altLang="zh-CN" dirty="0" err="1">
+                <a:solidFill>
+                  <a:srgbClr val="333333"/>
+                </a:solidFill>
+                <a:latin typeface="Verdana" panose="020B0604030504040204" pitchFamily="34" charset="0"/>
+              </a:rPr>
+              <a:t>OutOfMemory</a:t>
+            </a:r>
+            <a:r>
+              <a:rPr lang="zh-CN" altLang="en-US" dirty="0">
+                <a:solidFill>
+                  <a:srgbClr val="333333"/>
+                </a:solidFill>
+                <a:latin typeface="Verdana" panose="020B0604030504040204" pitchFamily="34" charset="0"/>
+              </a:rPr>
+              <a:t>场景的区域。</a:t>
+            </a:r>
+          </a:p>
+        </p:txBody>
+      </p:sp>
     </p:spTree>
     <p:extLst>
       <p:ext uri="{BB962C8B-B14F-4D97-AF65-F5344CB8AC3E}">
-        <p14:creationId xmlns:p14="http://schemas.microsoft.com/office/powerpoint/2010/main" val="3946750298"/>
+        <p14:creationId xmlns:p14="http://schemas.microsoft.com/office/powerpoint/2010/main" val="2605423651"/>
       </p:ext>
     </p:extLst>
   </p:cSld>
@@ -7885,7 +11469,7 @@
         <p:spPr>
           <a:xfrm>
             <a:off x="398353" y="134694"/>
-            <a:ext cx="1793118" cy="477054"/>
+            <a:ext cx="2754919" cy="861774"/>
           </a:xfrm>
           <a:prstGeom prst="rect">
             <a:avLst/>
@@ -7895,7 +11479,7 @@
           </a:ln>
           <a:extLst>
             <a:ext uri="{C572A759-6A51-4108-AA02-DFA0A04FC94B}">
-              <ma14:wrappingTextBoxFlag xmlns:ma14="http://schemas.microsoft.com/office/mac/drawingml/2011/main" xmlns="" val="1"/>
+              <ma14:wrappingTextBoxFlag xmlns="" xmlns:ma14="http://schemas.microsoft.com/office/mac/drawingml/2011/main" val="1"/>
             </a:ext>
           </a:extLst>
         </p:spPr>
@@ -7923,8 +11507,10 @@
             </a:r>
             <a:r>
               <a:rPr lang="zh-CN" altLang="en-US" dirty="0"/>
-              <a:t>堆</a:t>
-            </a:r>
+              <a:t>虚拟机栈</a:t>
+            </a:r>
+          </a:p>
+          <a:p>
             <a:endParaRPr dirty="0"/>
           </a:p>
         </p:txBody>
@@ -8012,7 +11598,7 @@
           <p:cNvPr id="7" name="图片 6">
             <a:extLst>
               <a:ext uri="{FF2B5EF4-FFF2-40B4-BE49-F238E27FC236}">
-                <a16:creationId xmlns:a16="http://schemas.microsoft.com/office/drawing/2014/main" id="{4CF6238C-6914-4711-8E98-580643C792B0}"/>
+                <a16:creationId xmlns:a16="http://schemas.microsoft.com/office/drawing/2014/main" id="{C568F689-03CB-45CE-9AAE-D8E0221459C5}"/>
               </a:ext>
             </a:extLst>
           </p:cNvPr>
@@ -8029,8 +11615,8 @@
         </p:blipFill>
         <p:spPr>
           <a:xfrm>
-            <a:off x="1768298" y="1429631"/>
-            <a:ext cx="5381625" cy="2486025"/>
+            <a:off x="457200" y="1091326"/>
+            <a:ext cx="5705475" cy="3114675"/>
           </a:xfrm>
           <a:prstGeom prst="rect">
             <a:avLst/>
@@ -8039,176 +11625,61 @@
       </p:pic>
       <p:sp>
         <p:nvSpPr>
-          <p:cNvPr id="8" name="文本框 7">
+          <p:cNvPr id="4" name="矩形 3">
             <a:extLst>
               <a:ext uri="{FF2B5EF4-FFF2-40B4-BE49-F238E27FC236}">
-                <a16:creationId xmlns:a16="http://schemas.microsoft.com/office/drawing/2014/main" id="{D2B9345C-6360-4DDE-9D3D-58EE0989AD41}"/>
+                <a16:creationId xmlns:a16="http://schemas.microsoft.com/office/drawing/2014/main" id="{930F3064-6D40-47BD-AD01-908CB0ED6338}"/>
               </a:ext>
             </a:extLst>
           </p:cNvPr>
-          <p:cNvSpPr txBox="1"/>
-          <p:nvPr/>
-        </p:nvSpPr>
-        <p:spPr>
-          <a:xfrm>
-            <a:off x="906681" y="4564575"/>
-            <a:ext cx="7238518" cy="2031323"/>
-          </a:xfrm>
-          <a:prstGeom prst="rect">
-            <a:avLst/>
-          </a:prstGeom>
-          <a:noFill/>
-          <a:ln w="12700" cap="flat">
-            <a:noFill/>
-            <a:miter lim="400000"/>
-          </a:ln>
-          <a:effectLst/>
-          <a:sp3d/>
-        </p:spPr>
-        <p:style>
-          <a:lnRef idx="0">
-            <a:scrgbClr r="0" g="0" b="0"/>
-          </a:lnRef>
-          <a:fillRef idx="0">
-            <a:scrgbClr r="0" g="0" b="0"/>
-          </a:fillRef>
-          <a:effectRef idx="0">
-            <a:scrgbClr r="0" g="0" b="0"/>
-          </a:effectRef>
-          <a:fontRef idx="none"/>
-        </p:style>
-        <p:txBody>
-          <a:bodyPr rot="0" spcFirstLastPara="1" vertOverflow="overflow" horzOverflow="overflow" vert="horz" wrap="none" lIns="45719" tIns="45719" rIns="45719" bIns="45719" numCol="1" spcCol="38100" rtlCol="0" anchor="t">
+          <p:cNvSpPr/>
+          <p:nvPr/>
+        </p:nvSpPr>
+        <p:spPr>
+          <a:xfrm>
+            <a:off x="846667" y="4206001"/>
+            <a:ext cx="10340622" cy="1200329"/>
+          </a:xfrm>
+          <a:prstGeom prst="rect">
+            <a:avLst/>
+          </a:prstGeom>
+        </p:spPr>
+        <p:txBody>
+          <a:bodyPr wrap="square">
             <a:spAutoFit/>
           </a:bodyPr>
           <a:lstStyle/>
           <a:p>
             <a:r>
+              <a:rPr lang="zh-CN" altLang="en-US" dirty="0"/>
+              <a:t>虚拟机栈：</a:t>
+            </a:r>
+            <a:r>
+              <a:rPr lang="zh-CN" altLang="zh-CN" dirty="0"/>
+              <a:t>线程私有的，它的 生命周期与线程相同。</a:t>
+            </a:r>
+            <a:endParaRPr lang="en-US" altLang="zh-CN" dirty="0"/>
+          </a:p>
+          <a:p>
+            <a:r>
+              <a:rPr lang="zh-CN" altLang="zh-CN" dirty="0"/>
+              <a:t>每个方法在执行的同时 都会创建一个栈帧（</a:t>
+            </a:r>
+            <a:r>
               <a:rPr lang="en-US" altLang="zh-CN" dirty="0"/>
-              <a:t>Java</a:t>
-            </a:r>
-            <a:r>
-              <a:rPr lang="zh-CN" altLang="en-US" dirty="0"/>
-              <a:t>堆是垃圾收集器管理的主要区域，因此很多时候也被称做“</a:t>
-            </a:r>
-            <a:r>
-              <a:rPr lang="en-US" altLang="zh-CN" dirty="0"/>
-              <a:t>GC</a:t>
-            </a:r>
-            <a:r>
-              <a:rPr lang="zh-CN" altLang="en-US" dirty="0"/>
-              <a:t>堆”。 </a:t>
-            </a:r>
-            <a:endParaRPr lang="en-US" altLang="zh-CN" dirty="0"/>
-          </a:p>
-          <a:p>
-            <a:r>
-              <a:rPr lang="zh-CN" altLang="en-US" dirty="0"/>
-              <a:t>从内存回收的角度来看，由于现在收集器基 本都采用分代收集算法，</a:t>
-            </a:r>
-            <a:endParaRPr lang="en-US" altLang="zh-CN" dirty="0"/>
-          </a:p>
-          <a:p>
-            <a:r>
-              <a:rPr lang="zh-CN" altLang="en-US" dirty="0"/>
-              <a:t>所以</a:t>
-            </a:r>
-            <a:r>
-              <a:rPr lang="en-US" altLang="zh-CN" dirty="0"/>
-              <a:t>Java</a:t>
-            </a:r>
-            <a:r>
-              <a:rPr lang="zh-CN" altLang="en-US" dirty="0"/>
-              <a:t>堆中还可以细分为：新生代和老年代；</a:t>
-            </a:r>
-            <a:endParaRPr lang="en-US" altLang="zh-CN" dirty="0"/>
-          </a:p>
-          <a:p>
-            <a:r>
-              <a:rPr lang="zh-CN" altLang="en-US" dirty="0"/>
-              <a:t>再细致一点的有 </a:t>
-            </a:r>
-            <a:r>
-              <a:rPr lang="en-US" altLang="zh-CN" dirty="0"/>
-              <a:t>Eden</a:t>
-            </a:r>
-            <a:r>
-              <a:rPr lang="zh-CN" altLang="en-US" dirty="0"/>
-              <a:t>空间、</a:t>
-            </a:r>
-            <a:r>
-              <a:rPr lang="en-US" altLang="zh-CN" dirty="0"/>
-              <a:t>From Survivor</a:t>
-            </a:r>
-            <a:r>
-              <a:rPr lang="zh-CN" altLang="en-US" dirty="0"/>
-              <a:t>空间、</a:t>
-            </a:r>
-            <a:r>
-              <a:rPr lang="en-US" altLang="zh-CN" dirty="0"/>
-              <a:t>To Survivor</a:t>
-            </a:r>
-            <a:r>
-              <a:rPr lang="zh-CN" altLang="en-US" dirty="0"/>
-              <a:t>空间等。</a:t>
-            </a:r>
-            <a:endParaRPr lang="en-US" altLang="zh-CN" dirty="0"/>
-          </a:p>
-          <a:p>
+              <a:t>Stack Frame [1]</a:t>
+            </a:r>
             <a:r>
               <a:rPr lang="zh-CN" altLang="zh-CN" dirty="0"/>
-              <a:t>内存分配的角度来看，线程共享的</a:t>
-            </a:r>
-            <a:r>
-              <a:rPr lang="en-US" altLang="zh-CN" dirty="0"/>
-              <a:t> Java</a:t>
-            </a:r>
-            <a:r>
-              <a:rPr lang="zh-CN" altLang="zh-CN" dirty="0"/>
-              <a:t>堆中可能划分出多个线程私有的</a:t>
-            </a:r>
-            <a:endParaRPr lang="en-US" altLang="zh-CN" dirty="0"/>
-          </a:p>
-          <a:p>
-            <a:r>
-              <a:rPr lang="zh-CN" altLang="zh-CN" dirty="0"/>
-              <a:t>分配缓冲区（</a:t>
-            </a:r>
-            <a:r>
-              <a:rPr lang="en-US" altLang="zh-CN" dirty="0"/>
-              <a:t>Thread Local Allocation </a:t>
-            </a:r>
-            <a:r>
-              <a:rPr lang="en-US" altLang="zh-CN" dirty="0" err="1"/>
-              <a:t>Buffer,TLAB</a:t>
-            </a:r>
-            <a:r>
-              <a:rPr lang="zh-CN" altLang="zh-CN" dirty="0"/>
-              <a:t>）。</a:t>
-            </a:r>
-          </a:p>
-          <a:p>
-            <a:endParaRPr kumimoji="0" lang="zh-CN" altLang="en-US" sz="1800" b="0" i="0" u="none" strike="noStrike" cap="none" spc="0" normalizeH="0" baseline="0" dirty="0">
-              <a:ln>
-                <a:noFill/>
-              </a:ln>
-              <a:solidFill>
-                <a:srgbClr val="000000"/>
-              </a:solidFill>
-              <a:effectLst/>
-              <a:uFillTx/>
-              <a:latin typeface="+mj-lt"/>
-              <a:ea typeface="+mj-ea"/>
-              <a:cs typeface="+mj-cs"/>
-              <a:sym typeface="Calibri"/>
-            </a:endParaRPr>
+              <a:t>）用于存储局部变量表、操作数栈、动态链接、方法出口 等信息。每一个方法从调用直至执行完成的过程，就对应着一个栈帧在虚拟机栈中入栈到出 栈的过程。</a:t>
+            </a:r>
           </a:p>
         </p:txBody>
       </p:sp>
     </p:spTree>
     <p:extLst>
       <p:ext uri="{BB962C8B-B14F-4D97-AF65-F5344CB8AC3E}">
-        <p14:creationId xmlns:p14="http://schemas.microsoft.com/office/powerpoint/2010/main" val="1550102233"/>
+        <p14:creationId xmlns:p14="http://schemas.microsoft.com/office/powerpoint/2010/main" val="506446224"/>
       </p:ext>
     </p:extLst>
   </p:cSld>
@@ -8300,7 +11771,7 @@
         <p:spPr>
           <a:xfrm>
             <a:off x="398353" y="134694"/>
-            <a:ext cx="2487217" cy="477054"/>
+            <a:ext cx="2434319" cy="861774"/>
           </a:xfrm>
           <a:prstGeom prst="rect">
             <a:avLst/>
@@ -8310,7 +11781,7 @@
           </a:ln>
           <a:extLst>
             <a:ext uri="{C572A759-6A51-4108-AA02-DFA0A04FC94B}">
-              <ma14:wrappingTextBoxFlag xmlns:ma14="http://schemas.microsoft.com/office/mac/drawingml/2011/main" xmlns="" val="1"/>
+              <ma14:wrappingTextBoxFlag xmlns="" xmlns:ma14="http://schemas.microsoft.com/office/mac/drawingml/2011/main" val="1"/>
             </a:ext>
           </a:extLst>
         </p:spPr>
@@ -8334,12 +11805,14 @@
             </a:r>
             <a:r>
               <a:rPr lang="en-US" altLang="zh-CN" dirty="0"/>
-              <a:t>-GC</a:t>
+              <a:t>-</a:t>
             </a:r>
             <a:r>
               <a:rPr lang="zh-CN" altLang="en-US" dirty="0"/>
-              <a:t>流程</a:t>
-            </a:r>
+              <a:t>方法区</a:t>
+            </a:r>
+          </a:p>
+          <a:p>
             <a:endParaRPr dirty="0"/>
           </a:p>
         </p:txBody>
@@ -8424,7 +11897,13 @@
       </p:sp>
       <p:pic>
         <p:nvPicPr>
-          <p:cNvPr id="7" name="图片 6"/>
+          <p:cNvPr id="7" name="图片 6">
+            <a:extLst>
+              <a:ext uri="{FF2B5EF4-FFF2-40B4-BE49-F238E27FC236}">
+                <a16:creationId xmlns:a16="http://schemas.microsoft.com/office/drawing/2014/main" id="{C568F689-03CB-45CE-9AAE-D8E0221459C5}"/>
+              </a:ext>
+            </a:extLst>
+          </p:cNvPr>
           <p:cNvPicPr>
             <a:picLocks noChangeAspect="1"/>
           </p:cNvPicPr>
@@ -8438,18 +11917,56 @@
         </p:blipFill>
         <p:spPr>
           <a:xfrm>
-            <a:off x="457200" y="952034"/>
-            <a:ext cx="6950808" cy="5717458"/>
+            <a:off x="457200" y="1091326"/>
+            <a:ext cx="5705475" cy="3114675"/>
           </a:xfrm>
           <a:prstGeom prst="rect">
             <a:avLst/>
           </a:prstGeom>
         </p:spPr>
       </p:pic>
+      <p:sp>
+        <p:nvSpPr>
+          <p:cNvPr id="4" name="矩形 3">
+            <a:extLst>
+              <a:ext uri="{FF2B5EF4-FFF2-40B4-BE49-F238E27FC236}">
+                <a16:creationId xmlns:a16="http://schemas.microsoft.com/office/drawing/2014/main" id="{930F3064-6D40-47BD-AD01-908CB0ED6338}"/>
+              </a:ext>
+            </a:extLst>
+          </p:cNvPr>
+          <p:cNvSpPr/>
+          <p:nvPr/>
+        </p:nvSpPr>
+        <p:spPr>
+          <a:xfrm>
+            <a:off x="846667" y="4206001"/>
+            <a:ext cx="10340622" cy="646331"/>
+          </a:xfrm>
+          <a:prstGeom prst="rect">
+            <a:avLst/>
+          </a:prstGeom>
+        </p:spPr>
+        <p:txBody>
+          <a:bodyPr wrap="square">
+            <a:spAutoFit/>
+          </a:bodyPr>
+          <a:lstStyle/>
+          <a:p>
+            <a:r>
+              <a:rPr lang="zh-CN" altLang="en-US" dirty="0"/>
+              <a:t>方法区：</a:t>
+            </a:r>
+            <a:r>
+              <a:rPr lang="zh-CN" altLang="zh-CN" dirty="0"/>
+              <a:t>线程共享的内存区域，它用于存储已被虚 拟机加载的类信息、常量、静态变量、即时编译器编译后的代码等数据。</a:t>
+            </a:r>
+          </a:p>
+        </p:txBody>
+      </p:sp>
     </p:spTree>
     <p:extLst>
       <p:ext uri="{BB962C8B-B14F-4D97-AF65-F5344CB8AC3E}">
-        <p14:creationId xmlns:p14="http://schemas.microsoft.com/office/powerpoint/2010/main" val="1222168770"/>
+        <p14:creationId xmlns:p14="http://schemas.microsoft.com/office/powerpoint/2010/main" val="1471191156"/>
       </p:ext>
     </p:extLst>
   </p:cSld>
@@ -8541,7 +12058,7 @@
         <p:spPr>
           <a:xfrm>
             <a:off x="398353" y="134694"/>
-            <a:ext cx="3144449" cy="477054"/>
+            <a:ext cx="2754919" cy="861774"/>
           </a:xfrm>
           <a:prstGeom prst="rect">
             <a:avLst/>
@@ -8551,7 +12068,7 @@
           </a:ln>
           <a:extLst>
             <a:ext uri="{C572A759-6A51-4108-AA02-DFA0A04FC94B}">
-              <ma14:wrappingTextBoxFlag xmlns:ma14="http://schemas.microsoft.com/office/mac/drawingml/2011/main" xmlns="" val="1"/>
+              <ma14:wrappingTextBoxFlag xmlns="" xmlns:ma14="http://schemas.microsoft.com/office/mac/drawingml/2011/main" val="1"/>
             </a:ext>
           </a:extLst>
         </p:spPr>
@@ -8571,7 +12088,7 @@
           <a:p>
             <a:r>
               <a:rPr lang="zh-CN" altLang="en-US" dirty="0"/>
-              <a:t>垃圾回收</a:t>
+              <a:t>内存布局</a:t>
             </a:r>
             <a:r>
               <a:rPr lang="en-US" altLang="zh-CN" dirty="0"/>
@@ -8579,8 +12096,10 @@
             </a:r>
             <a:r>
               <a:rPr lang="zh-CN" altLang="en-US" dirty="0"/>
-              <a:t>可达性分析</a:t>
-            </a:r>
+              <a:t>直接内存</a:t>
+            </a:r>
+          </a:p>
+          <a:p>
             <a:endParaRPr dirty="0"/>
           </a:p>
         </p:txBody>
@@ -8663,254 +12182,209 @@
           </a:p>
         </p:txBody>
       </p:sp>
-      <p:pic>
-        <p:nvPicPr>
-          <p:cNvPr id="4" name="图片 3"/>
-          <p:cNvPicPr>
-            <a:picLocks noChangeAspect="1"/>
-          </p:cNvPicPr>
-          <p:nvPr/>
-        </p:nvPicPr>
-        <p:blipFill>
-          <a:blip r:embed="rId5"/>
-          <a:stretch>
-            <a:fillRect/>
-          </a:stretch>
-        </p:blipFill>
-        <p:spPr>
-          <a:xfrm>
-            <a:off x="304800" y="1555667"/>
-            <a:ext cx="7324339" cy="4045033"/>
-          </a:xfrm>
-          <a:prstGeom prst="rect">
-            <a:avLst/>
-          </a:prstGeom>
-        </p:spPr>
-      </p:pic>
-      <p:sp>
-        <p:nvSpPr>
-          <p:cNvPr id="6" name="文本框 5"/>
-          <p:cNvSpPr txBox="1"/>
-          <p:nvPr/>
-        </p:nvSpPr>
-        <p:spPr>
-          <a:xfrm>
-            <a:off x="8121445" y="2566219"/>
-            <a:ext cx="3549445" cy="1754324"/>
-          </a:xfrm>
-          <a:prstGeom prst="rect">
-            <a:avLst/>
-          </a:prstGeom>
-          <a:noFill/>
-          <a:ln w="12700" cap="flat">
-            <a:noFill/>
-            <a:miter lim="400000"/>
-          </a:ln>
-          <a:effectLst/>
-          <a:sp3d/>
-        </p:spPr>
-        <p:style>
-          <a:lnRef idx="0">
-            <a:scrgbClr r="0" g="0" b="0"/>
-          </a:lnRef>
-          <a:fillRef idx="0">
-            <a:scrgbClr r="0" g="0" b="0"/>
-          </a:fillRef>
-          <a:effectRef idx="0">
-            <a:scrgbClr r="0" g="0" b="0"/>
-          </a:effectRef>
-          <a:fontRef idx="none"/>
-        </p:style>
-        <p:txBody>
-          <a:bodyPr rot="0" spcFirstLastPara="1" vertOverflow="overflow" horzOverflow="overflow" vert="horz" wrap="square" lIns="45719" tIns="45719" rIns="45719" bIns="45719" numCol="1" spcCol="38100" rtlCol="0" anchor="t">
+      <p:sp>
+        <p:nvSpPr>
+          <p:cNvPr id="6" name="矩形 5">
+            <a:extLst>
+              <a:ext uri="{FF2B5EF4-FFF2-40B4-BE49-F238E27FC236}">
+                <a16:creationId xmlns:a16="http://schemas.microsoft.com/office/drawing/2014/main" id="{34581722-FED3-4A9D-8C8A-6F392E2CE5C5}"/>
+              </a:ext>
+            </a:extLst>
+          </p:cNvPr>
+          <p:cNvSpPr/>
+          <p:nvPr/>
+        </p:nvSpPr>
+        <p:spPr>
+          <a:xfrm>
+            <a:off x="1106311" y="1508863"/>
+            <a:ext cx="6096000" cy="1754326"/>
+          </a:xfrm>
+          <a:prstGeom prst="rect">
+            <a:avLst/>
+          </a:prstGeom>
+        </p:spPr>
+        <p:txBody>
+          <a:bodyPr>
             <a:spAutoFit/>
           </a:bodyPr>
           <a:lstStyle/>
           <a:p>
-            <a:pPr marR="0" algn="l" defTabSz="914400" rtl="0" fontAlgn="auto" latinLnBrk="0" hangingPunct="0">
-              <a:lnSpc>
-                <a:spcPct val="100000"/>
-              </a:lnSpc>
-              <a:spcBef>
-                <a:spcPts val="0"/>
-              </a:spcBef>
-              <a:spcAft>
-                <a:spcPts val="0"/>
-              </a:spcAft>
-              <a:buClrTx/>
-              <a:buSzTx/>
-              <a:tabLst/>
-            </a:pPr>
-            <a:r>
-              <a:rPr kumimoji="0" lang="en-US" altLang="zh-CN" sz="1800" b="0" i="0" u="none" strike="noStrike" cap="none" spc="0" normalizeH="0" baseline="0" dirty="0" err="1">
-                <a:ln>
-                  <a:noFill/>
-                </a:ln>
-                <a:solidFill>
-                  <a:srgbClr val="000000"/>
-                </a:solidFill>
-                <a:effectLst/>
-                <a:uFillTx/>
-                <a:latin typeface="+mj-lt"/>
-                <a:ea typeface="+mj-ea"/>
-                <a:cs typeface="+mj-cs"/>
-                <a:sym typeface="Calibri"/>
+            <a:r>
+              <a:rPr lang="zh-CN" altLang="zh-CN" dirty="0">
+                <a:ea typeface="等线" panose="02010600030101010101" pitchFamily="2" charset="-122"/>
+                <a:cs typeface="Times New Roman" panose="02020603050405020304" pitchFamily="18" charset="0"/>
               </a:rPr>
-              <a:t>GCRoot</a:t>
-            </a:r>
-            <a:r>
-              <a:rPr kumimoji="0" lang="zh-CN" altLang="en-US" sz="1800" b="0" i="0" u="none" strike="noStrike" cap="none" spc="0" normalizeH="0" baseline="0" dirty="0">
-                <a:ln>
-                  <a:noFill/>
-                </a:ln>
-                <a:solidFill>
-                  <a:srgbClr val="000000"/>
-                </a:solidFill>
-                <a:effectLst/>
-                <a:uFillTx/>
-                <a:latin typeface="+mj-lt"/>
-                <a:ea typeface="+mj-ea"/>
-                <a:cs typeface="+mj-cs"/>
-                <a:sym typeface="Calibri"/>
+              <a:t>在</a:t>
+            </a:r>
+            <a:r>
+              <a:rPr lang="en-US" altLang="zh-CN" dirty="0">
+                <a:ea typeface="等线" panose="02010600030101010101" pitchFamily="2" charset="-122"/>
+                <a:cs typeface="Times New Roman" panose="02020603050405020304" pitchFamily="18" charset="0"/>
               </a:rPr>
-              <a:t>对象：</a:t>
-            </a:r>
-            <a:endParaRPr kumimoji="0" lang="en-US" altLang="zh-CN" sz="1800" b="0" i="0" u="none" strike="noStrike" cap="none" spc="0" normalizeH="0" baseline="0" dirty="0">
-              <a:ln>
-                <a:noFill/>
-              </a:ln>
-              <a:solidFill>
-                <a:srgbClr val="000000"/>
-              </a:solidFill>
-              <a:effectLst/>
-              <a:uFillTx/>
-              <a:latin typeface="+mj-lt"/>
-              <a:ea typeface="+mj-ea"/>
-              <a:cs typeface="+mj-cs"/>
-              <a:sym typeface="Calibri"/>
-            </a:endParaRPr>
-          </a:p>
-          <a:p>
-            <a:pPr marL="285750" marR="0" indent="-285750" algn="l" defTabSz="914400" rtl="0" fontAlgn="auto" latinLnBrk="0" hangingPunct="0">
-              <a:lnSpc>
-                <a:spcPct val="100000"/>
-              </a:lnSpc>
-              <a:spcBef>
-                <a:spcPts val="0"/>
-              </a:spcBef>
-              <a:spcAft>
-                <a:spcPts val="0"/>
-              </a:spcAft>
-              <a:buClrTx/>
-              <a:buSzTx/>
-              <a:buFont typeface="Wingdings" charset="2"/>
-              <a:buChar char="n"/>
-              <a:tabLst/>
-            </a:pPr>
-            <a:r>
-              <a:rPr kumimoji="0" lang="zh-CN" altLang="en-US" sz="1800" b="0" i="0" u="none" strike="noStrike" cap="none" spc="0" normalizeH="0" baseline="0" dirty="0">
-                <a:ln>
-                  <a:noFill/>
-                </a:ln>
-                <a:solidFill>
-                  <a:srgbClr val="000000"/>
-                </a:solidFill>
-                <a:effectLst/>
-                <a:uFillTx/>
-                <a:latin typeface="+mj-lt"/>
-                <a:ea typeface="+mj-ea"/>
-                <a:cs typeface="+mj-cs"/>
-                <a:sym typeface="Calibri"/>
+              <a:t>JDK 1.4</a:t>
+            </a:r>
+            <a:r>
+              <a:rPr lang="zh-CN" altLang="zh-CN" dirty="0">
+                <a:ea typeface="等线" panose="02010600030101010101" pitchFamily="2" charset="-122"/>
+                <a:cs typeface="Times New Roman" panose="02020603050405020304" pitchFamily="18" charset="0"/>
               </a:rPr>
-              <a:t>虚拟机栈栈帧的局部变量表引用的对象</a:t>
-            </a:r>
-            <a:endParaRPr kumimoji="0" lang="en-US" altLang="zh-CN" sz="1800" b="0" i="0" u="none" strike="noStrike" cap="none" spc="0" normalizeH="0" baseline="0" dirty="0">
-              <a:ln>
-                <a:noFill/>
-              </a:ln>
-              <a:solidFill>
-                <a:srgbClr val="000000"/>
-              </a:solidFill>
-              <a:effectLst/>
-              <a:uFillTx/>
-              <a:latin typeface="+mj-lt"/>
-              <a:ea typeface="+mj-ea"/>
-              <a:cs typeface="+mj-cs"/>
-              <a:sym typeface="Calibri"/>
-            </a:endParaRPr>
-          </a:p>
-          <a:p>
-            <a:pPr marL="285750" marR="0" indent="-285750" algn="l" defTabSz="914400" rtl="0" fontAlgn="auto" latinLnBrk="0" hangingPunct="0">
-              <a:lnSpc>
-                <a:spcPct val="100000"/>
-              </a:lnSpc>
-              <a:spcBef>
-                <a:spcPts val="0"/>
-              </a:spcBef>
-              <a:spcAft>
-                <a:spcPts val="0"/>
-              </a:spcAft>
-              <a:buClrTx/>
-              <a:buSzTx/>
-              <a:buFont typeface="Wingdings" charset="2"/>
-              <a:buChar char="n"/>
-              <a:tabLst/>
-            </a:pPr>
-            <a:r>
-              <a:rPr lang="zh-CN" altLang="en-US" dirty="0"/>
-              <a:t>本地方法栈</a:t>
-            </a:r>
-            <a:r>
-              <a:rPr lang="en-US" altLang="zh-CN" dirty="0"/>
-              <a:t>JNI</a:t>
-            </a:r>
-            <a:r>
-              <a:rPr lang="zh-CN" altLang="en-US" dirty="0"/>
-              <a:t>所引用的对象</a:t>
-            </a:r>
-            <a:endParaRPr lang="en-US" altLang="zh-CN" dirty="0"/>
-          </a:p>
-          <a:p>
-            <a:pPr marL="285750" marR="0" indent="-285750" algn="l" defTabSz="914400" rtl="0" fontAlgn="auto" latinLnBrk="0" hangingPunct="0">
-              <a:lnSpc>
-                <a:spcPct val="100000"/>
-              </a:lnSpc>
-              <a:spcBef>
-                <a:spcPts val="0"/>
-              </a:spcBef>
-              <a:spcAft>
-                <a:spcPts val="0"/>
-              </a:spcAft>
-              <a:buClrTx/>
-              <a:buSzTx/>
-              <a:buFont typeface="Wingdings" charset="2"/>
-              <a:buChar char="n"/>
-              <a:tabLst/>
-            </a:pPr>
-            <a:r>
-              <a:rPr kumimoji="0" lang="zh-CN" altLang="en-US" sz="1800" b="0" i="0" u="none" strike="noStrike" cap="none" spc="0" normalizeH="0" baseline="0" dirty="0">
-                <a:ln>
-                  <a:noFill/>
-                </a:ln>
-                <a:solidFill>
-                  <a:srgbClr val="000000"/>
-                </a:solidFill>
-                <a:effectLst/>
-                <a:uFillTx/>
-                <a:latin typeface="+mj-lt"/>
-                <a:ea typeface="+mj-ea"/>
-                <a:cs typeface="+mj-cs"/>
-                <a:sym typeface="Calibri"/>
+              <a:t>中新加入了</a:t>
+            </a:r>
+            <a:r>
+              <a:rPr lang="en-US" altLang="zh-CN" dirty="0">
+                <a:ea typeface="等线" panose="02010600030101010101" pitchFamily="2" charset="-122"/>
+                <a:cs typeface="Times New Roman" panose="02020603050405020304" pitchFamily="18" charset="0"/>
               </a:rPr>
-              <a:t>方法区的静态变量和常量所引用的变量</a:t>
-            </a:r>
+              <a:t>NIO</a:t>
+            </a:r>
+            <a:r>
+              <a:rPr lang="zh-CN" altLang="zh-CN" dirty="0">
+                <a:ea typeface="等线" panose="02010600030101010101" pitchFamily="2" charset="-122"/>
+                <a:cs typeface="Times New Roman" panose="02020603050405020304" pitchFamily="18" charset="0"/>
+              </a:rPr>
+              <a:t>（</a:t>
+            </a:r>
+            <a:r>
+              <a:rPr lang="en-US" altLang="zh-CN" dirty="0">
+                <a:ea typeface="等线" panose="02010600030101010101" pitchFamily="2" charset="-122"/>
+                <a:cs typeface="Times New Roman" panose="02020603050405020304" pitchFamily="18" charset="0"/>
+              </a:rPr>
+              <a:t>New </a:t>
+            </a:r>
+            <a:r>
+              <a:rPr lang="en-US" altLang="zh-CN" dirty="0" err="1">
+                <a:ea typeface="等线" panose="02010600030101010101" pitchFamily="2" charset="-122"/>
+                <a:cs typeface="Times New Roman" panose="02020603050405020304" pitchFamily="18" charset="0"/>
+              </a:rPr>
+              <a:t>Input/Output</a:t>
+            </a:r>
+            <a:r>
+              <a:rPr lang="zh-CN" altLang="zh-CN" dirty="0">
+                <a:ea typeface="等线" panose="02010600030101010101" pitchFamily="2" charset="-122"/>
+                <a:cs typeface="Times New Roman" panose="02020603050405020304" pitchFamily="18" charset="0"/>
+              </a:rPr>
+              <a:t>）类，引入了一种基于通道（</a:t>
+            </a:r>
+            <a:r>
+              <a:rPr lang="en-US" altLang="zh-CN" dirty="0">
+                <a:ea typeface="等线" panose="02010600030101010101" pitchFamily="2" charset="-122"/>
+                <a:cs typeface="Times New Roman" panose="02020603050405020304" pitchFamily="18" charset="0"/>
+              </a:rPr>
+              <a:t>Channel</a:t>
+            </a:r>
+            <a:r>
+              <a:rPr lang="zh-CN" altLang="zh-CN" dirty="0">
+                <a:ea typeface="等线" panose="02010600030101010101" pitchFamily="2" charset="-122"/>
+                <a:cs typeface="Times New Roman" panose="02020603050405020304" pitchFamily="18" charset="0"/>
+              </a:rPr>
+              <a:t>）与缓 冲区（</a:t>
+            </a:r>
+            <a:r>
+              <a:rPr lang="en-US" altLang="zh-CN" dirty="0">
+                <a:ea typeface="等线" panose="02010600030101010101" pitchFamily="2" charset="-122"/>
+                <a:cs typeface="Times New Roman" panose="02020603050405020304" pitchFamily="18" charset="0"/>
+              </a:rPr>
+              <a:t>Buffer</a:t>
+            </a:r>
+            <a:r>
+              <a:rPr lang="zh-CN" altLang="zh-CN" dirty="0">
+                <a:ea typeface="等线" panose="02010600030101010101" pitchFamily="2" charset="-122"/>
+                <a:cs typeface="Times New Roman" panose="02020603050405020304" pitchFamily="18" charset="0"/>
+              </a:rPr>
+              <a:t>）的</a:t>
+            </a:r>
+            <a:r>
+              <a:rPr lang="en-US" altLang="zh-CN" dirty="0">
+                <a:ea typeface="等线" panose="02010600030101010101" pitchFamily="2" charset="-122"/>
+                <a:cs typeface="Times New Roman" panose="02020603050405020304" pitchFamily="18" charset="0"/>
+              </a:rPr>
+              <a:t>I/O</a:t>
+            </a:r>
+            <a:r>
+              <a:rPr lang="zh-CN" altLang="zh-CN" dirty="0">
+                <a:ea typeface="等线" panose="02010600030101010101" pitchFamily="2" charset="-122"/>
+                <a:cs typeface="Times New Roman" panose="02020603050405020304" pitchFamily="18" charset="0"/>
+              </a:rPr>
+              <a:t>方式，它可以使用</a:t>
+            </a:r>
+            <a:r>
+              <a:rPr lang="en-US" altLang="zh-CN" dirty="0">
+                <a:ea typeface="等线" panose="02010600030101010101" pitchFamily="2" charset="-122"/>
+                <a:cs typeface="Times New Roman" panose="02020603050405020304" pitchFamily="18" charset="0"/>
+              </a:rPr>
+              <a:t>Native</a:t>
+            </a:r>
+            <a:r>
+              <a:rPr lang="zh-CN" altLang="zh-CN" dirty="0">
+                <a:ea typeface="等线" panose="02010600030101010101" pitchFamily="2" charset="-122"/>
+                <a:cs typeface="Times New Roman" panose="02020603050405020304" pitchFamily="18" charset="0"/>
+              </a:rPr>
+              <a:t>函数库直接分配堆外内存，然后通过一个存储 在</a:t>
+            </a:r>
+            <a:r>
+              <a:rPr lang="en-US" altLang="zh-CN" dirty="0">
+                <a:ea typeface="等线" panose="02010600030101010101" pitchFamily="2" charset="-122"/>
+                <a:cs typeface="Times New Roman" panose="02020603050405020304" pitchFamily="18" charset="0"/>
+              </a:rPr>
+              <a:t>Java</a:t>
+            </a:r>
+            <a:r>
+              <a:rPr lang="zh-CN" altLang="zh-CN" dirty="0">
+                <a:ea typeface="等线" panose="02010600030101010101" pitchFamily="2" charset="-122"/>
+                <a:cs typeface="Times New Roman" panose="02020603050405020304" pitchFamily="18" charset="0"/>
+              </a:rPr>
+              <a:t>堆中的</a:t>
+            </a:r>
+            <a:r>
+              <a:rPr lang="en-US" altLang="zh-CN" dirty="0" err="1">
+                <a:ea typeface="等线" panose="02010600030101010101" pitchFamily="2" charset="-122"/>
+                <a:cs typeface="Times New Roman" panose="02020603050405020304" pitchFamily="18" charset="0"/>
+              </a:rPr>
+              <a:t>DirectByteBuffer</a:t>
+            </a:r>
+            <a:r>
+              <a:rPr lang="zh-CN" altLang="zh-CN" dirty="0">
+                <a:ea typeface="等线" panose="02010600030101010101" pitchFamily="2" charset="-122"/>
+                <a:cs typeface="Times New Roman" panose="02020603050405020304" pitchFamily="18" charset="0"/>
+              </a:rPr>
+              <a:t>对象作为这块内存的引用进行操作。这样能在一些场景中显著 提高性能，因为避免了在</a:t>
+            </a:r>
+            <a:r>
+              <a:rPr lang="en-US" altLang="zh-CN" dirty="0">
+                <a:ea typeface="等线" panose="02010600030101010101" pitchFamily="2" charset="-122"/>
+                <a:cs typeface="Times New Roman" panose="02020603050405020304" pitchFamily="18" charset="0"/>
+              </a:rPr>
+              <a:t>Java</a:t>
+            </a:r>
+            <a:r>
+              <a:rPr lang="zh-CN" altLang="zh-CN" dirty="0">
+                <a:ea typeface="等线" panose="02010600030101010101" pitchFamily="2" charset="-122"/>
+                <a:cs typeface="Times New Roman" panose="02020603050405020304" pitchFamily="18" charset="0"/>
+              </a:rPr>
+              <a:t>堆和</a:t>
+            </a:r>
+            <a:r>
+              <a:rPr lang="en-US" altLang="zh-CN" dirty="0">
+                <a:ea typeface="等线" panose="02010600030101010101" pitchFamily="2" charset="-122"/>
+                <a:cs typeface="Times New Roman" panose="02020603050405020304" pitchFamily="18" charset="0"/>
+              </a:rPr>
+              <a:t>Native</a:t>
+            </a:r>
+            <a:r>
+              <a:rPr lang="zh-CN" altLang="zh-CN" dirty="0">
+                <a:ea typeface="等线" panose="02010600030101010101" pitchFamily="2" charset="-122"/>
+                <a:cs typeface="Times New Roman" panose="02020603050405020304" pitchFamily="18" charset="0"/>
+              </a:rPr>
+              <a:t>堆中来回复制数据</a:t>
+            </a:r>
+            <a:endParaRPr lang="zh-CN" altLang="en-US" dirty="0"/>
           </a:p>
         </p:txBody>
       </p:sp>
     </p:spTree>
     <p:extLst>
       <p:ext uri="{BB962C8B-B14F-4D97-AF65-F5344CB8AC3E}">
-        <p14:creationId xmlns:p14="http://schemas.microsoft.com/office/powerpoint/2010/main" val="65184367"/>
+        <p14:creationId xmlns:p14="http://schemas.microsoft.com/office/powerpoint/2010/main" val="2235417563"/>
       </p:ext>
     </p:extLst>
   </p:cSld>
@@ -9002,7 +12476,7 @@
         <p:spPr>
           <a:xfrm>
             <a:off x="398353" y="134694"/>
-            <a:ext cx="2754919" cy="477054"/>
+            <a:ext cx="1793118" cy="477054"/>
           </a:xfrm>
           <a:prstGeom prst="rect">
             <a:avLst/>
@@ -9012,7 +12486,7 @@
           </a:ln>
           <a:extLst>
             <a:ext uri="{C572A759-6A51-4108-AA02-DFA0A04FC94B}">
-              <ma14:wrappingTextBoxFlag xmlns:ma14="http://schemas.microsoft.com/office/mac/drawingml/2011/main" xmlns="" val="1"/>
+              <ma14:wrappingTextBoxFlag xmlns="" xmlns:ma14="http://schemas.microsoft.com/office/mac/drawingml/2011/main" val="1"/>
             </a:ext>
           </a:extLst>
         </p:spPr>
@@ -9040,7 +12514,7 @@
             </a:r>
             <a:r>
               <a:rPr lang="zh-CN" altLang="en-US" dirty="0"/>
-              <a:t>内存模型</a:t>
+              <a:t>堆</a:t>
             </a:r>
             <a:endParaRPr dirty="0"/>
           </a:p>
@@ -9126,10 +12600,10 @@
       </p:sp>
       <p:pic>
         <p:nvPicPr>
-          <p:cNvPr id="6" name="图片 5">
+          <p:cNvPr id="7" name="图片 6">
             <a:extLst>
               <a:ext uri="{FF2B5EF4-FFF2-40B4-BE49-F238E27FC236}">
-                <a16:creationId xmlns:a16="http://schemas.microsoft.com/office/drawing/2014/main" id="{36BEF7F8-7007-4D87-827D-E8DC50438BD0}"/>
+                <a16:creationId xmlns:a16="http://schemas.microsoft.com/office/drawing/2014/main" id="{4CF6238C-6914-4711-8E98-580643C792B0}"/>
               </a:ext>
             </a:extLst>
           </p:cNvPr>
@@ -9146,8 +12620,8 @@
         </p:blipFill>
         <p:spPr>
           <a:xfrm>
-            <a:off x="1401586" y="1055296"/>
-            <a:ext cx="6115050" cy="1743075"/>
+            <a:off x="1768298" y="1429631"/>
+            <a:ext cx="5381625" cy="2486025"/>
           </a:xfrm>
           <a:prstGeom prst="rect">
             <a:avLst/>
@@ -9156,155 +12630,176 @@
       </p:pic>
       <p:sp>
         <p:nvSpPr>
-          <p:cNvPr id="8" name="矩形 7">
+          <p:cNvPr id="8" name="文本框 7">
             <a:extLst>
               <a:ext uri="{FF2B5EF4-FFF2-40B4-BE49-F238E27FC236}">
-                <a16:creationId xmlns:a16="http://schemas.microsoft.com/office/drawing/2014/main" id="{9F713F89-DAAA-4E99-A509-4D457A9968D3}"/>
+                <a16:creationId xmlns:a16="http://schemas.microsoft.com/office/drawing/2014/main" id="{D2B9345C-6360-4DDE-9D3D-58EE0989AD41}"/>
               </a:ext>
             </a:extLst>
           </p:cNvPr>
-          <p:cNvSpPr/>
-          <p:nvPr/>
-        </p:nvSpPr>
-        <p:spPr>
-          <a:xfrm>
-            <a:off x="1401586" y="2999559"/>
-            <a:ext cx="6096000" cy="923330"/>
-          </a:xfrm>
-          <a:prstGeom prst="rect">
-            <a:avLst/>
-          </a:prstGeom>
-        </p:spPr>
-        <p:txBody>
-          <a:bodyPr>
+          <p:cNvSpPr txBox="1"/>
+          <p:nvPr/>
+        </p:nvSpPr>
+        <p:spPr>
+          <a:xfrm>
+            <a:off x="906681" y="4564575"/>
+            <a:ext cx="7238518" cy="2031323"/>
+          </a:xfrm>
+          <a:prstGeom prst="rect">
+            <a:avLst/>
+          </a:prstGeom>
+          <a:noFill/>
+          <a:ln w="12700" cap="flat">
+            <a:noFill/>
+            <a:miter lim="400000"/>
+          </a:ln>
+          <a:effectLst/>
+          <a:sp3d/>
+        </p:spPr>
+        <p:style>
+          <a:lnRef idx="0">
+            <a:scrgbClr r="0" g="0" b="0"/>
+          </a:lnRef>
+          <a:fillRef idx="0">
+            <a:scrgbClr r="0" g="0" b="0"/>
+          </a:fillRef>
+          <a:effectRef idx="0">
+            <a:scrgbClr r="0" g="0" b="0"/>
+          </a:effectRef>
+          <a:fontRef idx="none"/>
+        </p:style>
+        <p:txBody>
+          <a:bodyPr rot="0" spcFirstLastPara="1" vertOverflow="overflow" horzOverflow="overflow" vert="horz" wrap="none" lIns="45719" tIns="45719" rIns="45719" bIns="45719" numCol="1" spcCol="38100" rtlCol="0" anchor="t">
             <a:spAutoFit/>
           </a:bodyPr>
           <a:lstStyle/>
           <a:p>
             <a:r>
-              <a:rPr lang="en-US" altLang="zh-CN" dirty="0">
-                <a:latin typeface="Verdana" panose="020B0604030504040204" pitchFamily="34" charset="0"/>
-              </a:rPr>
+              <a:rPr lang="en-US" altLang="zh-CN" dirty="0"/>
               <a:t>Java</a:t>
             </a:r>
             <a:r>
-              <a:rPr lang="zh-CN" altLang="en-US" dirty="0">
-                <a:latin typeface="Verdana" panose="020B0604030504040204" pitchFamily="34" charset="0"/>
-              </a:rPr>
-              <a:t>内存模型的主要目标是定义程序中各个变量的访问规则，即在虚拟机中将变量存储到内存和从内存中取出变量这样底层细节</a:t>
-            </a:r>
-            <a:endParaRPr lang="zh-CN" altLang="en-US" dirty="0"/>
-          </a:p>
-        </p:txBody>
-      </p:sp>
-      <p:sp>
-        <p:nvSpPr>
-          <p:cNvPr id="9" name="矩形 8">
-            <a:extLst>
-              <a:ext uri="{FF2B5EF4-FFF2-40B4-BE49-F238E27FC236}">
-                <a16:creationId xmlns:a16="http://schemas.microsoft.com/office/drawing/2014/main" id="{445AD209-C4BE-4BF3-A565-9A16ACE7BA99}"/>
-              </a:ext>
-            </a:extLst>
-          </p:cNvPr>
-          <p:cNvSpPr/>
-          <p:nvPr/>
-        </p:nvSpPr>
-        <p:spPr>
-          <a:xfrm>
-            <a:off x="1401586" y="3922889"/>
-            <a:ext cx="6096000" cy="923330"/>
-          </a:xfrm>
-          <a:prstGeom prst="rect">
-            <a:avLst/>
-          </a:prstGeom>
-        </p:spPr>
-        <p:txBody>
-          <a:bodyPr>
-            <a:spAutoFit/>
-          </a:bodyPr>
-          <a:lstStyle/>
-          <a:p>
-            <a:r>
-              <a:rPr lang="en-US" altLang="zh-CN" dirty="0">
-                <a:latin typeface="Verdana" panose="020B0604030504040204" pitchFamily="34" charset="0"/>
-              </a:rPr>
+              <a:rPr lang="zh-CN" altLang="en-US" dirty="0"/>
+              <a:t>堆是垃圾收集器管理的主要区域，因此很多时候也被称做“</a:t>
+            </a:r>
+            <a:r>
+              <a:rPr lang="en-US" altLang="zh-CN" dirty="0"/>
+              <a:t>GC</a:t>
+            </a:r>
+            <a:r>
+              <a:rPr lang="zh-CN" altLang="en-US" dirty="0"/>
+              <a:t>堆”。 </a:t>
+            </a:r>
+            <a:endParaRPr lang="en-US" altLang="zh-CN" dirty="0"/>
+          </a:p>
+          <a:p>
+            <a:r>
+              <a:rPr lang="zh-CN" altLang="en-US" dirty="0"/>
+              <a:t>从内存回收的角度来看，由于现在收集器基 本都采用分代收集算法，</a:t>
+            </a:r>
+            <a:endParaRPr lang="en-US" altLang="zh-CN" dirty="0"/>
+          </a:p>
+          <a:p>
+            <a:r>
+              <a:rPr lang="zh-CN" altLang="en-US" dirty="0"/>
+              <a:t>所以</a:t>
+            </a:r>
+            <a:r>
+              <a:rPr lang="en-US" altLang="zh-CN" dirty="0"/>
               <a:t>Java</a:t>
             </a:r>
             <a:r>
-              <a:rPr lang="zh-CN" altLang="en-US" dirty="0">
-                <a:latin typeface="Verdana" panose="020B0604030504040204" pitchFamily="34" charset="0"/>
-              </a:rPr>
-              <a:t>内存模型中规定了</a:t>
-            </a:r>
-            <a:r>
-              <a:rPr lang="zh-CN" altLang="en-US" dirty="0">
-                <a:solidFill>
-                  <a:srgbClr val="FF0000"/>
-                </a:solidFill>
-                <a:latin typeface="Verdana" panose="020B0604030504040204" pitchFamily="34" charset="0"/>
-              </a:rPr>
-              <a:t>所有的变量都存储在主内存中，每条线程还有自己的工作内存</a:t>
-            </a:r>
-            <a:r>
-              <a:rPr lang="zh-CN" altLang="en-US" dirty="0">
-                <a:latin typeface="Verdana" panose="020B0604030504040204" pitchFamily="34" charset="0"/>
-              </a:rPr>
-              <a:t>（可以与前面将的处理器的高速缓存类比）</a:t>
-            </a:r>
-            <a:endParaRPr lang="zh-CN" altLang="en-US" dirty="0"/>
-          </a:p>
-        </p:txBody>
-      </p:sp>
-      <p:sp>
-        <p:nvSpPr>
-          <p:cNvPr id="10" name="矩形 9">
-            <a:extLst>
-              <a:ext uri="{FF2B5EF4-FFF2-40B4-BE49-F238E27FC236}">
-                <a16:creationId xmlns:a16="http://schemas.microsoft.com/office/drawing/2014/main" id="{E09CE26B-C457-4935-A7EB-ACFA081E0EEF}"/>
-              </a:ext>
-            </a:extLst>
-          </p:cNvPr>
-          <p:cNvSpPr/>
-          <p:nvPr/>
-        </p:nvSpPr>
-        <p:spPr>
-          <a:xfrm>
-            <a:off x="1401586" y="4991080"/>
-            <a:ext cx="6096000" cy="646331"/>
-          </a:xfrm>
-          <a:prstGeom prst="rect">
-            <a:avLst/>
-          </a:prstGeom>
-        </p:spPr>
-        <p:txBody>
-          <a:bodyPr>
-            <a:spAutoFit/>
-          </a:bodyPr>
-          <a:lstStyle/>
-          <a:p>
-            <a:r>
-              <a:rPr lang="zh-CN" altLang="en-US" dirty="0">
-                <a:solidFill>
-                  <a:srgbClr val="FF0000"/>
-                </a:solidFill>
-                <a:latin typeface="Verdana" panose="020B0604030504040204" pitchFamily="34" charset="0"/>
-              </a:rPr>
-              <a:t>线程对变量的所有操作（读取、赋值）都必须在工作内存中进行，而不能直接读写主内存中的变量</a:t>
-            </a:r>
-            <a:r>
-              <a:rPr lang="zh-CN" altLang="en-US" dirty="0">
-                <a:latin typeface="Verdana" panose="020B0604030504040204" pitchFamily="34" charset="0"/>
-              </a:rPr>
-              <a:t>。</a:t>
-            </a:r>
-            <a:endParaRPr lang="zh-CN" altLang="en-US" dirty="0"/>
+              <a:rPr lang="zh-CN" altLang="en-US" dirty="0"/>
+              <a:t>堆中还可以细分为：新生代和老年代；</a:t>
+            </a:r>
+            <a:endParaRPr lang="en-US" altLang="zh-CN" dirty="0"/>
+          </a:p>
+          <a:p>
+            <a:r>
+              <a:rPr lang="zh-CN" altLang="en-US" dirty="0"/>
+              <a:t>再细致一点的有 </a:t>
+            </a:r>
+            <a:r>
+              <a:rPr lang="en-US" altLang="zh-CN" dirty="0"/>
+              <a:t>Eden</a:t>
+            </a:r>
+            <a:r>
+              <a:rPr lang="zh-CN" altLang="en-US" dirty="0"/>
+              <a:t>空间、</a:t>
+            </a:r>
+            <a:r>
+              <a:rPr lang="en-US" altLang="zh-CN" dirty="0"/>
+              <a:t>From Survivor</a:t>
+            </a:r>
+            <a:r>
+              <a:rPr lang="zh-CN" altLang="en-US" dirty="0"/>
+              <a:t>空间、</a:t>
+            </a:r>
+            <a:r>
+              <a:rPr lang="en-US" altLang="zh-CN" dirty="0"/>
+              <a:t>To Survivor</a:t>
+            </a:r>
+            <a:r>
+              <a:rPr lang="zh-CN" altLang="en-US" dirty="0"/>
+              <a:t>空间等。</a:t>
+            </a:r>
+            <a:endParaRPr lang="en-US" altLang="zh-CN" dirty="0"/>
+          </a:p>
+          <a:p>
+            <a:r>
+              <a:rPr lang="zh-CN" altLang="zh-CN" dirty="0"/>
+              <a:t>内存分配的角度来看，线程共享的</a:t>
+            </a:r>
+            <a:r>
+              <a:rPr lang="en-US" altLang="zh-CN" dirty="0"/>
+              <a:t> Java</a:t>
+            </a:r>
+            <a:r>
+              <a:rPr lang="zh-CN" altLang="zh-CN" dirty="0"/>
+              <a:t>堆中可能划分出多个线程私有的</a:t>
+            </a:r>
+            <a:endParaRPr lang="en-US" altLang="zh-CN" dirty="0"/>
+          </a:p>
+          <a:p>
+            <a:r>
+              <a:rPr lang="zh-CN" altLang="zh-CN" dirty="0"/>
+              <a:t>分配缓冲区（</a:t>
+            </a:r>
+            <a:r>
+              <a:rPr lang="en-US" altLang="zh-CN" dirty="0"/>
+              <a:t>Thread Local Allocation </a:t>
+            </a:r>
+            <a:r>
+              <a:rPr lang="en-US" altLang="zh-CN" dirty="0" err="1"/>
+              <a:t>Buffer,TLAB</a:t>
+            </a:r>
+            <a:r>
+              <a:rPr lang="zh-CN" altLang="zh-CN" dirty="0"/>
+              <a:t>）。</a:t>
+            </a:r>
+          </a:p>
+          <a:p>
+            <a:endParaRPr kumimoji="0" lang="zh-CN" altLang="en-US" sz="1800" b="0" i="0" u="none" strike="noStrike" cap="none" spc="0" normalizeH="0" baseline="0" dirty="0">
+              <a:ln>
+                <a:noFill/>
+              </a:ln>
+              <a:solidFill>
+                <a:srgbClr val="000000"/>
+              </a:solidFill>
+              <a:effectLst/>
+              <a:uFillTx/>
+              <a:latin typeface="+mj-lt"/>
+              <a:ea typeface="+mj-ea"/>
+              <a:cs typeface="+mj-cs"/>
+              <a:sym typeface="Calibri"/>
+            </a:endParaRPr>
           </a:p>
         </p:txBody>
       </p:sp>
     </p:spTree>
     <p:extLst>
       <p:ext uri="{BB962C8B-B14F-4D97-AF65-F5344CB8AC3E}">
-        <p14:creationId xmlns:p14="http://schemas.microsoft.com/office/powerpoint/2010/main" val="1756048342"/>
+        <p14:creationId xmlns:p14="http://schemas.microsoft.com/office/powerpoint/2010/main" val="1550102233"/>
       </p:ext>
     </p:extLst>
   </p:cSld>
@@ -9396,7 +12891,7 @@
         <p:spPr>
           <a:xfrm>
             <a:off x="398353" y="134694"/>
-            <a:ext cx="2113718" cy="861774"/>
+            <a:ext cx="3186127" cy="477054"/>
           </a:xfrm>
           <a:prstGeom prst="rect">
             <a:avLst/>
@@ -9406,7 +12901,7 @@
           </a:ln>
           <a:extLst>
             <a:ext uri="{C572A759-6A51-4108-AA02-DFA0A04FC94B}">
-              <ma14:wrappingTextBoxFlag xmlns:ma14="http://schemas.microsoft.com/office/mac/drawingml/2011/main" xmlns="" val="1"/>
+              <ma14:wrappingTextBoxFlag xmlns="" xmlns:ma14="http://schemas.microsoft.com/office/mac/drawingml/2011/main" val="1"/>
             </a:ext>
           </a:extLst>
         </p:spPr>
@@ -9426,18 +12921,16 @@
           <a:p>
             <a:r>
               <a:rPr lang="zh-CN" altLang="en-US" dirty="0"/>
-              <a:t>对象探秘</a:t>
+              <a:t>内存布局</a:t>
             </a:r>
             <a:r>
               <a:rPr lang="en-US" altLang="zh-CN" dirty="0"/>
               <a:t>-</a:t>
             </a:r>
             <a:r>
-              <a:rPr lang="zh-CN" altLang="zh-CN" dirty="0"/>
-              <a:t>创建</a:t>
-            </a:r>
-          </a:p>
-          <a:p>
+              <a:rPr lang="zh-CN" altLang="en-US" dirty="0"/>
+              <a:t>共享与私有</a:t>
+            </a:r>
             <a:endParaRPr dirty="0"/>
           </a:p>
         </p:txBody>
@@ -9522,13 +13015,7 @@
       </p:sp>
       <p:pic>
         <p:nvPicPr>
-          <p:cNvPr id="4" name="图片 3">
-            <a:extLst>
-              <a:ext uri="{FF2B5EF4-FFF2-40B4-BE49-F238E27FC236}">
-                <a16:creationId xmlns:a16="http://schemas.microsoft.com/office/drawing/2014/main" id="{52B5A882-9E71-4290-A92F-6E5892CF9005}"/>
-              </a:ext>
-            </a:extLst>
-          </p:cNvPr>
+          <p:cNvPr id="4" name="图片 3"/>
           <p:cNvPicPr>
             <a:picLocks noChangeAspect="1"/>
           </p:cNvPicPr>
@@ -9542,327 +13029,18 @@
         </p:blipFill>
         <p:spPr>
           <a:xfrm>
-            <a:off x="875183" y="996468"/>
-            <a:ext cx="3105150" cy="5257800"/>
+            <a:off x="1386348" y="1047543"/>
+            <a:ext cx="8780207" cy="5210005"/>
           </a:xfrm>
           <a:prstGeom prst="rect">
             <a:avLst/>
           </a:prstGeom>
         </p:spPr>
       </p:pic>
-      <p:sp>
-        <p:nvSpPr>
-          <p:cNvPr id="11" name="文本框 10">
-            <a:extLst>
-              <a:ext uri="{FF2B5EF4-FFF2-40B4-BE49-F238E27FC236}">
-                <a16:creationId xmlns:a16="http://schemas.microsoft.com/office/drawing/2014/main" id="{AC82ECB8-13CD-47B9-917F-DAF43BFC8031}"/>
-              </a:ext>
-            </a:extLst>
-          </p:cNvPr>
-          <p:cNvSpPr txBox="1"/>
-          <p:nvPr/>
-        </p:nvSpPr>
-        <p:spPr>
-          <a:xfrm>
-            <a:off x="5983111" y="2065867"/>
-            <a:ext cx="3157273" cy="923328"/>
-          </a:xfrm>
-          <a:prstGeom prst="rect">
-            <a:avLst/>
-          </a:prstGeom>
-          <a:noFill/>
-          <a:ln w="12700" cap="flat">
-            <a:noFill/>
-            <a:miter lim="400000"/>
-          </a:ln>
-          <a:effectLst/>
-          <a:sp3d/>
-        </p:spPr>
-        <p:style>
-          <a:lnRef idx="0">
-            <a:scrgbClr r="0" g="0" b="0"/>
-          </a:lnRef>
-          <a:fillRef idx="0">
-            <a:scrgbClr r="0" g="0" b="0"/>
-          </a:fillRef>
-          <a:effectRef idx="0">
-            <a:scrgbClr r="0" g="0" b="0"/>
-          </a:effectRef>
-          <a:fontRef idx="none"/>
-        </p:style>
-        <p:txBody>
-          <a:bodyPr rot="0" spcFirstLastPara="1" vertOverflow="overflow" horzOverflow="overflow" vert="horz" wrap="none" lIns="45719" tIns="45719" rIns="45719" bIns="45719" numCol="1" spcCol="38100" rtlCol="0" anchor="t">
-            <a:spAutoFit/>
-          </a:bodyPr>
-          <a:lstStyle/>
-          <a:p>
-            <a:pPr marL="0" marR="0" indent="0" algn="l" defTabSz="914400" rtl="0" fontAlgn="auto" latinLnBrk="0" hangingPunct="0">
-              <a:lnSpc>
-                <a:spcPct val="100000"/>
-              </a:lnSpc>
-              <a:spcBef>
-                <a:spcPts val="0"/>
-              </a:spcBef>
-              <a:spcAft>
-                <a:spcPts val="0"/>
-              </a:spcAft>
-              <a:buClrTx/>
-              <a:buSzTx/>
-              <a:buFontTx/>
-              <a:buNone/>
-              <a:tabLst/>
-            </a:pPr>
-            <a:r>
-              <a:rPr lang="zh-CN" altLang="en-US" dirty="0"/>
-              <a:t>内存分配并发问题解决：</a:t>
-            </a:r>
-            <a:endParaRPr lang="en-US" altLang="zh-CN" dirty="0"/>
-          </a:p>
-          <a:p>
-            <a:pPr marL="285750" marR="0" indent="-285750" algn="l" defTabSz="914400" rtl="0" fontAlgn="auto" latinLnBrk="0" hangingPunct="0">
-              <a:lnSpc>
-                <a:spcPct val="100000"/>
-              </a:lnSpc>
-              <a:spcBef>
-                <a:spcPts val="0"/>
-              </a:spcBef>
-              <a:spcAft>
-                <a:spcPts val="0"/>
-              </a:spcAft>
-              <a:buClrTx/>
-              <a:buSzTx/>
-              <a:buFont typeface="Arial" panose="020B0604020202020204" pitchFamily="34" charset="0"/>
-              <a:buChar char="•"/>
-              <a:tabLst/>
-            </a:pPr>
-            <a:r>
-              <a:rPr kumimoji="0" lang="zh-CN" altLang="en-US" sz="1800" b="0" i="0" u="none" strike="noStrike" cap="none" spc="0" normalizeH="0" baseline="0" dirty="0">
-                <a:ln>
-                  <a:noFill/>
-                </a:ln>
-                <a:solidFill>
-                  <a:srgbClr val="000000"/>
-                </a:solidFill>
-                <a:effectLst/>
-                <a:uFillTx/>
-                <a:latin typeface="+mj-lt"/>
-                <a:ea typeface="+mj-ea"/>
-                <a:cs typeface="+mj-cs"/>
-                <a:sym typeface="Calibri"/>
-              </a:rPr>
-              <a:t>同步处理：</a:t>
-            </a:r>
-            <a:r>
-              <a:rPr kumimoji="0" lang="en-US" altLang="zh-CN" sz="1800" b="0" i="0" u="none" strike="noStrike" cap="none" spc="0" normalizeH="0" baseline="0" dirty="0">
-                <a:ln>
-                  <a:noFill/>
-                </a:ln>
-                <a:solidFill>
-                  <a:srgbClr val="000000"/>
-                </a:solidFill>
-                <a:effectLst/>
-                <a:uFillTx/>
-                <a:latin typeface="+mj-lt"/>
-                <a:ea typeface="+mj-ea"/>
-                <a:cs typeface="+mj-cs"/>
-                <a:sym typeface="Calibri"/>
-              </a:rPr>
-              <a:t>CAS</a:t>
-            </a:r>
-            <a:r>
-              <a:rPr kumimoji="0" lang="zh-CN" altLang="en-US" sz="1800" b="0" i="0" u="none" strike="noStrike" cap="none" spc="0" normalizeH="0" baseline="0" dirty="0">
-                <a:ln>
-                  <a:noFill/>
-                </a:ln>
-                <a:solidFill>
-                  <a:srgbClr val="000000"/>
-                </a:solidFill>
-                <a:effectLst/>
-                <a:uFillTx/>
-                <a:latin typeface="+mj-lt"/>
-                <a:ea typeface="+mj-ea"/>
-                <a:cs typeface="+mj-cs"/>
-                <a:sym typeface="Calibri"/>
-              </a:rPr>
-              <a:t>加失败重试</a:t>
-            </a:r>
-            <a:endParaRPr kumimoji="0" lang="en-US" altLang="zh-CN" sz="1800" b="0" i="0" u="none" strike="noStrike" cap="none" spc="0" normalizeH="0" baseline="0" dirty="0">
-              <a:ln>
-                <a:noFill/>
-              </a:ln>
-              <a:solidFill>
-                <a:srgbClr val="000000"/>
-              </a:solidFill>
-              <a:effectLst/>
-              <a:uFillTx/>
-              <a:latin typeface="+mj-lt"/>
-              <a:ea typeface="+mj-ea"/>
-              <a:cs typeface="+mj-cs"/>
-              <a:sym typeface="Calibri"/>
-            </a:endParaRPr>
-          </a:p>
-          <a:p>
-            <a:pPr marL="285750" marR="0" indent="-285750" algn="l" defTabSz="914400" rtl="0" fontAlgn="auto" latinLnBrk="0" hangingPunct="0">
-              <a:lnSpc>
-                <a:spcPct val="100000"/>
-              </a:lnSpc>
-              <a:spcBef>
-                <a:spcPts val="0"/>
-              </a:spcBef>
-              <a:spcAft>
-                <a:spcPts val="0"/>
-              </a:spcAft>
-              <a:buClrTx/>
-              <a:buSzTx/>
-              <a:buFont typeface="Arial" panose="020B0604020202020204" pitchFamily="34" charset="0"/>
-              <a:buChar char="•"/>
-              <a:tabLst/>
-            </a:pPr>
-            <a:r>
-              <a:rPr lang="zh-CN" altLang="en-US" dirty="0"/>
-              <a:t>本地线程分配缓存（</a:t>
-            </a:r>
-            <a:r>
-              <a:rPr lang="en-US" altLang="zh-CN" dirty="0"/>
-              <a:t>TLAB</a:t>
-            </a:r>
-            <a:r>
-              <a:rPr lang="zh-CN" altLang="en-US" dirty="0"/>
-              <a:t>）</a:t>
-            </a:r>
-            <a:endParaRPr kumimoji="0" lang="zh-CN" altLang="en-US" sz="1800" b="0" i="0" u="none" strike="noStrike" cap="none" spc="0" normalizeH="0" baseline="0" dirty="0">
-              <a:ln>
-                <a:noFill/>
-              </a:ln>
-              <a:solidFill>
-                <a:srgbClr val="000000"/>
-              </a:solidFill>
-              <a:effectLst/>
-              <a:uFillTx/>
-              <a:latin typeface="+mj-lt"/>
-              <a:ea typeface="+mj-ea"/>
-              <a:cs typeface="+mj-cs"/>
-              <a:sym typeface="Calibri"/>
-            </a:endParaRPr>
-          </a:p>
-        </p:txBody>
-      </p:sp>
-      <p:sp>
-        <p:nvSpPr>
-          <p:cNvPr id="12" name="文本框 11">
-            <a:extLst>
-              <a:ext uri="{FF2B5EF4-FFF2-40B4-BE49-F238E27FC236}">
-                <a16:creationId xmlns:a16="http://schemas.microsoft.com/office/drawing/2014/main" id="{9D29B6A0-F563-4E07-AEF4-A36876DCD2F4}"/>
-              </a:ext>
-            </a:extLst>
-          </p:cNvPr>
-          <p:cNvSpPr txBox="1"/>
-          <p:nvPr/>
-        </p:nvSpPr>
-        <p:spPr>
-          <a:xfrm>
-            <a:off x="5983111" y="3674186"/>
-            <a:ext cx="4311435" cy="1200327"/>
-          </a:xfrm>
-          <a:prstGeom prst="rect">
-            <a:avLst/>
-          </a:prstGeom>
-          <a:noFill/>
-          <a:ln w="12700" cap="flat">
-            <a:noFill/>
-            <a:miter lim="400000"/>
-          </a:ln>
-          <a:effectLst/>
-          <a:sp3d/>
-        </p:spPr>
-        <p:style>
-          <a:lnRef idx="0">
-            <a:scrgbClr r="0" g="0" b="0"/>
-          </a:lnRef>
-          <a:fillRef idx="0">
-            <a:scrgbClr r="0" g="0" b="0"/>
-          </a:fillRef>
-          <a:effectRef idx="0">
-            <a:scrgbClr r="0" g="0" b="0"/>
-          </a:effectRef>
-          <a:fontRef idx="none"/>
-        </p:style>
-        <p:txBody>
-          <a:bodyPr rot="0" spcFirstLastPara="1" vertOverflow="overflow" horzOverflow="overflow" vert="horz" wrap="none" lIns="45719" tIns="45719" rIns="45719" bIns="45719" numCol="1" spcCol="38100" rtlCol="0" anchor="t">
-            <a:spAutoFit/>
-          </a:bodyPr>
-          <a:lstStyle/>
-          <a:p>
-            <a:r>
-              <a:rPr lang="zh-CN" altLang="en-US" dirty="0"/>
-              <a:t>对象头信息：</a:t>
-            </a:r>
-            <a:endParaRPr lang="en-US" altLang="zh-CN" dirty="0"/>
-          </a:p>
-          <a:p>
-            <a:r>
-              <a:rPr lang="zh-CN" altLang="en-US" dirty="0"/>
-              <a:t>哈希码（</a:t>
-            </a:r>
-            <a:r>
-              <a:rPr lang="en-US" altLang="zh-CN" dirty="0" err="1"/>
-              <a:t>HashCode</a:t>
-            </a:r>
-            <a:r>
-              <a:rPr lang="zh-CN" altLang="en-US" dirty="0"/>
-              <a:t>）、</a:t>
-            </a:r>
-            <a:r>
-              <a:rPr lang="en-US" altLang="zh-CN" dirty="0"/>
-              <a:t>GC</a:t>
-            </a:r>
-            <a:r>
-              <a:rPr lang="zh-CN" altLang="en-US" dirty="0"/>
-              <a:t>分代年龄、锁状</a:t>
-            </a:r>
-            <a:endParaRPr lang="en-US" altLang="zh-CN" dirty="0"/>
-          </a:p>
-          <a:p>
-            <a:r>
-              <a:rPr lang="zh-CN" altLang="en-US" dirty="0"/>
-              <a:t>态标志、线程持有的锁、偏向线程</a:t>
-            </a:r>
-            <a:r>
-              <a:rPr lang="en-US" altLang="zh-CN" dirty="0"/>
-              <a:t>ID</a:t>
-            </a:r>
-            <a:r>
-              <a:rPr lang="zh-CN" altLang="en-US" dirty="0"/>
-              <a:t>、</a:t>
-            </a:r>
-            <a:endParaRPr lang="en-US" altLang="zh-CN" dirty="0"/>
-          </a:p>
-          <a:p>
-            <a:r>
-              <a:rPr lang="zh-CN" altLang="en-US" dirty="0"/>
-              <a:t>偏向时间戳等</a:t>
-            </a:r>
-            <a:endParaRPr kumimoji="0" lang="zh-CN" altLang="en-US" sz="1800" b="0" i="0" u="none" strike="noStrike" cap="none" spc="0" normalizeH="0" baseline="0" dirty="0">
-              <a:ln>
-                <a:noFill/>
-              </a:ln>
-              <a:solidFill>
-                <a:srgbClr val="000000"/>
-              </a:solidFill>
-              <a:effectLst/>
-              <a:uFillTx/>
-              <a:latin typeface="+mj-lt"/>
-              <a:ea typeface="+mj-ea"/>
-              <a:cs typeface="+mj-cs"/>
-              <a:sym typeface="Calibri"/>
-            </a:endParaRPr>
-          </a:p>
-        </p:txBody>
-      </p:sp>
     </p:spTree>
     <p:extLst>
       <p:ext uri="{BB962C8B-B14F-4D97-AF65-F5344CB8AC3E}">
-        <p14:creationId xmlns:p14="http://schemas.microsoft.com/office/powerpoint/2010/main" val="3843365798"/>
+        <p14:creationId xmlns:p14="http://schemas.microsoft.com/office/powerpoint/2010/main" val="3946750298"/>
       </p:ext>
     </p:extLst>
   </p:cSld>

--- a/jvm/jvm内存管理-谭维明.pptx
+++ b/jvm/jvm内存管理-谭维明.pptx
@@ -16,9 +16,9 @@
     <p:sldId id="302" r:id="rId7"/>
     <p:sldId id="303" r:id="rId8"/>
     <p:sldId id="279" r:id="rId9"/>
-    <p:sldId id="290" r:id="rId10"/>
-    <p:sldId id="284" r:id="rId11"/>
-    <p:sldId id="287" r:id="rId12"/>
+    <p:sldId id="284" r:id="rId10"/>
+    <p:sldId id="287" r:id="rId11"/>
+    <p:sldId id="307" r:id="rId12"/>
     <p:sldId id="291" r:id="rId13"/>
     <p:sldId id="306" r:id="rId14"/>
     <p:sldId id="292" r:id="rId15"/>
@@ -652,7 +652,7 @@
     </p:spTree>
     <p:extLst>
       <p:ext uri="{BB962C8B-B14F-4D97-AF65-F5344CB8AC3E}">
-        <p14:creationId xmlns:p14="http://schemas.microsoft.com/office/powerpoint/2010/main" val="336996199"/>
+        <p14:creationId xmlns:p14="http://schemas.microsoft.com/office/powerpoint/2010/main" val="734267989"/>
       </p:ext>
     </p:extLst>
   </p:cSld>
@@ -2212,7 +2212,7 @@
     </p:spTree>
     <p:extLst>
       <p:ext uri="{BB962C8B-B14F-4D97-AF65-F5344CB8AC3E}">
-        <p14:creationId xmlns:p14="http://schemas.microsoft.com/office/powerpoint/2010/main" val="3200362724"/>
+        <p14:creationId xmlns:p14="http://schemas.microsoft.com/office/powerpoint/2010/main" val="309433835"/>
       </p:ext>
     </p:extLst>
   </p:cSld>
@@ -2295,7 +2295,7 @@
     </p:spTree>
     <p:extLst>
       <p:ext uri="{BB962C8B-B14F-4D97-AF65-F5344CB8AC3E}">
-        <p14:creationId xmlns:p14="http://schemas.microsoft.com/office/powerpoint/2010/main" val="309433835"/>
+        <p14:creationId xmlns:p14="http://schemas.microsoft.com/office/powerpoint/2010/main" val="336996199"/>
       </p:ext>
     </p:extLst>
   </p:cSld>
@@ -3939,7 +3939,7 @@
           </a:ln>
           <a:extLst>
             <a:ext uri="{C572A759-6A51-4108-AA02-DFA0A04FC94B}">
-              <ma14:wrappingTextBoxFlag xmlns="" xmlns:ma14="http://schemas.microsoft.com/office/mac/drawingml/2011/main" val="1"/>
+              <ma14:wrappingTextBoxFlag xmlns:ma14="http://schemas.microsoft.com/office/mac/drawingml/2011/main" xmlns="" val="1"/>
             </a:ext>
           </a:extLst>
         </p:spPr>
@@ -3978,7 +3978,7 @@
           </a:ln>
           <a:extLst>
             <a:ext uri="{C572A759-6A51-4108-AA02-DFA0A04FC94B}">
-              <ma14:wrappingTextBoxFlag xmlns="" xmlns:ma14="http://schemas.microsoft.com/office/mac/drawingml/2011/main" val="1"/>
+              <ma14:wrappingTextBoxFlag xmlns:ma14="http://schemas.microsoft.com/office/mac/drawingml/2011/main" xmlns="" val="1"/>
             </a:ext>
           </a:extLst>
         </p:spPr>
@@ -4963,7 +4963,7 @@
           </a:ln>
           <a:extLst>
             <a:ext uri="{C572A759-6A51-4108-AA02-DFA0A04FC94B}">
-              <ma14:wrappingTextBoxFlag xmlns="" xmlns:ma14="http://schemas.microsoft.com/office/mac/drawingml/2011/main" val="1"/>
+              <ma14:wrappingTextBoxFlag xmlns:ma14="http://schemas.microsoft.com/office/mac/drawingml/2011/main" xmlns="" val="1"/>
             </a:ext>
           </a:extLst>
         </p:spPr>
@@ -5025,7 +5025,7 @@
           </a:ln>
           <a:extLst>
             <a:ext uri="{C572A759-6A51-4108-AA02-DFA0A04FC94B}">
-              <ma14:wrappingTextBoxFlag xmlns="" xmlns:ma14="http://schemas.microsoft.com/office/mac/drawingml/2011/main" val="1"/>
+              <ma14:wrappingTextBoxFlag xmlns:ma14="http://schemas.microsoft.com/office/mac/drawingml/2011/main" xmlns="" val="1"/>
             </a:ext>
           </a:extLst>
         </p:spPr>
@@ -5193,7 +5193,7 @@
         <p:spPr>
           <a:xfrm>
             <a:off x="398353" y="134694"/>
-            <a:ext cx="2487217" cy="477054"/>
+            <a:ext cx="3144449" cy="477054"/>
           </a:xfrm>
           <a:prstGeom prst="rect">
             <a:avLst/>
@@ -5203,7 +5203,7 @@
           </a:ln>
           <a:extLst>
             <a:ext uri="{C572A759-6A51-4108-AA02-DFA0A04FC94B}">
-              <ma14:wrappingTextBoxFlag xmlns="" xmlns:ma14="http://schemas.microsoft.com/office/mac/drawingml/2011/main" val="1"/>
+              <ma14:wrappingTextBoxFlag xmlns:ma14="http://schemas.microsoft.com/office/mac/drawingml/2011/main" xmlns="" val="1"/>
             </a:ext>
           </a:extLst>
         </p:spPr>
@@ -5223,15 +5223,15 @@
           <a:p>
             <a:r>
               <a:rPr lang="zh-CN" altLang="en-US" dirty="0"/>
-              <a:t>内存布局</a:t>
+              <a:t>垃圾回收</a:t>
             </a:r>
             <a:r>
               <a:rPr lang="en-US" altLang="zh-CN" dirty="0"/>
-              <a:t>-GC</a:t>
+              <a:t>-</a:t>
             </a:r>
             <a:r>
               <a:rPr lang="zh-CN" altLang="en-US" dirty="0"/>
-              <a:t>流程</a:t>
+              <a:t>可达性分析</a:t>
             </a:r>
             <a:endParaRPr dirty="0"/>
           </a:p>
@@ -5317,7 +5317,7 @@
       </p:sp>
       <p:pic>
         <p:nvPicPr>
-          <p:cNvPr id="7" name="图片 6"/>
+          <p:cNvPr id="4" name="图片 3"/>
           <p:cNvPicPr>
             <a:picLocks noChangeAspect="1"/>
           </p:cNvPicPr>
@@ -5331,18 +5331,238 @@
         </p:blipFill>
         <p:spPr>
           <a:xfrm>
-            <a:off x="457200" y="952034"/>
-            <a:ext cx="6950808" cy="5717458"/>
+            <a:off x="304800" y="1555667"/>
+            <a:ext cx="7324339" cy="4045033"/>
           </a:xfrm>
           <a:prstGeom prst="rect">
             <a:avLst/>
           </a:prstGeom>
         </p:spPr>
       </p:pic>
+      <p:sp>
+        <p:nvSpPr>
+          <p:cNvPr id="6" name="文本框 5"/>
+          <p:cNvSpPr txBox="1"/>
+          <p:nvPr/>
+        </p:nvSpPr>
+        <p:spPr>
+          <a:xfrm>
+            <a:off x="8121445" y="2566219"/>
+            <a:ext cx="3549445" cy="1754324"/>
+          </a:xfrm>
+          <a:prstGeom prst="rect">
+            <a:avLst/>
+          </a:prstGeom>
+          <a:noFill/>
+          <a:ln w="12700" cap="flat">
+            <a:noFill/>
+            <a:miter lim="400000"/>
+          </a:ln>
+          <a:effectLst/>
+          <a:sp3d/>
+        </p:spPr>
+        <p:style>
+          <a:lnRef idx="0">
+            <a:scrgbClr r="0" g="0" b="0"/>
+          </a:lnRef>
+          <a:fillRef idx="0">
+            <a:scrgbClr r="0" g="0" b="0"/>
+          </a:fillRef>
+          <a:effectRef idx="0">
+            <a:scrgbClr r="0" g="0" b="0"/>
+          </a:effectRef>
+          <a:fontRef idx="none"/>
+        </p:style>
+        <p:txBody>
+          <a:bodyPr rot="0" spcFirstLastPara="1" vertOverflow="overflow" horzOverflow="overflow" vert="horz" wrap="square" lIns="45719" tIns="45719" rIns="45719" bIns="45719" numCol="1" spcCol="38100" rtlCol="0" anchor="t">
+            <a:spAutoFit/>
+          </a:bodyPr>
+          <a:lstStyle/>
+          <a:p>
+            <a:pPr marR="0" algn="l" defTabSz="914400" rtl="0" fontAlgn="auto" latinLnBrk="0" hangingPunct="0">
+              <a:lnSpc>
+                <a:spcPct val="100000"/>
+              </a:lnSpc>
+              <a:spcBef>
+                <a:spcPts val="0"/>
+              </a:spcBef>
+              <a:spcAft>
+                <a:spcPts val="0"/>
+              </a:spcAft>
+              <a:buClrTx/>
+              <a:buSzTx/>
+              <a:tabLst/>
+            </a:pPr>
+            <a:r>
+              <a:rPr kumimoji="0" lang="en-US" altLang="zh-CN" sz="1800" b="0" i="0" u="none" strike="noStrike" cap="none" spc="0" normalizeH="0" baseline="0" dirty="0" err="1">
+                <a:ln>
+                  <a:noFill/>
+                </a:ln>
+                <a:solidFill>
+                  <a:srgbClr val="000000"/>
+                </a:solidFill>
+                <a:effectLst/>
+                <a:uFillTx/>
+                <a:latin typeface="+mj-lt"/>
+                <a:ea typeface="+mj-ea"/>
+                <a:cs typeface="+mj-cs"/>
+                <a:sym typeface="Calibri"/>
+              </a:rPr>
+              <a:t>GCRoot</a:t>
+            </a:r>
+            <a:r>
+              <a:rPr kumimoji="0" lang="zh-CN" altLang="en-US" sz="1800" b="0" i="0" u="none" strike="noStrike" cap="none" spc="0" normalizeH="0" baseline="0" dirty="0">
+                <a:ln>
+                  <a:noFill/>
+                </a:ln>
+                <a:solidFill>
+                  <a:srgbClr val="000000"/>
+                </a:solidFill>
+                <a:effectLst/>
+                <a:uFillTx/>
+                <a:latin typeface="+mj-lt"/>
+                <a:ea typeface="+mj-ea"/>
+                <a:cs typeface="+mj-cs"/>
+                <a:sym typeface="Calibri"/>
+              </a:rPr>
+              <a:t>对象：</a:t>
+            </a:r>
+            <a:endParaRPr kumimoji="0" lang="en-US" altLang="zh-CN" sz="1800" b="0" i="0" u="none" strike="noStrike" cap="none" spc="0" normalizeH="0" baseline="0" dirty="0">
+              <a:ln>
+                <a:noFill/>
+              </a:ln>
+              <a:solidFill>
+                <a:srgbClr val="000000"/>
+              </a:solidFill>
+              <a:effectLst/>
+              <a:uFillTx/>
+              <a:latin typeface="+mj-lt"/>
+              <a:ea typeface="+mj-ea"/>
+              <a:cs typeface="+mj-cs"/>
+              <a:sym typeface="Calibri"/>
+            </a:endParaRPr>
+          </a:p>
+          <a:p>
+            <a:pPr marL="285750" marR="0" indent="-285750" algn="l" defTabSz="914400" rtl="0" fontAlgn="auto" latinLnBrk="0" hangingPunct="0">
+              <a:lnSpc>
+                <a:spcPct val="100000"/>
+              </a:lnSpc>
+              <a:spcBef>
+                <a:spcPts val="0"/>
+              </a:spcBef>
+              <a:spcAft>
+                <a:spcPts val="0"/>
+              </a:spcAft>
+              <a:buClrTx/>
+              <a:buSzTx/>
+              <a:buFont typeface="Wingdings" charset="2"/>
+              <a:buChar char="n"/>
+              <a:tabLst/>
+            </a:pPr>
+            <a:r>
+              <a:rPr kumimoji="0" lang="zh-CN" altLang="en-US" sz="1800" b="0" i="0" u="none" strike="noStrike" cap="none" spc="0" normalizeH="0" baseline="0" dirty="0">
+                <a:ln>
+                  <a:noFill/>
+                </a:ln>
+                <a:solidFill>
+                  <a:srgbClr val="000000"/>
+                </a:solidFill>
+                <a:effectLst/>
+                <a:uFillTx/>
+                <a:latin typeface="+mj-lt"/>
+                <a:ea typeface="+mj-ea"/>
+                <a:cs typeface="+mj-cs"/>
+                <a:sym typeface="Calibri"/>
+              </a:rPr>
+              <a:t>虚拟机栈栈帧的局部变量表引用的对象</a:t>
+            </a:r>
+            <a:endParaRPr kumimoji="0" lang="en-US" altLang="zh-CN" sz="1800" b="0" i="0" u="none" strike="noStrike" cap="none" spc="0" normalizeH="0" baseline="0" dirty="0">
+              <a:ln>
+                <a:noFill/>
+              </a:ln>
+              <a:solidFill>
+                <a:srgbClr val="000000"/>
+              </a:solidFill>
+              <a:effectLst/>
+              <a:uFillTx/>
+              <a:latin typeface="+mj-lt"/>
+              <a:ea typeface="+mj-ea"/>
+              <a:cs typeface="+mj-cs"/>
+              <a:sym typeface="Calibri"/>
+            </a:endParaRPr>
+          </a:p>
+          <a:p>
+            <a:pPr marL="285750" marR="0" indent="-285750" algn="l" defTabSz="914400" rtl="0" fontAlgn="auto" latinLnBrk="0" hangingPunct="0">
+              <a:lnSpc>
+                <a:spcPct val="100000"/>
+              </a:lnSpc>
+              <a:spcBef>
+                <a:spcPts val="0"/>
+              </a:spcBef>
+              <a:spcAft>
+                <a:spcPts val="0"/>
+              </a:spcAft>
+              <a:buClrTx/>
+              <a:buSzTx/>
+              <a:buFont typeface="Wingdings" charset="2"/>
+              <a:buChar char="n"/>
+              <a:tabLst/>
+            </a:pPr>
+            <a:r>
+              <a:rPr lang="zh-CN" altLang="en-US" dirty="0"/>
+              <a:t>本地方法栈</a:t>
+            </a:r>
+            <a:r>
+              <a:rPr lang="en-US" altLang="zh-CN" dirty="0"/>
+              <a:t>JNI</a:t>
+            </a:r>
+            <a:r>
+              <a:rPr lang="zh-CN" altLang="en-US" dirty="0"/>
+              <a:t>所引用的对象</a:t>
+            </a:r>
+            <a:endParaRPr lang="en-US" altLang="zh-CN" dirty="0"/>
+          </a:p>
+          <a:p>
+            <a:pPr marL="285750" marR="0" indent="-285750" algn="l" defTabSz="914400" rtl="0" fontAlgn="auto" latinLnBrk="0" hangingPunct="0">
+              <a:lnSpc>
+                <a:spcPct val="100000"/>
+              </a:lnSpc>
+              <a:spcBef>
+                <a:spcPts val="0"/>
+              </a:spcBef>
+              <a:spcAft>
+                <a:spcPts val="0"/>
+              </a:spcAft>
+              <a:buClrTx/>
+              <a:buSzTx/>
+              <a:buFont typeface="Wingdings" charset="2"/>
+              <a:buChar char="n"/>
+              <a:tabLst/>
+            </a:pPr>
+            <a:r>
+              <a:rPr kumimoji="0" lang="zh-CN" altLang="en-US" sz="1800" b="0" i="0" u="none" strike="noStrike" cap="none" spc="0" normalizeH="0" baseline="0" dirty="0">
+                <a:ln>
+                  <a:noFill/>
+                </a:ln>
+                <a:solidFill>
+                  <a:srgbClr val="000000"/>
+                </a:solidFill>
+                <a:effectLst/>
+                <a:uFillTx/>
+                <a:latin typeface="+mj-lt"/>
+                <a:ea typeface="+mj-ea"/>
+                <a:cs typeface="+mj-cs"/>
+                <a:sym typeface="Calibri"/>
+              </a:rPr>
+              <a:t>方法区的静态变量和常量所引用的变量</a:t>
+            </a:r>
+          </a:p>
+        </p:txBody>
+      </p:sp>
     </p:spTree>
     <p:extLst>
       <p:ext uri="{BB962C8B-B14F-4D97-AF65-F5344CB8AC3E}">
-        <p14:creationId xmlns:p14="http://schemas.microsoft.com/office/powerpoint/2010/main" val="1222168770"/>
+        <p14:creationId xmlns:p14="http://schemas.microsoft.com/office/powerpoint/2010/main" val="65184367"/>
       </p:ext>
     </p:extLst>
   </p:cSld>
@@ -5434,7 +5654,7 @@
         <p:spPr>
           <a:xfrm>
             <a:off x="398353" y="134694"/>
-            <a:ext cx="3144449" cy="477054"/>
+            <a:ext cx="2434319" cy="477054"/>
           </a:xfrm>
           <a:prstGeom prst="rect">
             <a:avLst/>
@@ -5444,7 +5664,7 @@
           </a:ln>
           <a:extLst>
             <a:ext uri="{C572A759-6A51-4108-AA02-DFA0A04FC94B}">
-              <ma14:wrappingTextBoxFlag xmlns="" xmlns:ma14="http://schemas.microsoft.com/office/mac/drawingml/2011/main" val="1"/>
+              <ma14:wrappingTextBoxFlag xmlns:ma14="http://schemas.microsoft.com/office/mac/drawingml/2011/main" xmlns="" val="1"/>
             </a:ext>
           </a:extLst>
         </p:spPr>
@@ -5472,7 +5692,7 @@
             </a:r>
             <a:r>
               <a:rPr lang="zh-CN" altLang="en-US" dirty="0"/>
-              <a:t>可达性分析</a:t>
+              <a:t>收集器</a:t>
             </a:r>
             <a:endParaRPr dirty="0"/>
           </a:p>
@@ -5556,246 +5776,283 @@
           </a:p>
         </p:txBody>
       </p:sp>
-      <p:pic>
-        <p:nvPicPr>
-          <p:cNvPr id="4" name="图片 3"/>
-          <p:cNvPicPr>
-            <a:picLocks noChangeAspect="1"/>
-          </p:cNvPicPr>
-          <p:nvPr/>
-        </p:nvPicPr>
-        <p:blipFill>
-          <a:blip r:embed="rId5"/>
-          <a:stretch>
-            <a:fillRect/>
-          </a:stretch>
-        </p:blipFill>
-        <p:spPr>
-          <a:xfrm>
-            <a:off x="304800" y="1555667"/>
-            <a:ext cx="7324339" cy="4045033"/>
-          </a:xfrm>
-          <a:prstGeom prst="rect">
-            <a:avLst/>
-          </a:prstGeom>
-        </p:spPr>
-      </p:pic>
-      <p:sp>
-        <p:nvSpPr>
-          <p:cNvPr id="6" name="文本框 5"/>
-          <p:cNvSpPr txBox="1"/>
-          <p:nvPr/>
-        </p:nvSpPr>
-        <p:spPr>
-          <a:xfrm>
-            <a:off x="8121445" y="2566219"/>
-            <a:ext cx="3549445" cy="1754324"/>
-          </a:xfrm>
-          <a:prstGeom prst="rect">
-            <a:avLst/>
-          </a:prstGeom>
-          <a:noFill/>
-          <a:ln w="12700" cap="flat">
-            <a:noFill/>
-            <a:miter lim="400000"/>
-          </a:ln>
-          <a:effectLst/>
-          <a:sp3d/>
-        </p:spPr>
-        <p:style>
-          <a:lnRef idx="0">
-            <a:scrgbClr r="0" g="0" b="0"/>
-          </a:lnRef>
-          <a:fillRef idx="0">
-            <a:scrgbClr r="0" g="0" b="0"/>
-          </a:fillRef>
-          <a:effectRef idx="0">
-            <a:scrgbClr r="0" g="0" b="0"/>
-          </a:effectRef>
-          <a:fontRef idx="none"/>
-        </p:style>
-        <p:txBody>
-          <a:bodyPr rot="0" spcFirstLastPara="1" vertOverflow="overflow" horzOverflow="overflow" vert="horz" wrap="square" lIns="45719" tIns="45719" rIns="45719" bIns="45719" numCol="1" spcCol="38100" rtlCol="0" anchor="t">
+      <p:sp>
+        <p:nvSpPr>
+          <p:cNvPr id="7" name="矩形 6">
+            <a:extLst>
+              <a:ext uri="{FF2B5EF4-FFF2-40B4-BE49-F238E27FC236}">
+                <a16:creationId xmlns:a16="http://schemas.microsoft.com/office/drawing/2014/main" id="{9D661A0B-FBE6-4B3B-B50B-891B0DE25697}"/>
+              </a:ext>
+            </a:extLst>
+          </p:cNvPr>
+          <p:cNvSpPr/>
+          <p:nvPr/>
+        </p:nvSpPr>
+        <p:spPr>
+          <a:xfrm>
+            <a:off x="398353" y="1254779"/>
+            <a:ext cx="11328400" cy="5078313"/>
+          </a:xfrm>
+          <a:prstGeom prst="rect">
+            <a:avLst/>
+          </a:prstGeom>
+        </p:spPr>
+        <p:txBody>
+          <a:bodyPr wrap="square">
             <a:spAutoFit/>
           </a:bodyPr>
           <a:lstStyle/>
           <a:p>
-            <a:pPr marR="0" algn="l" defTabSz="914400" rtl="0" fontAlgn="auto" latinLnBrk="0" hangingPunct="0">
-              <a:lnSpc>
-                <a:spcPct val="100000"/>
-              </a:lnSpc>
-              <a:spcBef>
-                <a:spcPts val="0"/>
-              </a:spcBef>
-              <a:spcAft>
-                <a:spcPts val="0"/>
-              </a:spcAft>
-              <a:buClrTx/>
-              <a:buSzTx/>
-              <a:tabLst/>
-            </a:pPr>
-            <a:r>
-              <a:rPr kumimoji="0" lang="en-US" altLang="zh-CN" sz="1800" b="0" i="0" u="none" strike="noStrike" cap="none" spc="0" normalizeH="0" baseline="0" dirty="0" err="1">
-                <a:ln>
-                  <a:noFill/>
-                </a:ln>
-                <a:solidFill>
-                  <a:srgbClr val="000000"/>
-                </a:solidFill>
-                <a:effectLst/>
-                <a:uFillTx/>
-                <a:latin typeface="+mj-lt"/>
-                <a:ea typeface="+mj-ea"/>
-                <a:cs typeface="+mj-cs"/>
-                <a:sym typeface="Calibri"/>
-              </a:rPr>
-              <a:t>GCRoot</a:t>
-            </a:r>
-            <a:r>
-              <a:rPr kumimoji="0" lang="zh-CN" altLang="en-US" sz="1800" b="0" i="0" u="none" strike="noStrike" cap="none" spc="0" normalizeH="0" baseline="0" dirty="0">
-                <a:ln>
-                  <a:noFill/>
-                </a:ln>
-                <a:solidFill>
-                  <a:srgbClr val="000000"/>
-                </a:solidFill>
-                <a:effectLst/>
-                <a:uFillTx/>
-                <a:latin typeface="+mj-lt"/>
-                <a:ea typeface="+mj-ea"/>
-                <a:cs typeface="+mj-cs"/>
-                <a:sym typeface="Calibri"/>
-              </a:rPr>
-              <a:t>对象：</a:t>
-            </a:r>
-            <a:endParaRPr kumimoji="0" lang="en-US" altLang="zh-CN" sz="1800" b="0" i="0" u="none" strike="noStrike" cap="none" spc="0" normalizeH="0" baseline="0" dirty="0">
-              <a:ln>
-                <a:noFill/>
-              </a:ln>
-              <a:solidFill>
-                <a:srgbClr val="000000"/>
-              </a:solidFill>
-              <a:effectLst/>
-              <a:uFillTx/>
-              <a:latin typeface="+mj-lt"/>
-              <a:ea typeface="+mj-ea"/>
-              <a:cs typeface="+mj-cs"/>
-              <a:sym typeface="Calibri"/>
-            </a:endParaRPr>
-          </a:p>
-          <a:p>
-            <a:pPr marL="285750" marR="0" indent="-285750" algn="l" defTabSz="914400" rtl="0" fontAlgn="auto" latinLnBrk="0" hangingPunct="0">
-              <a:lnSpc>
-                <a:spcPct val="100000"/>
-              </a:lnSpc>
-              <a:spcBef>
-                <a:spcPts val="0"/>
-              </a:spcBef>
-              <a:spcAft>
-                <a:spcPts val="0"/>
-              </a:spcAft>
-              <a:buClrTx/>
-              <a:buSzTx/>
-              <a:buFont typeface="Wingdings" charset="2"/>
-              <a:buChar char="n"/>
-              <a:tabLst/>
-            </a:pPr>
-            <a:r>
-              <a:rPr kumimoji="0" lang="zh-CN" altLang="en-US" sz="1800" b="0" i="0" u="none" strike="noStrike" cap="none" spc="0" normalizeH="0" baseline="0" dirty="0">
-                <a:ln>
-                  <a:noFill/>
-                </a:ln>
-                <a:solidFill>
-                  <a:srgbClr val="000000"/>
-                </a:solidFill>
-                <a:effectLst/>
-                <a:uFillTx/>
-                <a:latin typeface="+mj-lt"/>
-                <a:ea typeface="+mj-ea"/>
-                <a:cs typeface="+mj-cs"/>
-                <a:sym typeface="Calibri"/>
-              </a:rPr>
-              <a:t>虚拟机栈栈帧的局部变量表引用的对象</a:t>
-            </a:r>
-            <a:endParaRPr kumimoji="0" lang="en-US" altLang="zh-CN" sz="1800" b="0" i="0" u="none" strike="noStrike" cap="none" spc="0" normalizeH="0" baseline="0" dirty="0">
-              <a:ln>
-                <a:noFill/>
-              </a:ln>
-              <a:solidFill>
-                <a:srgbClr val="000000"/>
-              </a:solidFill>
-              <a:effectLst/>
-              <a:uFillTx/>
-              <a:latin typeface="+mj-lt"/>
-              <a:ea typeface="+mj-ea"/>
-              <a:cs typeface="+mj-cs"/>
-              <a:sym typeface="Calibri"/>
-            </a:endParaRPr>
-          </a:p>
-          <a:p>
-            <a:pPr marL="285750" marR="0" indent="-285750" algn="l" defTabSz="914400" rtl="0" fontAlgn="auto" latinLnBrk="0" hangingPunct="0">
-              <a:lnSpc>
-                <a:spcPct val="100000"/>
-              </a:lnSpc>
-              <a:spcBef>
-                <a:spcPts val="0"/>
-              </a:spcBef>
-              <a:spcAft>
-                <a:spcPts val="0"/>
-              </a:spcAft>
-              <a:buClrTx/>
-              <a:buSzTx/>
-              <a:buFont typeface="Wingdings" charset="2"/>
-              <a:buChar char="n"/>
-              <a:tabLst/>
-            </a:pPr>
+            <a:r>
+              <a:rPr lang="en-US" altLang="zh-CN" b="1" dirty="0"/>
+              <a:t>Serial</a:t>
+            </a:r>
+            <a:r>
+              <a:rPr lang="zh-CN" altLang="en-US" b="1" dirty="0"/>
+              <a:t>收集器</a:t>
+            </a:r>
             <a:r>
               <a:rPr lang="zh-CN" altLang="en-US" dirty="0"/>
-              <a:t>本地方法栈</a:t>
+              <a:t>：新生代收集器，使用停止复制算法，使用一个线程进行</a:t>
             </a:r>
             <a:r>
               <a:rPr lang="en-US" altLang="zh-CN" dirty="0"/>
-              <a:t>JNI</a:t>
+              <a:t>GC</a:t>
             </a:r>
             <a:r>
               <a:rPr lang="zh-CN" altLang="en-US" dirty="0"/>
-              <a:t>所引用的对象</a:t>
+              <a:t>，其它工作线程暂停。使用</a:t>
+            </a:r>
+            <a:r>
+              <a:rPr lang="en-US" altLang="zh-CN" dirty="0"/>
+              <a:t>-XX:+</a:t>
+            </a:r>
+            <a:r>
+              <a:rPr lang="en-US" altLang="zh-CN" dirty="0" err="1"/>
+              <a:t>UseSerialGC</a:t>
+            </a:r>
+            <a:r>
+              <a:rPr lang="zh-CN" altLang="en-US" dirty="0"/>
+              <a:t>可以使用</a:t>
+            </a:r>
+            <a:r>
+              <a:rPr lang="en-US" altLang="zh-CN" dirty="0" err="1"/>
+              <a:t>Serial+Serial</a:t>
+            </a:r>
+            <a:r>
+              <a:rPr lang="en-US" altLang="zh-CN" dirty="0"/>
+              <a:t> Old</a:t>
+            </a:r>
+            <a:r>
+              <a:rPr lang="zh-CN" altLang="en-US" dirty="0"/>
+              <a:t>模式运行进行内存回收（这也是虚拟机在</a:t>
+            </a:r>
+            <a:r>
+              <a:rPr lang="en-US" altLang="zh-CN" dirty="0"/>
+              <a:t>Client</a:t>
+            </a:r>
+            <a:r>
+              <a:rPr lang="zh-CN" altLang="en-US" dirty="0"/>
+              <a:t>模式下运行的默认值）</a:t>
+            </a:r>
+          </a:p>
+          <a:p>
+            <a:endParaRPr lang="en-US" altLang="zh-CN" b="1" dirty="0"/>
+          </a:p>
+          <a:p>
+            <a:r>
+              <a:rPr lang="en-US" altLang="zh-CN" b="1" dirty="0" err="1"/>
+              <a:t>ParNew</a:t>
+            </a:r>
+            <a:r>
+              <a:rPr lang="zh-CN" altLang="en-US" b="1" dirty="0"/>
+              <a:t>收集器</a:t>
+            </a:r>
+            <a:r>
+              <a:rPr lang="zh-CN" altLang="en-US" dirty="0"/>
+              <a:t>：新生代收集器，使用停止复制算法，</a:t>
+            </a:r>
+            <a:r>
+              <a:rPr lang="en-US" altLang="zh-CN" dirty="0"/>
+              <a:t>Serial</a:t>
+            </a:r>
+            <a:r>
+              <a:rPr lang="zh-CN" altLang="en-US" dirty="0"/>
+              <a:t>收集器的多线程版，用多个线程进行</a:t>
+            </a:r>
+            <a:r>
+              <a:rPr lang="en-US" altLang="zh-CN" dirty="0"/>
+              <a:t>GC</a:t>
+            </a:r>
+            <a:r>
+              <a:rPr lang="zh-CN" altLang="en-US" dirty="0"/>
+              <a:t>，其它工作线程暂停，关注缩短垃圾收集时间。</a:t>
             </a:r>
             <a:endParaRPr lang="en-US" altLang="zh-CN" dirty="0"/>
           </a:p>
           <a:p>
-            <a:pPr marL="285750" marR="0" indent="-285750" algn="l" defTabSz="914400" rtl="0" fontAlgn="auto" latinLnBrk="0" hangingPunct="0">
-              <a:lnSpc>
-                <a:spcPct val="100000"/>
-              </a:lnSpc>
-              <a:spcBef>
-                <a:spcPts val="0"/>
-              </a:spcBef>
-              <a:spcAft>
-                <a:spcPts val="0"/>
-              </a:spcAft>
-              <a:buClrTx/>
-              <a:buSzTx/>
-              <a:buFont typeface="Wingdings" charset="2"/>
-              <a:buChar char="n"/>
-              <a:tabLst/>
-            </a:pPr>
-            <a:r>
-              <a:rPr kumimoji="0" lang="zh-CN" altLang="en-US" sz="1800" b="0" i="0" u="none" strike="noStrike" cap="none" spc="0" normalizeH="0" baseline="0" dirty="0">
-                <a:ln>
-                  <a:noFill/>
-                </a:ln>
-                <a:solidFill>
-                  <a:srgbClr val="000000"/>
-                </a:solidFill>
-                <a:effectLst/>
-                <a:uFillTx/>
-                <a:latin typeface="+mj-lt"/>
-                <a:ea typeface="+mj-ea"/>
-                <a:cs typeface="+mj-cs"/>
-                <a:sym typeface="Calibri"/>
-              </a:rPr>
-              <a:t>方法区的静态变量和常量所引用的变量</a:t>
+            <a:endParaRPr lang="en-US" altLang="zh-CN" b="1" dirty="0"/>
+          </a:p>
+          <a:p>
+            <a:r>
+              <a:rPr lang="en-US" altLang="zh-CN" b="1" dirty="0"/>
+              <a:t>Parallel Scavenge </a:t>
+            </a:r>
+            <a:r>
+              <a:rPr lang="zh-CN" altLang="en-US" b="1" dirty="0"/>
+              <a:t>收集器</a:t>
+            </a:r>
+            <a:r>
+              <a:rPr lang="zh-CN" altLang="en-US" dirty="0"/>
+              <a:t>：新生代收集器，使用停止复制算法，关注</a:t>
+            </a:r>
+            <a:r>
+              <a:rPr lang="en-US" altLang="zh-CN" dirty="0"/>
+              <a:t>CPU</a:t>
+            </a:r>
+            <a:r>
+              <a:rPr lang="zh-CN" altLang="en-US" dirty="0"/>
+              <a:t>吞吐量。</a:t>
+            </a:r>
+            <a:endParaRPr lang="en-US" altLang="zh-CN" dirty="0"/>
+          </a:p>
+          <a:p>
+            <a:endParaRPr lang="en-US" altLang="zh-CN" b="1" dirty="0"/>
+          </a:p>
+          <a:p>
+            <a:r>
+              <a:rPr lang="en-US" altLang="zh-CN" b="1" dirty="0"/>
+              <a:t>Serial Old</a:t>
+            </a:r>
+            <a:r>
+              <a:rPr lang="zh-CN" altLang="en-US" b="1" dirty="0"/>
+              <a:t>收集器</a:t>
+            </a:r>
+            <a:r>
+              <a:rPr lang="zh-CN" altLang="en-US" dirty="0"/>
+              <a:t>：老年代收集器，单线程收集器，使用标记整理（整理的方法是</a:t>
+            </a:r>
+            <a:r>
+              <a:rPr lang="en-US" altLang="zh-CN" dirty="0"/>
+              <a:t>Sweep</a:t>
+            </a:r>
+            <a:r>
+              <a:rPr lang="zh-CN" altLang="en-US" dirty="0"/>
+              <a:t>（清理）和</a:t>
+            </a:r>
+            <a:r>
+              <a:rPr lang="en-US" altLang="zh-CN" dirty="0"/>
+              <a:t>Compact</a:t>
+            </a:r>
+            <a:r>
+              <a:rPr lang="zh-CN" altLang="en-US" dirty="0"/>
+              <a:t>（压缩），清理是将废弃的对象干掉，只留幸存 的对象，压缩是将移动对象）算法，使用单线程进行</a:t>
+            </a:r>
+            <a:r>
+              <a:rPr lang="en-US" altLang="zh-CN" dirty="0"/>
+              <a:t>GC</a:t>
+            </a:r>
+            <a:r>
+              <a:rPr lang="zh-CN" altLang="en-US" dirty="0"/>
+              <a:t>，其它工作线程暂停（注意，在老年代中进行标 记整理算法清理，也需要暂停其它线程）。</a:t>
+            </a:r>
+          </a:p>
+          <a:p>
+            <a:endParaRPr lang="en-US" altLang="zh-CN" b="1" dirty="0"/>
+          </a:p>
+          <a:p>
+            <a:r>
+              <a:rPr lang="en-US" altLang="zh-CN" b="1" dirty="0"/>
+              <a:t>Parallel Old</a:t>
+            </a:r>
+            <a:r>
+              <a:rPr lang="zh-CN" altLang="en-US" b="1" dirty="0"/>
+              <a:t>收集器</a:t>
+            </a:r>
+            <a:r>
+              <a:rPr lang="zh-CN" altLang="en-US" dirty="0"/>
+              <a:t>：老年代收集器，多线程，多线程机制与</a:t>
+            </a:r>
+            <a:r>
+              <a:rPr lang="en-US" altLang="zh-CN" dirty="0"/>
+              <a:t>Parallel Scavenge</a:t>
+            </a:r>
+            <a:r>
+              <a:rPr lang="zh-CN" altLang="en-US" dirty="0"/>
+              <a:t>差不错，使用标记整理（与</a:t>
+            </a:r>
+            <a:r>
+              <a:rPr lang="en-US" altLang="zh-CN" dirty="0"/>
+              <a:t>Serial Old</a:t>
+            </a:r>
+            <a:r>
+              <a:rPr lang="zh-CN" altLang="en-US" dirty="0"/>
+              <a:t>不同，这里的整理是</a:t>
+            </a:r>
+            <a:r>
+              <a:rPr lang="en-US" altLang="zh-CN" dirty="0"/>
+              <a:t>Summary</a:t>
+            </a:r>
+            <a:r>
+              <a:rPr lang="zh-CN" altLang="en-US" dirty="0"/>
+              <a:t>（汇总）和</a:t>
+            </a:r>
+            <a:r>
+              <a:rPr lang="en-US" altLang="zh-CN" dirty="0"/>
+              <a:t>Compact</a:t>
+            </a:r>
+            <a:r>
+              <a:rPr lang="zh-CN" altLang="en-US" dirty="0"/>
+              <a:t>（压缩），汇总的意思就是将幸存的对象复制到预先准备好的区域，而不是像</a:t>
+            </a:r>
+            <a:r>
+              <a:rPr lang="en-US" altLang="zh-CN" dirty="0"/>
+              <a:t>Sweep</a:t>
+            </a:r>
+            <a:r>
+              <a:rPr lang="zh-CN" altLang="en-US" dirty="0"/>
+              <a:t>（清 理）那样清理废弃的对象）算法，在</a:t>
+            </a:r>
+            <a:r>
+              <a:rPr lang="en-US" altLang="zh-CN" dirty="0"/>
+              <a:t>Parallel Old</a:t>
+            </a:r>
+            <a:r>
+              <a:rPr lang="zh-CN" altLang="en-US" dirty="0"/>
+              <a:t>执行时，仍然需要暂停其它线程。</a:t>
+            </a:r>
+          </a:p>
+          <a:p>
+            <a:endParaRPr lang="en-US" altLang="zh-CN" b="1" dirty="0"/>
+          </a:p>
+          <a:p>
+            <a:r>
+              <a:rPr lang="en-US" altLang="zh-CN" b="1" dirty="0"/>
+              <a:t>CMS</a:t>
+            </a:r>
+            <a:r>
+              <a:rPr lang="zh-CN" altLang="en-US" b="1" dirty="0"/>
+              <a:t>（</a:t>
+            </a:r>
+            <a:r>
+              <a:rPr lang="en-US" altLang="zh-CN" b="1" dirty="0"/>
+              <a:t>Concurrent Mark Sweep</a:t>
+            </a:r>
+            <a:r>
+              <a:rPr lang="zh-CN" altLang="en-US" b="1" dirty="0"/>
+              <a:t>）收集器</a:t>
+            </a:r>
+            <a:r>
+              <a:rPr lang="zh-CN" altLang="en-US" dirty="0"/>
+              <a:t>：老年代收集器，致力于获取最短回收停顿时间，使用标记清除算法，多线程，优点是并发收集（用户线程可以和</a:t>
+            </a:r>
+            <a:r>
+              <a:rPr lang="en-US" altLang="zh-CN" dirty="0"/>
+              <a:t>GC</a:t>
+            </a:r>
+            <a:r>
+              <a:rPr lang="zh-CN" altLang="en-US" dirty="0"/>
+              <a:t>线程同时工作），停顿小。</a:t>
             </a:r>
           </a:p>
         </p:txBody>
@@ -5803,7 +6060,7 @@
     </p:spTree>
     <p:extLst>
       <p:ext uri="{BB962C8B-B14F-4D97-AF65-F5344CB8AC3E}">
-        <p14:creationId xmlns:p14="http://schemas.microsoft.com/office/powerpoint/2010/main" val="65184367"/>
+        <p14:creationId xmlns:p14="http://schemas.microsoft.com/office/powerpoint/2010/main" val="3071085711"/>
       </p:ext>
     </p:extLst>
   </p:cSld>
@@ -5905,7 +6162,7 @@
           </a:ln>
           <a:extLst>
             <a:ext uri="{C572A759-6A51-4108-AA02-DFA0A04FC94B}">
-              <ma14:wrappingTextBoxFlag xmlns="" xmlns:ma14="http://schemas.microsoft.com/office/mac/drawingml/2011/main" val="1"/>
+              <ma14:wrappingTextBoxFlag xmlns:ma14="http://schemas.microsoft.com/office/mac/drawingml/2011/main" xmlns="" val="1"/>
             </a:ext>
           </a:extLst>
         </p:spPr>
@@ -6152,7 +6409,7 @@
           </a:ln>
           <a:extLst>
             <a:ext uri="{C572A759-6A51-4108-AA02-DFA0A04FC94B}">
-              <ma14:wrappingTextBoxFlag xmlns="" xmlns:ma14="http://schemas.microsoft.com/office/mac/drawingml/2011/main" val="1"/>
+              <ma14:wrappingTextBoxFlag xmlns:ma14="http://schemas.microsoft.com/office/mac/drawingml/2011/main" xmlns="" val="1"/>
             </a:ext>
           </a:extLst>
         </p:spPr>
@@ -6546,7 +6803,7 @@
           </a:ln>
           <a:extLst>
             <a:ext uri="{C572A759-6A51-4108-AA02-DFA0A04FC94B}">
-              <ma14:wrappingTextBoxFlag xmlns="" xmlns:ma14="http://schemas.microsoft.com/office/mac/drawingml/2011/main" val="1"/>
+              <ma14:wrappingTextBoxFlag xmlns:ma14="http://schemas.microsoft.com/office/mac/drawingml/2011/main" xmlns="" val="1"/>
             </a:ext>
           </a:extLst>
         </p:spPr>
@@ -7104,7 +7361,7 @@
           </a:ln>
           <a:extLst>
             <a:ext uri="{C572A759-6A51-4108-AA02-DFA0A04FC94B}">
-              <ma14:wrappingTextBoxFlag xmlns="" xmlns:ma14="http://schemas.microsoft.com/office/mac/drawingml/2011/main" val="1"/>
+              <ma14:wrappingTextBoxFlag xmlns:ma14="http://schemas.microsoft.com/office/mac/drawingml/2011/main" xmlns="" val="1"/>
             </a:ext>
           </a:extLst>
         </p:spPr>
@@ -7354,7 +7611,7 @@
           </a:ln>
           <a:extLst>
             <a:ext uri="{C572A759-6A51-4108-AA02-DFA0A04FC94B}">
-              <ma14:wrappingTextBoxFlag xmlns="" xmlns:ma14="http://schemas.microsoft.com/office/mac/drawingml/2011/main" val="1"/>
+              <ma14:wrappingTextBoxFlag xmlns:ma14="http://schemas.microsoft.com/office/mac/drawingml/2011/main" xmlns="" val="1"/>
             </a:ext>
           </a:extLst>
         </p:spPr>
@@ -7604,7 +7861,7 @@
           </a:ln>
           <a:extLst>
             <a:ext uri="{C572A759-6A51-4108-AA02-DFA0A04FC94B}">
-              <ma14:wrappingTextBoxFlag xmlns="" xmlns:ma14="http://schemas.microsoft.com/office/mac/drawingml/2011/main" val="1"/>
+              <ma14:wrappingTextBoxFlag xmlns:ma14="http://schemas.microsoft.com/office/mac/drawingml/2011/main" xmlns="" val="1"/>
             </a:ext>
           </a:extLst>
         </p:spPr>
@@ -7933,7 +8190,7 @@
           </a:ln>
           <a:extLst>
             <a:ext uri="{C572A759-6A51-4108-AA02-DFA0A04FC94B}">
-              <ma14:wrappingTextBoxFlag xmlns="" xmlns:ma14="http://schemas.microsoft.com/office/mac/drawingml/2011/main" val="1"/>
+              <ma14:wrappingTextBoxFlag xmlns:ma14="http://schemas.microsoft.com/office/mac/drawingml/2011/main" xmlns="" val="1"/>
             </a:ext>
           </a:extLst>
         </p:spPr>
@@ -8424,7 +8681,7 @@
           </a:ln>
           <a:extLst>
             <a:ext uri="{C572A759-6A51-4108-AA02-DFA0A04FC94B}">
-              <ma14:wrappingTextBoxFlag xmlns="" xmlns:ma14="http://schemas.microsoft.com/office/mac/drawingml/2011/main" val="1"/>
+              <ma14:wrappingTextBoxFlag xmlns:ma14="http://schemas.microsoft.com/office/mac/drawingml/2011/main" xmlns="" val="1"/>
             </a:ext>
           </a:extLst>
         </p:spPr>
@@ -8873,7 +9130,7 @@
           </a:ln>
           <a:extLst>
             <a:ext uri="{C572A759-6A51-4108-AA02-DFA0A04FC94B}">
-              <ma14:wrappingTextBoxFlag xmlns="" xmlns:ma14="http://schemas.microsoft.com/office/mac/drawingml/2011/main" val="1"/>
+              <ma14:wrappingTextBoxFlag xmlns:ma14="http://schemas.microsoft.com/office/mac/drawingml/2011/main" xmlns="" val="1"/>
             </a:ext>
           </a:extLst>
         </p:spPr>
@@ -9193,7 +9450,7 @@
           </a:ln>
           <a:extLst>
             <a:ext uri="{C572A759-6A51-4108-AA02-DFA0A04FC94B}">
-              <ma14:wrappingTextBoxFlag xmlns="" xmlns:ma14="http://schemas.microsoft.com/office/mac/drawingml/2011/main" val="1"/>
+              <ma14:wrappingTextBoxFlag xmlns:ma14="http://schemas.microsoft.com/office/mac/drawingml/2011/main" xmlns="" val="1"/>
             </a:ext>
           </a:extLst>
         </p:spPr>
@@ -9504,7 +9761,7 @@
           </a:ln>
           <a:extLst>
             <a:ext uri="{C572A759-6A51-4108-AA02-DFA0A04FC94B}">
-              <ma14:wrappingTextBoxFlag xmlns="" xmlns:ma14="http://schemas.microsoft.com/office/mac/drawingml/2011/main" val="1"/>
+              <ma14:wrappingTextBoxFlag xmlns:ma14="http://schemas.microsoft.com/office/mac/drawingml/2011/main" xmlns="" val="1"/>
             </a:ext>
           </a:extLst>
         </p:spPr>
@@ -10088,7 +10345,7 @@
           </a:ln>
           <a:extLst>
             <a:ext uri="{C572A759-6A51-4108-AA02-DFA0A04FC94B}">
-              <ma14:wrappingTextBoxFlag xmlns="" xmlns:ma14="http://schemas.microsoft.com/office/mac/drawingml/2011/main" val="1"/>
+              <ma14:wrappingTextBoxFlag xmlns:ma14="http://schemas.microsoft.com/office/mac/drawingml/2011/main" xmlns="" val="1"/>
             </a:ext>
           </a:extLst>
         </p:spPr>
@@ -10398,7 +10655,7 @@
           </a:ln>
           <a:extLst>
             <a:ext uri="{C572A759-6A51-4108-AA02-DFA0A04FC94B}">
-              <ma14:wrappingTextBoxFlag xmlns="" xmlns:ma14="http://schemas.microsoft.com/office/mac/drawingml/2011/main" val="1"/>
+              <ma14:wrappingTextBoxFlag xmlns:ma14="http://schemas.microsoft.com/office/mac/drawingml/2011/main" xmlns="" val="1"/>
             </a:ext>
           </a:extLst>
         </p:spPr>
@@ -10460,7 +10717,7 @@
           </a:ln>
           <a:extLst>
             <a:ext uri="{C572A759-6A51-4108-AA02-DFA0A04FC94B}">
-              <ma14:wrappingTextBoxFlag xmlns="" xmlns:ma14="http://schemas.microsoft.com/office/mac/drawingml/2011/main" val="1"/>
+              <ma14:wrappingTextBoxFlag xmlns:ma14="http://schemas.microsoft.com/office/mac/drawingml/2011/main" xmlns="" val="1"/>
             </a:ext>
           </a:extLst>
         </p:spPr>
@@ -10588,7 +10845,7 @@
           </a:ln>
           <a:extLst>
             <a:ext uri="{C572A759-6A51-4108-AA02-DFA0A04FC94B}">
-              <ma14:wrappingTextBoxFlag xmlns="" xmlns:ma14="http://schemas.microsoft.com/office/mac/drawingml/2011/main" val="1"/>
+              <ma14:wrappingTextBoxFlag xmlns:ma14="http://schemas.microsoft.com/office/mac/drawingml/2011/main" xmlns="" val="1"/>
             </a:ext>
           </a:extLst>
         </p:spPr>
@@ -10955,7 +11212,7 @@
           </a:ln>
           <a:extLst>
             <a:ext uri="{C572A759-6A51-4108-AA02-DFA0A04FC94B}">
-              <ma14:wrappingTextBoxFlag xmlns="" xmlns:ma14="http://schemas.microsoft.com/office/mac/drawingml/2011/main" val="1"/>
+              <ma14:wrappingTextBoxFlag xmlns:ma14="http://schemas.microsoft.com/office/mac/drawingml/2011/main" xmlns="" val="1"/>
             </a:ext>
           </a:extLst>
         </p:spPr>
@@ -11479,7 +11736,7 @@
           </a:ln>
           <a:extLst>
             <a:ext uri="{C572A759-6A51-4108-AA02-DFA0A04FC94B}">
-              <ma14:wrappingTextBoxFlag xmlns="" xmlns:ma14="http://schemas.microsoft.com/office/mac/drawingml/2011/main" val="1"/>
+              <ma14:wrappingTextBoxFlag xmlns:ma14="http://schemas.microsoft.com/office/mac/drawingml/2011/main" xmlns="" val="1"/>
             </a:ext>
           </a:extLst>
         </p:spPr>
@@ -11781,7 +12038,7 @@
           </a:ln>
           <a:extLst>
             <a:ext uri="{C572A759-6A51-4108-AA02-DFA0A04FC94B}">
-              <ma14:wrappingTextBoxFlag xmlns="" xmlns:ma14="http://schemas.microsoft.com/office/mac/drawingml/2011/main" val="1"/>
+              <ma14:wrappingTextBoxFlag xmlns:ma14="http://schemas.microsoft.com/office/mac/drawingml/2011/main" xmlns="" val="1"/>
             </a:ext>
           </a:extLst>
         </p:spPr>
@@ -12068,7 +12325,7 @@
           </a:ln>
           <a:extLst>
             <a:ext uri="{C572A759-6A51-4108-AA02-DFA0A04FC94B}">
-              <ma14:wrappingTextBoxFlag xmlns="" xmlns:ma14="http://schemas.microsoft.com/office/mac/drawingml/2011/main" val="1"/>
+              <ma14:wrappingTextBoxFlag xmlns:ma14="http://schemas.microsoft.com/office/mac/drawingml/2011/main" xmlns="" val="1"/>
             </a:ext>
           </a:extLst>
         </p:spPr>
@@ -12486,7 +12743,7 @@
           </a:ln>
           <a:extLst>
             <a:ext uri="{C572A759-6A51-4108-AA02-DFA0A04FC94B}">
-              <ma14:wrappingTextBoxFlag xmlns="" xmlns:ma14="http://schemas.microsoft.com/office/mac/drawingml/2011/main" val="1"/>
+              <ma14:wrappingTextBoxFlag xmlns:ma14="http://schemas.microsoft.com/office/mac/drawingml/2011/main" xmlns="" val="1"/>
             </a:ext>
           </a:extLst>
         </p:spPr>
@@ -12891,7 +13148,7 @@
         <p:spPr>
           <a:xfrm>
             <a:off x="398353" y="134694"/>
-            <a:ext cx="3186127" cy="477054"/>
+            <a:ext cx="2487217" cy="477054"/>
           </a:xfrm>
           <a:prstGeom prst="rect">
             <a:avLst/>
@@ -12901,7 +13158,7 @@
           </a:ln>
           <a:extLst>
             <a:ext uri="{C572A759-6A51-4108-AA02-DFA0A04FC94B}">
-              <ma14:wrappingTextBoxFlag xmlns="" xmlns:ma14="http://schemas.microsoft.com/office/mac/drawingml/2011/main" val="1"/>
+              <ma14:wrappingTextBoxFlag xmlns:ma14="http://schemas.microsoft.com/office/mac/drawingml/2011/main" xmlns="" val="1"/>
             </a:ext>
           </a:extLst>
         </p:spPr>
@@ -12925,11 +13182,11 @@
             </a:r>
             <a:r>
               <a:rPr lang="en-US" altLang="zh-CN" dirty="0"/>
-              <a:t>-</a:t>
+              <a:t>-GC</a:t>
             </a:r>
             <a:r>
               <a:rPr lang="zh-CN" altLang="en-US" dirty="0"/>
-              <a:t>共享与私有</a:t>
+              <a:t>流程</a:t>
             </a:r>
             <a:endParaRPr dirty="0"/>
           </a:p>
@@ -13015,7 +13272,7 @@
       </p:sp>
       <p:pic>
         <p:nvPicPr>
-          <p:cNvPr id="4" name="图片 3"/>
+          <p:cNvPr id="7" name="图片 6"/>
           <p:cNvPicPr>
             <a:picLocks noChangeAspect="1"/>
           </p:cNvPicPr>
@@ -13029,8 +13286,8 @@
         </p:blipFill>
         <p:spPr>
           <a:xfrm>
-            <a:off x="1386348" y="1047543"/>
-            <a:ext cx="8780207" cy="5210005"/>
+            <a:off x="457200" y="952034"/>
+            <a:ext cx="6950808" cy="5717458"/>
           </a:xfrm>
           <a:prstGeom prst="rect">
             <a:avLst/>
@@ -13040,7 +13297,7 @@
     </p:spTree>
     <p:extLst>
       <p:ext uri="{BB962C8B-B14F-4D97-AF65-F5344CB8AC3E}">
-        <p14:creationId xmlns:p14="http://schemas.microsoft.com/office/powerpoint/2010/main" val="3946750298"/>
+        <p14:creationId xmlns:p14="http://schemas.microsoft.com/office/powerpoint/2010/main" val="1222168770"/>
       </p:ext>
     </p:extLst>
   </p:cSld>
